--- a/Bilişim eğitim merkezi.pptx
+++ b/Bilişim eğitim merkezi.pptx
@@ -5,10 +5,10 @@
     <p:sldMasterId id="2147483738" r:id="rId4"/>
   </p:sldMasterIdLst>
   <p:notesMasterIdLst>
-    <p:notesMasterId r:id="rId46"/>
+    <p:notesMasterId r:id="rId57"/>
   </p:notesMasterIdLst>
   <p:handoutMasterIdLst>
-    <p:handoutMasterId r:id="rId47"/>
+    <p:handoutMasterId r:id="rId58"/>
   </p:handoutMasterIdLst>
   <p:sldIdLst>
     <p:sldId id="290" r:id="rId5"/>
@@ -38,20 +38,31 @@
     <p:sldId id="320" r:id="rId29"/>
     <p:sldId id="321" r:id="rId30"/>
     <p:sldId id="322" r:id="rId31"/>
-    <p:sldId id="324" r:id="rId32"/>
-    <p:sldId id="325" r:id="rId33"/>
-    <p:sldId id="326" r:id="rId34"/>
-    <p:sldId id="327" r:id="rId35"/>
-    <p:sldId id="328" r:id="rId36"/>
-    <p:sldId id="329" r:id="rId37"/>
-    <p:sldId id="330" r:id="rId38"/>
-    <p:sldId id="331" r:id="rId39"/>
-    <p:sldId id="332" r:id="rId40"/>
-    <p:sldId id="333" r:id="rId41"/>
-    <p:sldId id="334" r:id="rId42"/>
-    <p:sldId id="308" r:id="rId43"/>
-    <p:sldId id="309" r:id="rId44"/>
-    <p:sldId id="310" r:id="rId45"/>
+    <p:sldId id="338" r:id="rId32"/>
+    <p:sldId id="324" r:id="rId33"/>
+    <p:sldId id="325" r:id="rId34"/>
+    <p:sldId id="326" r:id="rId35"/>
+    <p:sldId id="327" r:id="rId36"/>
+    <p:sldId id="328" r:id="rId37"/>
+    <p:sldId id="329" r:id="rId38"/>
+    <p:sldId id="330" r:id="rId39"/>
+    <p:sldId id="331" r:id="rId40"/>
+    <p:sldId id="332" r:id="rId41"/>
+    <p:sldId id="333" r:id="rId42"/>
+    <p:sldId id="334" r:id="rId43"/>
+    <p:sldId id="335" r:id="rId44"/>
+    <p:sldId id="336" r:id="rId45"/>
+    <p:sldId id="339" r:id="rId46"/>
+    <p:sldId id="340" r:id="rId47"/>
+    <p:sldId id="341" r:id="rId48"/>
+    <p:sldId id="342" r:id="rId49"/>
+    <p:sldId id="343" r:id="rId50"/>
+    <p:sldId id="344" r:id="rId51"/>
+    <p:sldId id="345" r:id="rId52"/>
+    <p:sldId id="346" r:id="rId53"/>
+    <p:sldId id="308" r:id="rId54"/>
+    <p:sldId id="309" r:id="rId55"/>
+    <p:sldId id="310" r:id="rId56"/>
   </p:sldIdLst>
   <p:sldSz cx="12192000" cy="6858000"/>
   <p:notesSz cx="6858000" cy="9144000"/>
@@ -5129,7 +5140,7 @@
             <a:pPr rtl="0"/>
             <a:fld id="{AABE9C73-6CDE-45E2-97F8-E3C5308FA232}" type="slidenum">
               <a:rPr lang="tr-TR" smtClean="0"/>
-              <a:t>28</a:t>
+              <a:t>29</a:t>
             </a:fld>
             <a:endParaRPr lang="tr-TR" dirty="0"/>
           </a:p>
@@ -5223,7 +5234,7 @@
             <a:pPr rtl="0"/>
             <a:fld id="{AABE9C73-6CDE-45E2-97F8-E3C5308FA232}" type="slidenum">
               <a:rPr lang="tr-TR" smtClean="0"/>
-              <a:t>29</a:t>
+              <a:t>30</a:t>
             </a:fld>
             <a:endParaRPr lang="tr-TR" dirty="0"/>
           </a:p>
@@ -5317,7 +5328,7 @@
             <a:pPr rtl="0"/>
             <a:fld id="{AABE9C73-6CDE-45E2-97F8-E3C5308FA232}" type="slidenum">
               <a:rPr lang="tr-TR" smtClean="0"/>
-              <a:t>30</a:t>
+              <a:t>31</a:t>
             </a:fld>
             <a:endParaRPr lang="tr-TR" dirty="0"/>
           </a:p>
@@ -5411,7 +5422,7 @@
             <a:pPr rtl="0"/>
             <a:fld id="{AABE9C73-6CDE-45E2-97F8-E3C5308FA232}" type="slidenum">
               <a:rPr lang="tr-TR" smtClean="0"/>
-              <a:t>31</a:t>
+              <a:t>32</a:t>
             </a:fld>
             <a:endParaRPr lang="tr-TR" dirty="0"/>
           </a:p>
@@ -5505,7 +5516,7 @@
             <a:pPr rtl="0"/>
             <a:fld id="{AABE9C73-6CDE-45E2-97F8-E3C5308FA232}" type="slidenum">
               <a:rPr lang="tr-TR" smtClean="0"/>
-              <a:t>32</a:t>
+              <a:t>33</a:t>
             </a:fld>
             <a:endParaRPr lang="tr-TR" dirty="0"/>
           </a:p>
@@ -5599,7 +5610,7 @@
             <a:pPr rtl="0"/>
             <a:fld id="{AABE9C73-6CDE-45E2-97F8-E3C5308FA232}" type="slidenum">
               <a:rPr lang="tr-TR" smtClean="0"/>
-              <a:t>33</a:t>
+              <a:t>34</a:t>
             </a:fld>
             <a:endParaRPr lang="tr-TR" dirty="0"/>
           </a:p>
@@ -5693,7 +5704,7 @@
             <a:pPr rtl="0"/>
             <a:fld id="{AABE9C73-6CDE-45E2-97F8-E3C5308FA232}" type="slidenum">
               <a:rPr lang="tr-TR" smtClean="0"/>
-              <a:t>34</a:t>
+              <a:t>35</a:t>
             </a:fld>
             <a:endParaRPr lang="tr-TR" dirty="0"/>
           </a:p>
@@ -5787,7 +5798,7 @@
             <a:pPr rtl="0"/>
             <a:fld id="{AABE9C73-6CDE-45E2-97F8-E3C5308FA232}" type="slidenum">
               <a:rPr lang="tr-TR" smtClean="0"/>
-              <a:t>35</a:t>
+              <a:t>36</a:t>
             </a:fld>
             <a:endParaRPr lang="tr-TR" dirty="0"/>
           </a:p>
@@ -5881,7 +5892,7 @@
             <a:pPr rtl="0"/>
             <a:fld id="{AABE9C73-6CDE-45E2-97F8-E3C5308FA232}" type="slidenum">
               <a:rPr lang="tr-TR" smtClean="0"/>
-              <a:t>36</a:t>
+              <a:t>37</a:t>
             </a:fld>
             <a:endParaRPr lang="tr-TR" dirty="0"/>
           </a:p>
@@ -6069,7 +6080,7 @@
             <a:pPr rtl="0"/>
             <a:fld id="{AABE9C73-6CDE-45E2-97F8-E3C5308FA232}" type="slidenum">
               <a:rPr lang="tr-TR" smtClean="0"/>
-              <a:t>37</a:t>
+              <a:t>38</a:t>
             </a:fld>
             <a:endParaRPr lang="tr-TR" dirty="0"/>
           </a:p>
@@ -6163,7 +6174,7 @@
             <a:pPr rtl="0"/>
             <a:fld id="{AABE9C73-6CDE-45E2-97F8-E3C5308FA232}" type="slidenum">
               <a:rPr lang="tr-TR" smtClean="0"/>
-              <a:t>38</a:t>
+              <a:t>39</a:t>
             </a:fld>
             <a:endParaRPr lang="tr-TR" dirty="0"/>
           </a:p>
@@ -6257,7 +6268,7 @@
             <a:pPr rtl="0"/>
             <a:fld id="{AABE9C73-6CDE-45E2-97F8-E3C5308FA232}" type="slidenum">
               <a:rPr lang="tr-TR" smtClean="0"/>
-              <a:t>39</a:t>
+              <a:t>40</a:t>
             </a:fld>
             <a:endParaRPr lang="tr-TR" dirty="0"/>
           </a:p>
@@ -6266,7 +6277,7 @@
     </p:spTree>
     <p:extLst>
       <p:ext uri="{BB962C8B-B14F-4D97-AF65-F5344CB8AC3E}">
-        <p14:creationId xmlns:p14="http://schemas.microsoft.com/office/powerpoint/2010/main" val="334341523"/>
+        <p14:creationId xmlns:p14="http://schemas.microsoft.com/office/powerpoint/2010/main" val="1176759312"/>
       </p:ext>
     </p:extLst>
   </p:cSld>
@@ -6351,7 +6362,7 @@
             <a:pPr rtl="0"/>
             <a:fld id="{AABE9C73-6CDE-45E2-97F8-E3C5308FA232}" type="slidenum">
               <a:rPr lang="tr-TR" smtClean="0"/>
-              <a:t>40</a:t>
+              <a:t>41</a:t>
             </a:fld>
             <a:endParaRPr lang="tr-TR" dirty="0"/>
           </a:p>
@@ -6360,7 +6371,7 @@
     </p:spTree>
     <p:extLst>
       <p:ext uri="{BB962C8B-B14F-4D97-AF65-F5344CB8AC3E}">
-        <p14:creationId xmlns:p14="http://schemas.microsoft.com/office/powerpoint/2010/main" val="1032597380"/>
+        <p14:creationId xmlns:p14="http://schemas.microsoft.com/office/powerpoint/2010/main" val="3312783902"/>
       </p:ext>
     </p:extLst>
   </p:cSld>
@@ -6445,7 +6456,7 @@
             <a:pPr rtl="0"/>
             <a:fld id="{AABE9C73-6CDE-45E2-97F8-E3C5308FA232}" type="slidenum">
               <a:rPr lang="tr-TR" smtClean="0"/>
-              <a:t>41</a:t>
+              <a:t>43</a:t>
             </a:fld>
             <a:endParaRPr lang="tr-TR" dirty="0"/>
           </a:p>
@@ -6454,7 +6465,477 @@
     </p:spTree>
     <p:extLst>
       <p:ext uri="{BB962C8B-B14F-4D97-AF65-F5344CB8AC3E}">
-        <p14:creationId xmlns:p14="http://schemas.microsoft.com/office/powerpoint/2010/main" val="2217232862"/>
+        <p14:creationId xmlns:p14="http://schemas.microsoft.com/office/powerpoint/2010/main" val="1995401838"/>
+      </p:ext>
+    </p:extLst>
+  </p:cSld>
+  <p:clrMapOvr>
+    <a:masterClrMapping/>
+  </p:clrMapOvr>
+</p:notes>
+</file>
+
+<file path=ppt/notesSlides/notesSlide35.xml><?xml version="1.0" encoding="utf-8"?>
+<p:notes xmlns:a="http://schemas.openxmlformats.org/drawingml/2006/main" xmlns:r="http://schemas.openxmlformats.org/officeDocument/2006/relationships" xmlns:p="http://schemas.openxmlformats.org/presentationml/2006/main">
+  <p:cSld>
+    <p:spTree>
+      <p:nvGrpSpPr>
+        <p:cNvPr id="1" name=""/>
+        <p:cNvGrpSpPr/>
+        <p:nvPr/>
+      </p:nvGrpSpPr>
+      <p:grpSpPr>
+        <a:xfrm>
+          <a:off x="0" y="0"/>
+          <a:ext cx="0" cy="0"/>
+          <a:chOff x="0" y="0"/>
+          <a:chExt cx="0" cy="0"/>
+        </a:xfrm>
+      </p:grpSpPr>
+      <p:sp>
+        <p:nvSpPr>
+          <p:cNvPr id="2" name="Slayt Görüntüsü Yer Tutucusu 1"/>
+          <p:cNvSpPr>
+            <a:spLocks noGrp="1" noRot="1" noChangeAspect="1"/>
+          </p:cNvSpPr>
+          <p:nvPr>
+            <p:ph type="sldImg"/>
+          </p:nvPr>
+        </p:nvSpPr>
+        <p:spPr/>
+      </p:sp>
+      <p:sp>
+        <p:nvSpPr>
+          <p:cNvPr id="3" name="Notlar Yer Tutucusu 2"/>
+          <p:cNvSpPr>
+            <a:spLocks noGrp="1"/>
+          </p:cNvSpPr>
+          <p:nvPr>
+            <p:ph type="body" idx="1"/>
+          </p:nvPr>
+        </p:nvSpPr>
+        <p:spPr/>
+        <p:txBody>
+          <a:bodyPr rtlCol="0"/>
+          <a:lstStyle>
+            <a:defPPr>
+              <a:defRPr lang="tr-TR"/>
+            </a:defPPr>
+          </a:lstStyle>
+          <a:p>
+            <a:pPr rtl="0"/>
+            <a:endParaRPr lang="tr-TR" dirty="0"/>
+          </a:p>
+        </p:txBody>
+      </p:sp>
+      <p:sp>
+        <p:nvSpPr>
+          <p:cNvPr id="4" name="Slayt Numarası Yer Tutucusu 3"/>
+          <p:cNvSpPr>
+            <a:spLocks noGrp="1"/>
+          </p:cNvSpPr>
+          <p:nvPr>
+            <p:ph type="sldNum" sz="quarter" idx="5"/>
+          </p:nvPr>
+        </p:nvSpPr>
+        <p:spPr/>
+        <p:txBody>
+          <a:bodyPr rtlCol="0"/>
+          <a:lstStyle>
+            <a:defPPr>
+              <a:defRPr lang="tr-TR"/>
+            </a:defPPr>
+          </a:lstStyle>
+          <a:p>
+            <a:pPr rtl="0"/>
+            <a:fld id="{AABE9C73-6CDE-45E2-97F8-E3C5308FA232}" type="slidenum">
+              <a:rPr lang="tr-TR" smtClean="0"/>
+              <a:t>44</a:t>
+            </a:fld>
+            <a:endParaRPr lang="tr-TR" dirty="0"/>
+          </a:p>
+        </p:txBody>
+      </p:sp>
+    </p:spTree>
+    <p:extLst>
+      <p:ext uri="{BB962C8B-B14F-4D97-AF65-F5344CB8AC3E}">
+        <p14:creationId xmlns:p14="http://schemas.microsoft.com/office/powerpoint/2010/main" val="1752464147"/>
+      </p:ext>
+    </p:extLst>
+  </p:cSld>
+  <p:clrMapOvr>
+    <a:masterClrMapping/>
+  </p:clrMapOvr>
+</p:notes>
+</file>
+
+<file path=ppt/notesSlides/notesSlide36.xml><?xml version="1.0" encoding="utf-8"?>
+<p:notes xmlns:a="http://schemas.openxmlformats.org/drawingml/2006/main" xmlns:r="http://schemas.openxmlformats.org/officeDocument/2006/relationships" xmlns:p="http://schemas.openxmlformats.org/presentationml/2006/main">
+  <p:cSld>
+    <p:spTree>
+      <p:nvGrpSpPr>
+        <p:cNvPr id="1" name=""/>
+        <p:cNvGrpSpPr/>
+        <p:nvPr/>
+      </p:nvGrpSpPr>
+      <p:grpSpPr>
+        <a:xfrm>
+          <a:off x="0" y="0"/>
+          <a:ext cx="0" cy="0"/>
+          <a:chOff x="0" y="0"/>
+          <a:chExt cx="0" cy="0"/>
+        </a:xfrm>
+      </p:grpSpPr>
+      <p:sp>
+        <p:nvSpPr>
+          <p:cNvPr id="2" name="Slayt Görüntüsü Yer Tutucusu 1"/>
+          <p:cNvSpPr>
+            <a:spLocks noGrp="1" noRot="1" noChangeAspect="1"/>
+          </p:cNvSpPr>
+          <p:nvPr>
+            <p:ph type="sldImg"/>
+          </p:nvPr>
+        </p:nvSpPr>
+        <p:spPr/>
+      </p:sp>
+      <p:sp>
+        <p:nvSpPr>
+          <p:cNvPr id="3" name="Notlar Yer Tutucusu 2"/>
+          <p:cNvSpPr>
+            <a:spLocks noGrp="1"/>
+          </p:cNvSpPr>
+          <p:nvPr>
+            <p:ph type="body" idx="1"/>
+          </p:nvPr>
+        </p:nvSpPr>
+        <p:spPr/>
+        <p:txBody>
+          <a:bodyPr rtlCol="0"/>
+          <a:lstStyle>
+            <a:defPPr>
+              <a:defRPr lang="tr-TR"/>
+            </a:defPPr>
+          </a:lstStyle>
+          <a:p>
+            <a:pPr rtl="0"/>
+            <a:endParaRPr lang="tr-TR" dirty="0"/>
+          </a:p>
+        </p:txBody>
+      </p:sp>
+      <p:sp>
+        <p:nvSpPr>
+          <p:cNvPr id="4" name="Slayt Numarası Yer Tutucusu 3"/>
+          <p:cNvSpPr>
+            <a:spLocks noGrp="1"/>
+          </p:cNvSpPr>
+          <p:nvPr>
+            <p:ph type="sldNum" sz="quarter" idx="5"/>
+          </p:nvPr>
+        </p:nvSpPr>
+        <p:spPr/>
+        <p:txBody>
+          <a:bodyPr rtlCol="0"/>
+          <a:lstStyle>
+            <a:defPPr>
+              <a:defRPr lang="tr-TR"/>
+            </a:defPPr>
+          </a:lstStyle>
+          <a:p>
+            <a:pPr rtl="0"/>
+            <a:fld id="{AABE9C73-6CDE-45E2-97F8-E3C5308FA232}" type="slidenum">
+              <a:rPr lang="tr-TR" smtClean="0"/>
+              <a:t>45</a:t>
+            </a:fld>
+            <a:endParaRPr lang="tr-TR" dirty="0"/>
+          </a:p>
+        </p:txBody>
+      </p:sp>
+    </p:spTree>
+    <p:extLst>
+      <p:ext uri="{BB962C8B-B14F-4D97-AF65-F5344CB8AC3E}">
+        <p14:creationId xmlns:p14="http://schemas.microsoft.com/office/powerpoint/2010/main" val="1891098729"/>
+      </p:ext>
+    </p:extLst>
+  </p:cSld>
+  <p:clrMapOvr>
+    <a:masterClrMapping/>
+  </p:clrMapOvr>
+</p:notes>
+</file>
+
+<file path=ppt/notesSlides/notesSlide37.xml><?xml version="1.0" encoding="utf-8"?>
+<p:notes xmlns:a="http://schemas.openxmlformats.org/drawingml/2006/main" xmlns:r="http://schemas.openxmlformats.org/officeDocument/2006/relationships" xmlns:p="http://schemas.openxmlformats.org/presentationml/2006/main">
+  <p:cSld>
+    <p:spTree>
+      <p:nvGrpSpPr>
+        <p:cNvPr id="1" name=""/>
+        <p:cNvGrpSpPr/>
+        <p:nvPr/>
+      </p:nvGrpSpPr>
+      <p:grpSpPr>
+        <a:xfrm>
+          <a:off x="0" y="0"/>
+          <a:ext cx="0" cy="0"/>
+          <a:chOff x="0" y="0"/>
+          <a:chExt cx="0" cy="0"/>
+        </a:xfrm>
+      </p:grpSpPr>
+      <p:sp>
+        <p:nvSpPr>
+          <p:cNvPr id="2" name="Slayt Görüntüsü Yer Tutucusu 1"/>
+          <p:cNvSpPr>
+            <a:spLocks noGrp="1" noRot="1" noChangeAspect="1"/>
+          </p:cNvSpPr>
+          <p:nvPr>
+            <p:ph type="sldImg"/>
+          </p:nvPr>
+        </p:nvSpPr>
+        <p:spPr/>
+      </p:sp>
+      <p:sp>
+        <p:nvSpPr>
+          <p:cNvPr id="3" name="Notlar Yer Tutucusu 2"/>
+          <p:cNvSpPr>
+            <a:spLocks noGrp="1"/>
+          </p:cNvSpPr>
+          <p:nvPr>
+            <p:ph type="body" idx="1"/>
+          </p:nvPr>
+        </p:nvSpPr>
+        <p:spPr/>
+        <p:txBody>
+          <a:bodyPr rtlCol="0"/>
+          <a:lstStyle>
+            <a:defPPr>
+              <a:defRPr lang="tr-TR"/>
+            </a:defPPr>
+          </a:lstStyle>
+          <a:p>
+            <a:pPr rtl="0"/>
+            <a:endParaRPr lang="tr-TR" dirty="0"/>
+          </a:p>
+        </p:txBody>
+      </p:sp>
+      <p:sp>
+        <p:nvSpPr>
+          <p:cNvPr id="4" name="Slayt Numarası Yer Tutucusu 3"/>
+          <p:cNvSpPr>
+            <a:spLocks noGrp="1"/>
+          </p:cNvSpPr>
+          <p:nvPr>
+            <p:ph type="sldNum" sz="quarter" idx="5"/>
+          </p:nvPr>
+        </p:nvSpPr>
+        <p:spPr/>
+        <p:txBody>
+          <a:bodyPr rtlCol="0"/>
+          <a:lstStyle>
+            <a:defPPr>
+              <a:defRPr lang="tr-TR"/>
+            </a:defPPr>
+          </a:lstStyle>
+          <a:p>
+            <a:pPr rtl="0"/>
+            <a:fld id="{AABE9C73-6CDE-45E2-97F8-E3C5308FA232}" type="slidenum">
+              <a:rPr lang="tr-TR" smtClean="0"/>
+              <a:t>46</a:t>
+            </a:fld>
+            <a:endParaRPr lang="tr-TR" dirty="0"/>
+          </a:p>
+        </p:txBody>
+      </p:sp>
+    </p:spTree>
+    <p:extLst>
+      <p:ext uri="{BB962C8B-B14F-4D97-AF65-F5344CB8AC3E}">
+        <p14:creationId xmlns:p14="http://schemas.microsoft.com/office/powerpoint/2010/main" val="1312817975"/>
+      </p:ext>
+    </p:extLst>
+  </p:cSld>
+  <p:clrMapOvr>
+    <a:masterClrMapping/>
+  </p:clrMapOvr>
+</p:notes>
+</file>
+
+<file path=ppt/notesSlides/notesSlide38.xml><?xml version="1.0" encoding="utf-8"?>
+<p:notes xmlns:a="http://schemas.openxmlformats.org/drawingml/2006/main" xmlns:r="http://schemas.openxmlformats.org/officeDocument/2006/relationships" xmlns:p="http://schemas.openxmlformats.org/presentationml/2006/main">
+  <p:cSld>
+    <p:spTree>
+      <p:nvGrpSpPr>
+        <p:cNvPr id="1" name=""/>
+        <p:cNvGrpSpPr/>
+        <p:nvPr/>
+      </p:nvGrpSpPr>
+      <p:grpSpPr>
+        <a:xfrm>
+          <a:off x="0" y="0"/>
+          <a:ext cx="0" cy="0"/>
+          <a:chOff x="0" y="0"/>
+          <a:chExt cx="0" cy="0"/>
+        </a:xfrm>
+      </p:grpSpPr>
+      <p:sp>
+        <p:nvSpPr>
+          <p:cNvPr id="2" name="Slayt Görüntüsü Yer Tutucusu 1"/>
+          <p:cNvSpPr>
+            <a:spLocks noGrp="1" noRot="1" noChangeAspect="1"/>
+          </p:cNvSpPr>
+          <p:nvPr>
+            <p:ph type="sldImg"/>
+          </p:nvPr>
+        </p:nvSpPr>
+        <p:spPr/>
+      </p:sp>
+      <p:sp>
+        <p:nvSpPr>
+          <p:cNvPr id="3" name="Notlar Yer Tutucusu 2"/>
+          <p:cNvSpPr>
+            <a:spLocks noGrp="1"/>
+          </p:cNvSpPr>
+          <p:nvPr>
+            <p:ph type="body" idx="1"/>
+          </p:nvPr>
+        </p:nvSpPr>
+        <p:spPr/>
+        <p:txBody>
+          <a:bodyPr rtlCol="0"/>
+          <a:lstStyle>
+            <a:defPPr>
+              <a:defRPr lang="tr-TR"/>
+            </a:defPPr>
+          </a:lstStyle>
+          <a:p>
+            <a:pPr rtl="0"/>
+            <a:endParaRPr lang="tr-TR" dirty="0"/>
+          </a:p>
+        </p:txBody>
+      </p:sp>
+      <p:sp>
+        <p:nvSpPr>
+          <p:cNvPr id="4" name="Slayt Numarası Yer Tutucusu 3"/>
+          <p:cNvSpPr>
+            <a:spLocks noGrp="1"/>
+          </p:cNvSpPr>
+          <p:nvPr>
+            <p:ph type="sldNum" sz="quarter" idx="5"/>
+          </p:nvPr>
+        </p:nvSpPr>
+        <p:spPr/>
+        <p:txBody>
+          <a:bodyPr rtlCol="0"/>
+          <a:lstStyle>
+            <a:defPPr>
+              <a:defRPr lang="tr-TR"/>
+            </a:defPPr>
+          </a:lstStyle>
+          <a:p>
+            <a:pPr rtl="0"/>
+            <a:fld id="{AABE9C73-6CDE-45E2-97F8-E3C5308FA232}" type="slidenum">
+              <a:rPr lang="tr-TR" smtClean="0"/>
+              <a:t>47</a:t>
+            </a:fld>
+            <a:endParaRPr lang="tr-TR" dirty="0"/>
+          </a:p>
+        </p:txBody>
+      </p:sp>
+    </p:spTree>
+    <p:extLst>
+      <p:ext uri="{BB962C8B-B14F-4D97-AF65-F5344CB8AC3E}">
+        <p14:creationId xmlns:p14="http://schemas.microsoft.com/office/powerpoint/2010/main" val="1401796269"/>
+      </p:ext>
+    </p:extLst>
+  </p:cSld>
+  <p:clrMapOvr>
+    <a:masterClrMapping/>
+  </p:clrMapOvr>
+</p:notes>
+</file>
+
+<file path=ppt/notesSlides/notesSlide39.xml><?xml version="1.0" encoding="utf-8"?>
+<p:notes xmlns:a="http://schemas.openxmlformats.org/drawingml/2006/main" xmlns:r="http://schemas.openxmlformats.org/officeDocument/2006/relationships" xmlns:p="http://schemas.openxmlformats.org/presentationml/2006/main">
+  <p:cSld>
+    <p:spTree>
+      <p:nvGrpSpPr>
+        <p:cNvPr id="1" name=""/>
+        <p:cNvGrpSpPr/>
+        <p:nvPr/>
+      </p:nvGrpSpPr>
+      <p:grpSpPr>
+        <a:xfrm>
+          <a:off x="0" y="0"/>
+          <a:ext cx="0" cy="0"/>
+          <a:chOff x="0" y="0"/>
+          <a:chExt cx="0" cy="0"/>
+        </a:xfrm>
+      </p:grpSpPr>
+      <p:sp>
+        <p:nvSpPr>
+          <p:cNvPr id="2" name="Slayt Görüntüsü Yer Tutucusu 1"/>
+          <p:cNvSpPr>
+            <a:spLocks noGrp="1" noRot="1" noChangeAspect="1"/>
+          </p:cNvSpPr>
+          <p:nvPr>
+            <p:ph type="sldImg"/>
+          </p:nvPr>
+        </p:nvSpPr>
+        <p:spPr/>
+      </p:sp>
+      <p:sp>
+        <p:nvSpPr>
+          <p:cNvPr id="3" name="Notlar Yer Tutucusu 2"/>
+          <p:cNvSpPr>
+            <a:spLocks noGrp="1"/>
+          </p:cNvSpPr>
+          <p:nvPr>
+            <p:ph type="body" idx="1"/>
+          </p:nvPr>
+        </p:nvSpPr>
+        <p:spPr/>
+        <p:txBody>
+          <a:bodyPr rtlCol="0"/>
+          <a:lstStyle>
+            <a:defPPr>
+              <a:defRPr lang="tr-TR"/>
+            </a:defPPr>
+          </a:lstStyle>
+          <a:p>
+            <a:pPr rtl="0"/>
+            <a:endParaRPr lang="tr-TR" dirty="0"/>
+          </a:p>
+        </p:txBody>
+      </p:sp>
+      <p:sp>
+        <p:nvSpPr>
+          <p:cNvPr id="4" name="Slayt Numarası Yer Tutucusu 3"/>
+          <p:cNvSpPr>
+            <a:spLocks noGrp="1"/>
+          </p:cNvSpPr>
+          <p:nvPr>
+            <p:ph type="sldNum" sz="quarter" idx="5"/>
+          </p:nvPr>
+        </p:nvSpPr>
+        <p:spPr/>
+        <p:txBody>
+          <a:bodyPr rtlCol="0"/>
+          <a:lstStyle>
+            <a:defPPr>
+              <a:defRPr lang="tr-TR"/>
+            </a:defPPr>
+          </a:lstStyle>
+          <a:p>
+            <a:pPr rtl="0"/>
+            <a:fld id="{AABE9C73-6CDE-45E2-97F8-E3C5308FA232}" type="slidenum">
+              <a:rPr lang="tr-TR" smtClean="0"/>
+              <a:t>48</a:t>
+            </a:fld>
+            <a:endParaRPr lang="tr-TR" dirty="0"/>
+          </a:p>
+        </p:txBody>
+      </p:sp>
+    </p:spTree>
+    <p:extLst>
+      <p:ext uri="{BB962C8B-B14F-4D97-AF65-F5344CB8AC3E}">
+        <p14:creationId xmlns:p14="http://schemas.microsoft.com/office/powerpoint/2010/main" val="3768953154"/>
       </p:ext>
     </p:extLst>
   </p:cSld>
@@ -6549,6 +7030,382 @@
     <p:extLst>
       <p:ext uri="{BB962C8B-B14F-4D97-AF65-F5344CB8AC3E}">
         <p14:creationId xmlns:p14="http://schemas.microsoft.com/office/powerpoint/2010/main" val="1492805639"/>
+      </p:ext>
+    </p:extLst>
+  </p:cSld>
+  <p:clrMapOvr>
+    <a:masterClrMapping/>
+  </p:clrMapOvr>
+</p:notes>
+</file>
+
+<file path=ppt/notesSlides/notesSlide40.xml><?xml version="1.0" encoding="utf-8"?>
+<p:notes xmlns:a="http://schemas.openxmlformats.org/drawingml/2006/main" xmlns:r="http://schemas.openxmlformats.org/officeDocument/2006/relationships" xmlns:p="http://schemas.openxmlformats.org/presentationml/2006/main">
+  <p:cSld>
+    <p:spTree>
+      <p:nvGrpSpPr>
+        <p:cNvPr id="1" name=""/>
+        <p:cNvGrpSpPr/>
+        <p:nvPr/>
+      </p:nvGrpSpPr>
+      <p:grpSpPr>
+        <a:xfrm>
+          <a:off x="0" y="0"/>
+          <a:ext cx="0" cy="0"/>
+          <a:chOff x="0" y="0"/>
+          <a:chExt cx="0" cy="0"/>
+        </a:xfrm>
+      </p:grpSpPr>
+      <p:sp>
+        <p:nvSpPr>
+          <p:cNvPr id="2" name="Slayt Görüntüsü Yer Tutucusu 1"/>
+          <p:cNvSpPr>
+            <a:spLocks noGrp="1" noRot="1" noChangeAspect="1"/>
+          </p:cNvSpPr>
+          <p:nvPr>
+            <p:ph type="sldImg"/>
+          </p:nvPr>
+        </p:nvSpPr>
+        <p:spPr/>
+      </p:sp>
+      <p:sp>
+        <p:nvSpPr>
+          <p:cNvPr id="3" name="Notlar Yer Tutucusu 2"/>
+          <p:cNvSpPr>
+            <a:spLocks noGrp="1"/>
+          </p:cNvSpPr>
+          <p:nvPr>
+            <p:ph type="body" idx="1"/>
+          </p:nvPr>
+        </p:nvSpPr>
+        <p:spPr/>
+        <p:txBody>
+          <a:bodyPr rtlCol="0"/>
+          <a:lstStyle>
+            <a:defPPr>
+              <a:defRPr lang="tr-TR"/>
+            </a:defPPr>
+          </a:lstStyle>
+          <a:p>
+            <a:pPr rtl="0"/>
+            <a:endParaRPr lang="tr-TR" dirty="0"/>
+          </a:p>
+        </p:txBody>
+      </p:sp>
+      <p:sp>
+        <p:nvSpPr>
+          <p:cNvPr id="4" name="Slayt Numarası Yer Tutucusu 3"/>
+          <p:cNvSpPr>
+            <a:spLocks noGrp="1"/>
+          </p:cNvSpPr>
+          <p:nvPr>
+            <p:ph type="sldNum" sz="quarter" idx="5"/>
+          </p:nvPr>
+        </p:nvSpPr>
+        <p:spPr/>
+        <p:txBody>
+          <a:bodyPr rtlCol="0"/>
+          <a:lstStyle>
+            <a:defPPr>
+              <a:defRPr lang="tr-TR"/>
+            </a:defPPr>
+          </a:lstStyle>
+          <a:p>
+            <a:pPr rtl="0"/>
+            <a:fld id="{AABE9C73-6CDE-45E2-97F8-E3C5308FA232}" type="slidenum">
+              <a:rPr lang="tr-TR" smtClean="0"/>
+              <a:t>49</a:t>
+            </a:fld>
+            <a:endParaRPr lang="tr-TR" dirty="0"/>
+          </a:p>
+        </p:txBody>
+      </p:sp>
+    </p:spTree>
+    <p:extLst>
+      <p:ext uri="{BB962C8B-B14F-4D97-AF65-F5344CB8AC3E}">
+        <p14:creationId xmlns:p14="http://schemas.microsoft.com/office/powerpoint/2010/main" val="426271867"/>
+      </p:ext>
+    </p:extLst>
+  </p:cSld>
+  <p:clrMapOvr>
+    <a:masterClrMapping/>
+  </p:clrMapOvr>
+</p:notes>
+</file>
+
+<file path=ppt/notesSlides/notesSlide41.xml><?xml version="1.0" encoding="utf-8"?>
+<p:notes xmlns:a="http://schemas.openxmlformats.org/drawingml/2006/main" xmlns:r="http://schemas.openxmlformats.org/officeDocument/2006/relationships" xmlns:p="http://schemas.openxmlformats.org/presentationml/2006/main">
+  <p:cSld>
+    <p:spTree>
+      <p:nvGrpSpPr>
+        <p:cNvPr id="1" name=""/>
+        <p:cNvGrpSpPr/>
+        <p:nvPr/>
+      </p:nvGrpSpPr>
+      <p:grpSpPr>
+        <a:xfrm>
+          <a:off x="0" y="0"/>
+          <a:ext cx="0" cy="0"/>
+          <a:chOff x="0" y="0"/>
+          <a:chExt cx="0" cy="0"/>
+        </a:xfrm>
+      </p:grpSpPr>
+      <p:sp>
+        <p:nvSpPr>
+          <p:cNvPr id="2" name="Slayt Görüntüsü Yer Tutucusu 1"/>
+          <p:cNvSpPr>
+            <a:spLocks noGrp="1" noRot="1" noChangeAspect="1"/>
+          </p:cNvSpPr>
+          <p:nvPr>
+            <p:ph type="sldImg"/>
+          </p:nvPr>
+        </p:nvSpPr>
+        <p:spPr/>
+      </p:sp>
+      <p:sp>
+        <p:nvSpPr>
+          <p:cNvPr id="3" name="Notlar Yer Tutucusu 2"/>
+          <p:cNvSpPr>
+            <a:spLocks noGrp="1"/>
+          </p:cNvSpPr>
+          <p:nvPr>
+            <p:ph type="body" idx="1"/>
+          </p:nvPr>
+        </p:nvSpPr>
+        <p:spPr/>
+        <p:txBody>
+          <a:bodyPr rtlCol="0"/>
+          <a:lstStyle>
+            <a:defPPr>
+              <a:defRPr lang="tr-TR"/>
+            </a:defPPr>
+          </a:lstStyle>
+          <a:p>
+            <a:pPr rtl="0"/>
+            <a:endParaRPr lang="tr-TR" dirty="0"/>
+          </a:p>
+        </p:txBody>
+      </p:sp>
+      <p:sp>
+        <p:nvSpPr>
+          <p:cNvPr id="4" name="Slayt Numarası Yer Tutucusu 3"/>
+          <p:cNvSpPr>
+            <a:spLocks noGrp="1"/>
+          </p:cNvSpPr>
+          <p:nvPr>
+            <p:ph type="sldNum" sz="quarter" idx="5"/>
+          </p:nvPr>
+        </p:nvSpPr>
+        <p:spPr/>
+        <p:txBody>
+          <a:bodyPr rtlCol="0"/>
+          <a:lstStyle>
+            <a:defPPr>
+              <a:defRPr lang="tr-TR"/>
+            </a:defPPr>
+          </a:lstStyle>
+          <a:p>
+            <a:pPr rtl="0"/>
+            <a:fld id="{AABE9C73-6CDE-45E2-97F8-E3C5308FA232}" type="slidenum">
+              <a:rPr lang="tr-TR" smtClean="0"/>
+              <a:t>50</a:t>
+            </a:fld>
+            <a:endParaRPr lang="tr-TR" dirty="0"/>
+          </a:p>
+        </p:txBody>
+      </p:sp>
+    </p:spTree>
+    <p:extLst>
+      <p:ext uri="{BB962C8B-B14F-4D97-AF65-F5344CB8AC3E}">
+        <p14:creationId xmlns:p14="http://schemas.microsoft.com/office/powerpoint/2010/main" val="334341523"/>
+      </p:ext>
+    </p:extLst>
+  </p:cSld>
+  <p:clrMapOvr>
+    <a:masterClrMapping/>
+  </p:clrMapOvr>
+</p:notes>
+</file>
+
+<file path=ppt/notesSlides/notesSlide42.xml><?xml version="1.0" encoding="utf-8"?>
+<p:notes xmlns:a="http://schemas.openxmlformats.org/drawingml/2006/main" xmlns:r="http://schemas.openxmlformats.org/officeDocument/2006/relationships" xmlns:p="http://schemas.openxmlformats.org/presentationml/2006/main">
+  <p:cSld>
+    <p:spTree>
+      <p:nvGrpSpPr>
+        <p:cNvPr id="1" name=""/>
+        <p:cNvGrpSpPr/>
+        <p:nvPr/>
+      </p:nvGrpSpPr>
+      <p:grpSpPr>
+        <a:xfrm>
+          <a:off x="0" y="0"/>
+          <a:ext cx="0" cy="0"/>
+          <a:chOff x="0" y="0"/>
+          <a:chExt cx="0" cy="0"/>
+        </a:xfrm>
+      </p:grpSpPr>
+      <p:sp>
+        <p:nvSpPr>
+          <p:cNvPr id="2" name="Slayt Görüntüsü Yer Tutucusu 1"/>
+          <p:cNvSpPr>
+            <a:spLocks noGrp="1" noRot="1" noChangeAspect="1"/>
+          </p:cNvSpPr>
+          <p:nvPr>
+            <p:ph type="sldImg"/>
+          </p:nvPr>
+        </p:nvSpPr>
+        <p:spPr/>
+      </p:sp>
+      <p:sp>
+        <p:nvSpPr>
+          <p:cNvPr id="3" name="Notlar Yer Tutucusu 2"/>
+          <p:cNvSpPr>
+            <a:spLocks noGrp="1"/>
+          </p:cNvSpPr>
+          <p:nvPr>
+            <p:ph type="body" idx="1"/>
+          </p:nvPr>
+        </p:nvSpPr>
+        <p:spPr/>
+        <p:txBody>
+          <a:bodyPr rtlCol="0"/>
+          <a:lstStyle>
+            <a:defPPr>
+              <a:defRPr lang="tr-TR"/>
+            </a:defPPr>
+          </a:lstStyle>
+          <a:p>
+            <a:pPr rtl="0"/>
+            <a:endParaRPr lang="tr-TR" dirty="0"/>
+          </a:p>
+        </p:txBody>
+      </p:sp>
+      <p:sp>
+        <p:nvSpPr>
+          <p:cNvPr id="4" name="Slayt Numarası Yer Tutucusu 3"/>
+          <p:cNvSpPr>
+            <a:spLocks noGrp="1"/>
+          </p:cNvSpPr>
+          <p:nvPr>
+            <p:ph type="sldNum" sz="quarter" idx="5"/>
+          </p:nvPr>
+        </p:nvSpPr>
+        <p:spPr/>
+        <p:txBody>
+          <a:bodyPr rtlCol="0"/>
+          <a:lstStyle>
+            <a:defPPr>
+              <a:defRPr lang="tr-TR"/>
+            </a:defPPr>
+          </a:lstStyle>
+          <a:p>
+            <a:pPr rtl="0"/>
+            <a:fld id="{AABE9C73-6CDE-45E2-97F8-E3C5308FA232}" type="slidenum">
+              <a:rPr lang="tr-TR" smtClean="0"/>
+              <a:t>51</a:t>
+            </a:fld>
+            <a:endParaRPr lang="tr-TR" dirty="0"/>
+          </a:p>
+        </p:txBody>
+      </p:sp>
+    </p:spTree>
+    <p:extLst>
+      <p:ext uri="{BB962C8B-B14F-4D97-AF65-F5344CB8AC3E}">
+        <p14:creationId xmlns:p14="http://schemas.microsoft.com/office/powerpoint/2010/main" val="1032597380"/>
+      </p:ext>
+    </p:extLst>
+  </p:cSld>
+  <p:clrMapOvr>
+    <a:masterClrMapping/>
+  </p:clrMapOvr>
+</p:notes>
+</file>
+
+<file path=ppt/notesSlides/notesSlide43.xml><?xml version="1.0" encoding="utf-8"?>
+<p:notes xmlns:a="http://schemas.openxmlformats.org/drawingml/2006/main" xmlns:r="http://schemas.openxmlformats.org/officeDocument/2006/relationships" xmlns:p="http://schemas.openxmlformats.org/presentationml/2006/main">
+  <p:cSld>
+    <p:spTree>
+      <p:nvGrpSpPr>
+        <p:cNvPr id="1" name=""/>
+        <p:cNvGrpSpPr/>
+        <p:nvPr/>
+      </p:nvGrpSpPr>
+      <p:grpSpPr>
+        <a:xfrm>
+          <a:off x="0" y="0"/>
+          <a:ext cx="0" cy="0"/>
+          <a:chOff x="0" y="0"/>
+          <a:chExt cx="0" cy="0"/>
+        </a:xfrm>
+      </p:grpSpPr>
+      <p:sp>
+        <p:nvSpPr>
+          <p:cNvPr id="2" name="Slayt Görüntüsü Yer Tutucusu 1"/>
+          <p:cNvSpPr>
+            <a:spLocks noGrp="1" noRot="1" noChangeAspect="1"/>
+          </p:cNvSpPr>
+          <p:nvPr>
+            <p:ph type="sldImg"/>
+          </p:nvPr>
+        </p:nvSpPr>
+        <p:spPr/>
+      </p:sp>
+      <p:sp>
+        <p:nvSpPr>
+          <p:cNvPr id="3" name="Notlar Yer Tutucusu 2"/>
+          <p:cNvSpPr>
+            <a:spLocks noGrp="1"/>
+          </p:cNvSpPr>
+          <p:nvPr>
+            <p:ph type="body" idx="1"/>
+          </p:nvPr>
+        </p:nvSpPr>
+        <p:spPr/>
+        <p:txBody>
+          <a:bodyPr rtlCol="0"/>
+          <a:lstStyle>
+            <a:defPPr>
+              <a:defRPr lang="tr-TR"/>
+            </a:defPPr>
+          </a:lstStyle>
+          <a:p>
+            <a:pPr rtl="0"/>
+            <a:endParaRPr lang="tr-TR" dirty="0"/>
+          </a:p>
+        </p:txBody>
+      </p:sp>
+      <p:sp>
+        <p:nvSpPr>
+          <p:cNvPr id="4" name="Slayt Numarası Yer Tutucusu 3"/>
+          <p:cNvSpPr>
+            <a:spLocks noGrp="1"/>
+          </p:cNvSpPr>
+          <p:nvPr>
+            <p:ph type="sldNum" sz="quarter" idx="5"/>
+          </p:nvPr>
+        </p:nvSpPr>
+        <p:spPr/>
+        <p:txBody>
+          <a:bodyPr rtlCol="0"/>
+          <a:lstStyle>
+            <a:defPPr>
+              <a:defRPr lang="tr-TR"/>
+            </a:defPPr>
+          </a:lstStyle>
+          <a:p>
+            <a:pPr rtl="0"/>
+            <a:fld id="{AABE9C73-6CDE-45E2-97F8-E3C5308FA232}" type="slidenum">
+              <a:rPr lang="tr-TR" smtClean="0"/>
+              <a:t>52</a:t>
+            </a:fld>
+            <a:endParaRPr lang="tr-TR" dirty="0"/>
+          </a:p>
+        </p:txBody>
+      </p:sp>
+    </p:spTree>
+    <p:extLst>
+      <p:ext uri="{BB962C8B-B14F-4D97-AF65-F5344CB8AC3E}">
+        <p14:creationId xmlns:p14="http://schemas.microsoft.com/office/powerpoint/2010/main" val="2217232862"/>
       </p:ext>
     </p:extLst>
   </p:cSld>
@@ -16693,6 +17550,92 @@
       </p:grpSpPr>
       <p:sp>
         <p:nvSpPr>
+          <p:cNvPr id="5" name="Başlık 4">
+            <a:extLst>
+              <a:ext uri="{FF2B5EF4-FFF2-40B4-BE49-F238E27FC236}">
+                <a16:creationId xmlns:a16="http://schemas.microsoft.com/office/drawing/2014/main" id="{7BF7C1AD-35AD-2CEB-9405-03EE4AC56DBC}"/>
+              </a:ext>
+            </a:extLst>
+          </p:cNvPr>
+          <p:cNvSpPr>
+            <a:spLocks noGrp="1"/>
+          </p:cNvSpPr>
+          <p:nvPr>
+            <p:ph type="title"/>
+          </p:nvPr>
+        </p:nvSpPr>
+        <p:spPr/>
+        <p:txBody>
+          <a:bodyPr/>
+          <a:lstStyle/>
+          <a:p>
+            <a:r>
+              <a:rPr lang="tr-TR" dirty="0"/>
+              <a:t>Creatıonal desıgn pattern</a:t>
+            </a:r>
+          </a:p>
+        </p:txBody>
+      </p:sp>
+      <p:sp>
+        <p:nvSpPr>
+          <p:cNvPr id="6" name="Metin Yer Tutucusu 5">
+            <a:extLst>
+              <a:ext uri="{FF2B5EF4-FFF2-40B4-BE49-F238E27FC236}">
+                <a16:creationId xmlns:a16="http://schemas.microsoft.com/office/drawing/2014/main" id="{A2BB9AE3-9692-F20F-FD57-D813700B4488}"/>
+              </a:ext>
+            </a:extLst>
+          </p:cNvPr>
+          <p:cNvSpPr>
+            <a:spLocks noGrp="1"/>
+          </p:cNvSpPr>
+          <p:nvPr>
+            <p:ph type="body" idx="1"/>
+          </p:nvPr>
+        </p:nvSpPr>
+        <p:spPr/>
+        <p:txBody>
+          <a:bodyPr/>
+          <a:lstStyle/>
+          <a:p>
+            <a:r>
+              <a:rPr lang="tr-TR" dirty="0"/>
+              <a:t>YARATICI TASARIM DESENİ</a:t>
+            </a:r>
+          </a:p>
+        </p:txBody>
+      </p:sp>
+    </p:spTree>
+    <p:extLst>
+      <p:ext uri="{BB962C8B-B14F-4D97-AF65-F5344CB8AC3E}">
+        <p14:creationId xmlns:p14="http://schemas.microsoft.com/office/powerpoint/2010/main" val="2656098574"/>
+      </p:ext>
+    </p:extLst>
+  </p:cSld>
+  <p:clrMapOvr>
+    <a:masterClrMapping/>
+  </p:clrMapOvr>
+</p:sld>
+</file>
+
+<file path=ppt/slides/slide29.xml><?xml version="1.0" encoding="utf-8"?>
+<p:sld xmlns:a="http://schemas.openxmlformats.org/drawingml/2006/main" xmlns:r="http://schemas.openxmlformats.org/officeDocument/2006/relationships" xmlns:p="http://schemas.openxmlformats.org/presentationml/2006/main">
+  <p:cSld>
+    <p:spTree>
+      <p:nvGrpSpPr>
+        <p:cNvPr id="1" name=""/>
+        <p:cNvGrpSpPr/>
+        <p:nvPr/>
+      </p:nvGrpSpPr>
+      <p:grpSpPr>
+        <a:xfrm>
+          <a:off x="0" y="0"/>
+          <a:ext cx="0" cy="0"/>
+          <a:chOff x="0" y="0"/>
+          <a:chExt cx="0" cy="0"/>
+        </a:xfrm>
+      </p:grpSpPr>
+      <p:sp>
+        <p:nvSpPr>
           <p:cNvPr id="11" name="Başlık 1">
             <a:extLst>
               <a:ext uri="{FF2B5EF4-FFF2-40B4-BE49-F238E27FC236}">
@@ -16844,7 +17787,660 @@
 </p:sld>
 </file>
 
-<file path=ppt/slides/slide29.xml><?xml version="1.0" encoding="utf-8"?>
+<file path=ppt/slides/slide3.xml><?xml version="1.0" encoding="utf-8"?>
+<p:sld xmlns:a="http://schemas.openxmlformats.org/drawingml/2006/main" xmlns:r="http://schemas.openxmlformats.org/officeDocument/2006/relationships" xmlns:p="http://schemas.openxmlformats.org/presentationml/2006/main">
+  <p:cSld>
+    <p:bg>
+      <p:bgPr>
+        <a:solidFill>
+          <a:schemeClr val="bg1"/>
+        </a:solidFill>
+        <a:effectLst/>
+      </p:bgPr>
+    </p:bg>
+    <p:spTree>
+      <p:nvGrpSpPr>
+        <p:cNvPr id="1" name=""/>
+        <p:cNvGrpSpPr/>
+        <p:nvPr/>
+      </p:nvGrpSpPr>
+      <p:grpSpPr>
+        <a:xfrm>
+          <a:off x="0" y="0"/>
+          <a:ext cx="0" cy="0"/>
+          <a:chOff x="0" y="0"/>
+          <a:chExt cx="0" cy="0"/>
+        </a:xfrm>
+      </p:grpSpPr>
+      <p:sp useBgFill="1">
+        <p:nvSpPr>
+          <p:cNvPr id="26" name="Dikdörtgen 25">
+            <a:extLst>
+              <a:ext uri="{FF2B5EF4-FFF2-40B4-BE49-F238E27FC236}">
+                <a16:creationId xmlns:a16="http://schemas.microsoft.com/office/drawing/2014/main" id="{1E94681D-2A4C-4A8D-B9B5-31D440D0328D}"/>
+              </a:ext>
+              <a:ext uri="{C183D7F6-B498-43B3-948B-1728B52AA6E4}">
+                <adec:decorative xmlns:adec="http://schemas.microsoft.com/office/drawing/2017/decorative" val="1"/>
+              </a:ext>
+            </a:extLst>
+          </p:cNvPr>
+          <p:cNvSpPr>
+            <a:spLocks noGrp="1" noRot="1" noChangeAspect="1" noMove="1" noResize="1" noEditPoints="1" noAdjustHandles="1" noChangeArrowheads="1" noChangeShapeType="1" noTextEdit="1"/>
+          </p:cNvSpPr>
+          <p:nvPr>
+            <p:extLst>
+              <p:ext uri="{386F3935-93C4-4BCD-93E2-E3B085C9AB24}">
+                <p16:designElem xmlns:p16="http://schemas.microsoft.com/office/powerpoint/2015/main" val="1"/>
+              </p:ext>
+            </p:extLst>
+          </p:nvPr>
+        </p:nvSpPr>
+        <p:spPr>
+          <a:xfrm>
+            <a:off x="0" y="0"/>
+            <a:ext cx="12192000" cy="6858000"/>
+          </a:xfrm>
+          <a:prstGeom prst="rect">
+            <a:avLst/>
+          </a:prstGeom>
+          <a:ln>
+            <a:noFill/>
+          </a:ln>
+        </p:spPr>
+        <p:style>
+          <a:lnRef idx="2">
+            <a:schemeClr val="accent1">
+              <a:shade val="50000"/>
+            </a:schemeClr>
+          </a:lnRef>
+          <a:fillRef idx="1">
+            <a:schemeClr val="accent1"/>
+          </a:fillRef>
+          <a:effectRef idx="0">
+            <a:schemeClr val="accent1"/>
+          </a:effectRef>
+          <a:fontRef idx="minor">
+            <a:schemeClr val="lt1"/>
+          </a:fontRef>
+        </p:style>
+        <p:txBody>
+          <a:bodyPr rtlCol="0" anchor="ctr"/>
+          <a:lstStyle>
+            <a:defPPr>
+              <a:defRPr lang="tr-TR"/>
+            </a:defPPr>
+          </a:lstStyle>
+          <a:p>
+            <a:pPr algn="ctr" rtl="0"/>
+            <a:endParaRPr lang="tr-TR" dirty="0"/>
+          </a:p>
+        </p:txBody>
+      </p:sp>
+      <p:sp>
+        <p:nvSpPr>
+          <p:cNvPr id="28" name="Dikdörtgen 27">
+            <a:extLst>
+              <a:ext uri="{FF2B5EF4-FFF2-40B4-BE49-F238E27FC236}">
+                <a16:creationId xmlns:a16="http://schemas.microsoft.com/office/drawing/2014/main" id="{FB65ABA3-820C-4D75-9437-9EFA1ADFE134}"/>
+              </a:ext>
+              <a:ext uri="{C183D7F6-B498-43B3-948B-1728B52AA6E4}">
+                <adec:decorative xmlns:adec="http://schemas.microsoft.com/office/drawing/2017/decorative" val="1"/>
+              </a:ext>
+            </a:extLst>
+          </p:cNvPr>
+          <p:cNvSpPr>
+            <a:spLocks noGrp="1" noRot="1" noChangeAspect="1" noMove="1" noResize="1" noEditPoints="1" noAdjustHandles="1" noChangeArrowheads="1" noChangeShapeType="1" noTextEdit="1"/>
+          </p:cNvSpPr>
+          <p:nvPr>
+            <p:extLst>
+              <p:ext uri="{386F3935-93C4-4BCD-93E2-E3B085C9AB24}">
+                <p16:designElem xmlns:p16="http://schemas.microsoft.com/office/powerpoint/2015/main" val="1"/>
+              </p:ext>
+            </p:extLst>
+          </p:nvPr>
+        </p:nvSpPr>
+        <p:spPr>
+          <a:xfrm>
+            <a:off x="234696" y="237744"/>
+            <a:ext cx="11722608" cy="6382512"/>
+          </a:xfrm>
+          <a:prstGeom prst="rect">
+            <a:avLst/>
+          </a:prstGeom>
+          <a:solidFill>
+            <a:schemeClr val="bg1">
+              <a:lumMod val="75000"/>
+              <a:alpha val="60000"/>
+            </a:schemeClr>
+          </a:solidFill>
+          <a:ln w="6350" cap="flat" cmpd="sng" algn="ctr">
+            <a:noFill/>
+            <a:prstDash val="solid"/>
+          </a:ln>
+          <a:effectLst>
+            <a:softEdge rad="0"/>
+          </a:effectLst>
+        </p:spPr>
+      </p:sp>
+      <p:sp>
+        <p:nvSpPr>
+          <p:cNvPr id="30" name="Dikdörtgen 29">
+            <a:extLst>
+              <a:ext uri="{FF2B5EF4-FFF2-40B4-BE49-F238E27FC236}">
+                <a16:creationId xmlns:a16="http://schemas.microsoft.com/office/drawing/2014/main" id="{036BF2FB-90D8-48DB-BD34-D040CDCFF208}"/>
+              </a:ext>
+              <a:ext uri="{C183D7F6-B498-43B3-948B-1728B52AA6E4}">
+                <adec:decorative xmlns:adec="http://schemas.microsoft.com/office/drawing/2017/decorative" val="1"/>
+              </a:ext>
+            </a:extLst>
+          </p:cNvPr>
+          <p:cNvSpPr>
+            <a:spLocks noGrp="1" noRot="1" noChangeAspect="1" noMove="1" noResize="1" noEditPoints="1" noAdjustHandles="1" noChangeArrowheads="1" noChangeShapeType="1" noTextEdit="1"/>
+          </p:cNvSpPr>
+          <p:nvPr>
+            <p:extLst>
+              <p:ext uri="{386F3935-93C4-4BCD-93E2-E3B085C9AB24}">
+                <p16:designElem xmlns:p16="http://schemas.microsoft.com/office/powerpoint/2015/main" val="1"/>
+              </p:ext>
+            </p:extLst>
+          </p:nvPr>
+        </p:nvSpPr>
+        <p:spPr>
+          <a:xfrm>
+            <a:off x="371856" y="374904"/>
+            <a:ext cx="11448288" cy="6108192"/>
+          </a:xfrm>
+          <a:prstGeom prst="rect">
+            <a:avLst/>
+          </a:prstGeom>
+          <a:noFill/>
+          <a:ln w="6350" cap="sq" cmpd="sng" algn="ctr">
+            <a:solidFill>
+              <a:schemeClr val="tx1">
+                <a:lumMod val="85000"/>
+                <a:lumOff val="15000"/>
+              </a:schemeClr>
+            </a:solidFill>
+            <a:prstDash val="solid"/>
+            <a:miter lim="800000"/>
+          </a:ln>
+          <a:effectLst/>
+        </p:spPr>
+      </p:sp>
+      <p:sp>
+        <p:nvSpPr>
+          <p:cNvPr id="32" name="Dikdörtgen 31">
+            <a:extLst>
+              <a:ext uri="{FF2B5EF4-FFF2-40B4-BE49-F238E27FC236}">
+                <a16:creationId xmlns:a16="http://schemas.microsoft.com/office/drawing/2014/main" id="{78632963-757B-40C2-BB84-FC6107A54DAD}"/>
+              </a:ext>
+              <a:ext uri="{C183D7F6-B498-43B3-948B-1728B52AA6E4}">
+                <adec:decorative xmlns:adec="http://schemas.microsoft.com/office/drawing/2017/decorative" val="1"/>
+              </a:ext>
+            </a:extLst>
+          </p:cNvPr>
+          <p:cNvSpPr>
+            <a:spLocks noGrp="1" noRot="1" noChangeAspect="1" noMove="1" noResize="1" noEditPoints="1" noAdjustHandles="1" noChangeArrowheads="1" noChangeShapeType="1" noTextEdit="1"/>
+          </p:cNvSpPr>
+          <p:nvPr>
+            <p:extLst>
+              <p:ext uri="{386F3935-93C4-4BCD-93E2-E3B085C9AB24}">
+                <p16:designElem xmlns:p16="http://schemas.microsoft.com/office/powerpoint/2015/main" val="1"/>
+              </p:ext>
+            </p:extLst>
+          </p:nvPr>
+        </p:nvSpPr>
+        <p:spPr>
+          <a:xfrm>
+            <a:off x="-1866" y="0"/>
+            <a:ext cx="12193866" cy="6858000"/>
+          </a:xfrm>
+          <a:prstGeom prst="rect">
+            <a:avLst/>
+          </a:prstGeom>
+          <a:solidFill>
+            <a:srgbClr val="FFFFFF"/>
+          </a:solidFill>
+          <a:ln>
+            <a:noFill/>
+          </a:ln>
+        </p:spPr>
+        <p:style>
+          <a:lnRef idx="2">
+            <a:schemeClr val="accent1">
+              <a:shade val="50000"/>
+            </a:schemeClr>
+          </a:lnRef>
+          <a:fillRef idx="1">
+            <a:schemeClr val="accent1"/>
+          </a:fillRef>
+          <a:effectRef idx="0">
+            <a:schemeClr val="accent1"/>
+          </a:effectRef>
+          <a:fontRef idx="minor">
+            <a:schemeClr val="lt1"/>
+          </a:fontRef>
+        </p:style>
+        <p:txBody>
+          <a:bodyPr rtlCol="0" anchor="ctr"/>
+          <a:lstStyle>
+            <a:defPPr>
+              <a:defRPr lang="tr-TR"/>
+            </a:defPPr>
+          </a:lstStyle>
+          <a:p>
+            <a:pPr algn="ctr" rtl="0"/>
+            <a:endParaRPr lang="tr-TR" dirty="0"/>
+          </a:p>
+        </p:txBody>
+      </p:sp>
+      <p:pic>
+        <p:nvPicPr>
+          <p:cNvPr id="6" name="Resim Yer Tutucusu 5" descr="Genç adam yazı yazıyor">
+            <a:extLst>
+              <a:ext uri="{FF2B5EF4-FFF2-40B4-BE49-F238E27FC236}">
+                <a16:creationId xmlns:a16="http://schemas.microsoft.com/office/drawing/2014/main" id="{1054C6CA-D723-4A6A-9734-5910A1729B5C}"/>
+              </a:ext>
+            </a:extLst>
+          </p:cNvPr>
+          <p:cNvPicPr>
+            <a:picLocks noGrp="1" noChangeAspect="1"/>
+          </p:cNvPicPr>
+          <p:nvPr>
+            <p:ph type="pic" idx="1"/>
+          </p:nvPr>
+        </p:nvPicPr>
+        <p:blipFill>
+          <a:blip r:embed="rId3">
+            <a:duotone>
+              <a:prstClr val="black"/>
+              <a:schemeClr val="accent1">
+                <a:tint val="45000"/>
+                <a:satMod val="400000"/>
+              </a:schemeClr>
+            </a:duotone>
+            <a:extLst>
+              <a:ext uri="{28A0092B-C50C-407E-A947-70E740481C1C}">
+                <a14:useLocalDpi xmlns:a14="http://schemas.microsoft.com/office/drawing/2010/main" val="0"/>
+              </a:ext>
+            </a:extLst>
+          </a:blip>
+          <a:srcRect/>
+          <a:stretch/>
+        </p:blipFill>
+        <p:spPr>
+          <a:xfrm>
+            <a:off x="1" y="1"/>
+            <a:ext cx="12191998" cy="6857999"/>
+          </a:xfrm>
+          <a:prstGeom prst="rect">
+            <a:avLst/>
+          </a:prstGeom>
+        </p:spPr>
+      </p:pic>
+      <p:sp>
+        <p:nvSpPr>
+          <p:cNvPr id="34" name="Dikdörtgen 33">
+            <a:extLst>
+              <a:ext uri="{FF2B5EF4-FFF2-40B4-BE49-F238E27FC236}">
+                <a16:creationId xmlns:a16="http://schemas.microsoft.com/office/drawing/2014/main" id="{2853AE55-7E35-44B0-89F1-3F52B262AF33}"/>
+              </a:ext>
+              <a:ext uri="{C183D7F6-B498-43B3-948B-1728B52AA6E4}">
+                <adec:decorative xmlns:adec="http://schemas.microsoft.com/office/drawing/2017/decorative" val="1"/>
+              </a:ext>
+            </a:extLst>
+          </p:cNvPr>
+          <p:cNvSpPr>
+            <a:spLocks noGrp="1" noRot="1" noChangeAspect="1" noMove="1" noResize="1" noEditPoints="1" noAdjustHandles="1" noChangeArrowheads="1" noChangeShapeType="1" noTextEdit="1"/>
+          </p:cNvSpPr>
+          <p:nvPr>
+            <p:extLst>
+              <p:ext uri="{386F3935-93C4-4BCD-93E2-E3B085C9AB24}">
+                <p16:designElem xmlns:p16="http://schemas.microsoft.com/office/powerpoint/2015/main" val="1"/>
+              </p:ext>
+            </p:extLst>
+          </p:nvPr>
+        </p:nvSpPr>
+        <p:spPr>
+          <a:xfrm>
+            <a:off x="267615" y="253548"/>
+            <a:ext cx="5612193" cy="6361598"/>
+          </a:xfrm>
+          <a:prstGeom prst="rect">
+            <a:avLst/>
+          </a:prstGeom>
+          <a:solidFill>
+            <a:schemeClr val="bg1">
+              <a:alpha val="94000"/>
+            </a:schemeClr>
+          </a:solidFill>
+          <a:ln>
+            <a:noFill/>
+          </a:ln>
+        </p:spPr>
+        <p:style>
+          <a:lnRef idx="2">
+            <a:schemeClr val="accent1">
+              <a:shade val="50000"/>
+            </a:schemeClr>
+          </a:lnRef>
+          <a:fillRef idx="1">
+            <a:schemeClr val="accent1"/>
+          </a:fillRef>
+          <a:effectRef idx="0">
+            <a:schemeClr val="accent1"/>
+          </a:effectRef>
+          <a:fontRef idx="minor">
+            <a:schemeClr val="lt1"/>
+          </a:fontRef>
+        </p:style>
+        <p:txBody>
+          <a:bodyPr rtlCol="0" anchor="ctr"/>
+          <a:lstStyle>
+            <a:defPPr>
+              <a:defRPr lang="tr-TR"/>
+            </a:defPPr>
+          </a:lstStyle>
+          <a:p>
+            <a:pPr algn="ctr" rtl="0"/>
+            <a:endParaRPr lang="tr-TR" dirty="0"/>
+          </a:p>
+        </p:txBody>
+      </p:sp>
+      <p:sp>
+        <p:nvSpPr>
+          <p:cNvPr id="36" name="Dikdörtgen 35">
+            <a:extLst>
+              <a:ext uri="{FF2B5EF4-FFF2-40B4-BE49-F238E27FC236}">
+                <a16:creationId xmlns:a16="http://schemas.microsoft.com/office/drawing/2014/main" id="{DBC4BE4D-4B50-4F51-9F85-4B5D60B02D81}"/>
+              </a:ext>
+              <a:ext uri="{C183D7F6-B498-43B3-948B-1728B52AA6E4}">
+                <adec:decorative xmlns:adec="http://schemas.microsoft.com/office/drawing/2017/decorative" val="1"/>
+              </a:ext>
+            </a:extLst>
+          </p:cNvPr>
+          <p:cNvSpPr>
+            <a:spLocks noGrp="1" noRot="1" noChangeAspect="1" noMove="1" noResize="1" noEditPoints="1" noAdjustHandles="1" noChangeArrowheads="1" noChangeShapeType="1" noTextEdit="1"/>
+          </p:cNvSpPr>
+          <p:nvPr>
+            <p:extLst>
+              <p:ext uri="{386F3935-93C4-4BCD-93E2-E3B085C9AB24}">
+                <p16:designElem xmlns:p16="http://schemas.microsoft.com/office/powerpoint/2015/main" val="1"/>
+              </p:ext>
+            </p:extLst>
+          </p:nvPr>
+        </p:nvSpPr>
+        <p:spPr>
+          <a:xfrm>
+            <a:off x="415448" y="407588"/>
+            <a:ext cx="5299768" cy="6022878"/>
+          </a:xfrm>
+          <a:prstGeom prst="rect">
+            <a:avLst/>
+          </a:prstGeom>
+          <a:noFill/>
+          <a:ln w="6350">
+            <a:solidFill>
+              <a:schemeClr val="tx1">
+                <a:lumMod val="75000"/>
+                <a:lumOff val="25000"/>
+              </a:schemeClr>
+            </a:solidFill>
+          </a:ln>
+        </p:spPr>
+        <p:style>
+          <a:lnRef idx="2">
+            <a:schemeClr val="accent1">
+              <a:shade val="50000"/>
+            </a:schemeClr>
+          </a:lnRef>
+          <a:fillRef idx="1">
+            <a:schemeClr val="accent1"/>
+          </a:fillRef>
+          <a:effectRef idx="0">
+            <a:schemeClr val="accent1"/>
+          </a:effectRef>
+          <a:fontRef idx="minor">
+            <a:schemeClr val="lt1"/>
+          </a:fontRef>
+        </p:style>
+        <p:txBody>
+          <a:bodyPr rtlCol="0" anchor="ctr"/>
+          <a:lstStyle>
+            <a:defPPr>
+              <a:defRPr lang="tr-TR"/>
+            </a:defPPr>
+          </a:lstStyle>
+          <a:p>
+            <a:pPr algn="ctr" rtl="0"/>
+            <a:endParaRPr lang="tr-TR" dirty="0"/>
+          </a:p>
+        </p:txBody>
+      </p:sp>
+      <p:sp>
+        <p:nvSpPr>
+          <p:cNvPr id="3" name="Başlık 2">
+            <a:extLst>
+              <a:ext uri="{FF2B5EF4-FFF2-40B4-BE49-F238E27FC236}">
+                <a16:creationId xmlns:a16="http://schemas.microsoft.com/office/drawing/2014/main" id="{A7F5067F-B05A-4CB4-8FEF-12162F4FD7F8}"/>
+              </a:ext>
+            </a:extLst>
+          </p:cNvPr>
+          <p:cNvSpPr>
+            <a:spLocks noGrp="1"/>
+          </p:cNvSpPr>
+          <p:nvPr>
+            <p:ph type="title"/>
+          </p:nvPr>
+        </p:nvSpPr>
+        <p:spPr>
+          <a:xfrm>
+            <a:off x="774043" y="727626"/>
+            <a:ext cx="4602152" cy="1718225"/>
+          </a:xfrm>
+        </p:spPr>
+        <p:txBody>
+          <a:bodyPr vert="horz" lIns="91440" tIns="45720" rIns="91440" bIns="45720" rtlCol="0" anchor="ctr">
+            <a:normAutofit/>
+          </a:bodyPr>
+          <a:lstStyle>
+            <a:defPPr>
+              <a:defRPr lang="tr-TR"/>
+            </a:defPPr>
+          </a:lstStyle>
+          <a:p>
+            <a:pPr rtl="0">
+              <a:lnSpc>
+                <a:spcPct val="90000"/>
+              </a:lnSpc>
+            </a:pPr>
+            <a:r>
+              <a:rPr lang="tr-TR" sz="4800" dirty="0">
+                <a:solidFill>
+                  <a:schemeClr val="bg2">
+                    <a:lumMod val="50000"/>
+                  </a:schemeClr>
+                </a:solidFill>
+              </a:rPr>
+              <a:t>Nesne Yönetimli Programlama</a:t>
+            </a:r>
+          </a:p>
+        </p:txBody>
+      </p:sp>
+      <p:sp>
+        <p:nvSpPr>
+          <p:cNvPr id="4" name="Metin Yer Tutucusu 3">
+            <a:extLst>
+              <a:ext uri="{FF2B5EF4-FFF2-40B4-BE49-F238E27FC236}">
+                <a16:creationId xmlns:a16="http://schemas.microsoft.com/office/drawing/2014/main" id="{29AD4A91-7AB8-40C3-9C11-950FF5FC7DFC}"/>
+              </a:ext>
+            </a:extLst>
+          </p:cNvPr>
+          <p:cNvSpPr>
+            <a:spLocks noGrp="1"/>
+          </p:cNvSpPr>
+          <p:nvPr>
+            <p:ph type="body" sz="half" idx="2"/>
+          </p:nvPr>
+        </p:nvSpPr>
+        <p:spPr>
+          <a:xfrm>
+            <a:off x="774043" y="2538920"/>
+            <a:ext cx="4602152" cy="3480066"/>
+          </a:xfrm>
+        </p:spPr>
+        <p:txBody>
+          <a:bodyPr vert="horz" lIns="91440" tIns="45720" rIns="91440" bIns="45720" rtlCol="0">
+            <a:normAutofit/>
+          </a:bodyPr>
+          <a:lstStyle>
+            <a:defPPr>
+              <a:defRPr lang="tr-TR"/>
+            </a:defPPr>
+          </a:lstStyle>
+          <a:p>
+            <a:pPr rtl="0">
+              <a:lnSpc>
+                <a:spcPct val="100000"/>
+              </a:lnSpc>
+            </a:pPr>
+            <a:r>
+              <a:rPr lang="tr-TR" b="1" dirty="0">
+                <a:solidFill>
+                  <a:schemeClr val="bg2">
+                    <a:lumMod val="50000"/>
+                  </a:schemeClr>
+                </a:solidFill>
+              </a:rPr>
+              <a:t>Bu yetenekleri ele alacağız:</a:t>
+            </a:r>
+          </a:p>
+          <a:p>
+            <a:pPr marL="216000" indent="-216000" rtl="0">
+              <a:lnSpc>
+                <a:spcPct val="100000"/>
+              </a:lnSpc>
+              <a:buClr>
+                <a:schemeClr val="accent1"/>
+              </a:buClr>
+              <a:buFont typeface="Arial" panose="020B0604020202020204" pitchFamily="34" charset="0"/>
+              <a:buChar char="•"/>
+            </a:pPr>
+            <a:r>
+              <a:rPr lang="tr-TR" dirty="0">
+                <a:solidFill>
+                  <a:schemeClr val="bg2">
+                    <a:lumMod val="50000"/>
+                  </a:schemeClr>
+                </a:solidFill>
+              </a:rPr>
+              <a:t>Nesne Programlama Yönetimi Tanımı</a:t>
+            </a:r>
+          </a:p>
+          <a:p>
+            <a:pPr marL="216000" indent="-216000" rtl="0">
+              <a:lnSpc>
+                <a:spcPct val="100000"/>
+              </a:lnSpc>
+              <a:buClr>
+                <a:schemeClr val="accent1"/>
+              </a:buClr>
+              <a:buFont typeface="Arial" panose="020B0604020202020204" pitchFamily="34" charset="0"/>
+              <a:buChar char="•"/>
+            </a:pPr>
+            <a:r>
+              <a:rPr lang="tr-TR" dirty="0">
+                <a:solidFill>
+                  <a:schemeClr val="bg2">
+                    <a:lumMod val="50000"/>
+                  </a:schemeClr>
+                </a:solidFill>
+              </a:rPr>
+              <a:t>Sınıf, Nesne, Instantion, Encapsulation, Inharitance, Polymorphism</a:t>
+            </a:r>
+          </a:p>
+          <a:p>
+            <a:pPr marL="216000" indent="-216000" rtl="0">
+              <a:lnSpc>
+                <a:spcPct val="100000"/>
+              </a:lnSpc>
+              <a:buClr>
+                <a:schemeClr val="accent1"/>
+              </a:buClr>
+              <a:buFont typeface="Arial" panose="020B0604020202020204" pitchFamily="34" charset="0"/>
+              <a:buChar char="•"/>
+            </a:pPr>
+            <a:r>
+              <a:rPr lang="tr-TR" dirty="0">
+                <a:solidFill>
+                  <a:schemeClr val="bg2">
+                    <a:lumMod val="50000"/>
+                  </a:schemeClr>
+                </a:solidFill>
+              </a:rPr>
+              <a:t>OOP Örnekler</a:t>
+            </a:r>
+          </a:p>
+          <a:p>
+            <a:pPr marL="216000" indent="-216000" rtl="0">
+              <a:lnSpc>
+                <a:spcPct val="100000"/>
+              </a:lnSpc>
+              <a:buClr>
+                <a:schemeClr val="accent1"/>
+              </a:buClr>
+              <a:buFont typeface="Arial" panose="020B0604020202020204" pitchFamily="34" charset="0"/>
+              <a:buChar char="•"/>
+            </a:pPr>
+            <a:r>
+              <a:rPr lang="tr-TR" dirty="0">
+                <a:solidFill>
+                  <a:schemeClr val="bg2">
+                    <a:lumMod val="50000"/>
+                  </a:schemeClr>
+                </a:solidFill>
+              </a:rPr>
+              <a:t>Solid Prensipleri</a:t>
+            </a:r>
+          </a:p>
+          <a:p>
+            <a:pPr marL="216000" indent="-216000" rtl="0">
+              <a:lnSpc>
+                <a:spcPct val="100000"/>
+              </a:lnSpc>
+              <a:buClr>
+                <a:schemeClr val="accent1"/>
+              </a:buClr>
+              <a:buFont typeface="Arial" panose="020B0604020202020204" pitchFamily="34" charset="0"/>
+              <a:buChar char="•"/>
+            </a:pPr>
+            <a:r>
+              <a:rPr lang="tr-TR" dirty="0">
+                <a:solidFill>
+                  <a:schemeClr val="bg2">
+                    <a:lumMod val="50000"/>
+                  </a:schemeClr>
+                </a:solidFill>
+              </a:rPr>
+              <a:t>Design Pattern</a:t>
+            </a:r>
+          </a:p>
+        </p:txBody>
+      </p:sp>
+    </p:spTree>
+    <p:extLst>
+      <p:ext uri="{BB962C8B-B14F-4D97-AF65-F5344CB8AC3E}">
+        <p14:creationId xmlns:p14="http://schemas.microsoft.com/office/powerpoint/2010/main" val="1386799731"/>
+      </p:ext>
+    </p:extLst>
+  </p:cSld>
+  <p:clrMapOvr>
+    <a:masterClrMapping/>
+  </p:clrMapOvr>
+</p:sld>
+</file>
+
+<file path=ppt/slides/slide30.xml><?xml version="1.0" encoding="utf-8"?>
 <p:sld xmlns:a="http://schemas.openxmlformats.org/drawingml/2006/main" xmlns:r="http://schemas.openxmlformats.org/officeDocument/2006/relationships" xmlns:p="http://schemas.openxmlformats.org/presentationml/2006/main">
   <p:cSld>
     <p:spTree>
@@ -17085,660 +18681,7 @@
 </p:sld>
 </file>
 
-<file path=ppt/slides/slide3.xml><?xml version="1.0" encoding="utf-8"?>
-<p:sld xmlns:a="http://schemas.openxmlformats.org/drawingml/2006/main" xmlns:r="http://schemas.openxmlformats.org/officeDocument/2006/relationships" xmlns:p="http://schemas.openxmlformats.org/presentationml/2006/main">
-  <p:cSld>
-    <p:bg>
-      <p:bgPr>
-        <a:solidFill>
-          <a:schemeClr val="bg1"/>
-        </a:solidFill>
-        <a:effectLst/>
-      </p:bgPr>
-    </p:bg>
-    <p:spTree>
-      <p:nvGrpSpPr>
-        <p:cNvPr id="1" name=""/>
-        <p:cNvGrpSpPr/>
-        <p:nvPr/>
-      </p:nvGrpSpPr>
-      <p:grpSpPr>
-        <a:xfrm>
-          <a:off x="0" y="0"/>
-          <a:ext cx="0" cy="0"/>
-          <a:chOff x="0" y="0"/>
-          <a:chExt cx="0" cy="0"/>
-        </a:xfrm>
-      </p:grpSpPr>
-      <p:sp useBgFill="1">
-        <p:nvSpPr>
-          <p:cNvPr id="26" name="Dikdörtgen 25">
-            <a:extLst>
-              <a:ext uri="{FF2B5EF4-FFF2-40B4-BE49-F238E27FC236}">
-                <a16:creationId xmlns:a16="http://schemas.microsoft.com/office/drawing/2014/main" id="{1E94681D-2A4C-4A8D-B9B5-31D440D0328D}"/>
-              </a:ext>
-              <a:ext uri="{C183D7F6-B498-43B3-948B-1728B52AA6E4}">
-                <adec:decorative xmlns:adec="http://schemas.microsoft.com/office/drawing/2017/decorative" val="1"/>
-              </a:ext>
-            </a:extLst>
-          </p:cNvPr>
-          <p:cNvSpPr>
-            <a:spLocks noGrp="1" noRot="1" noChangeAspect="1" noMove="1" noResize="1" noEditPoints="1" noAdjustHandles="1" noChangeArrowheads="1" noChangeShapeType="1" noTextEdit="1"/>
-          </p:cNvSpPr>
-          <p:nvPr>
-            <p:extLst>
-              <p:ext uri="{386F3935-93C4-4BCD-93E2-E3B085C9AB24}">
-                <p16:designElem xmlns:p16="http://schemas.microsoft.com/office/powerpoint/2015/main" val="1"/>
-              </p:ext>
-            </p:extLst>
-          </p:nvPr>
-        </p:nvSpPr>
-        <p:spPr>
-          <a:xfrm>
-            <a:off x="0" y="0"/>
-            <a:ext cx="12192000" cy="6858000"/>
-          </a:xfrm>
-          <a:prstGeom prst="rect">
-            <a:avLst/>
-          </a:prstGeom>
-          <a:ln>
-            <a:noFill/>
-          </a:ln>
-        </p:spPr>
-        <p:style>
-          <a:lnRef idx="2">
-            <a:schemeClr val="accent1">
-              <a:shade val="50000"/>
-            </a:schemeClr>
-          </a:lnRef>
-          <a:fillRef idx="1">
-            <a:schemeClr val="accent1"/>
-          </a:fillRef>
-          <a:effectRef idx="0">
-            <a:schemeClr val="accent1"/>
-          </a:effectRef>
-          <a:fontRef idx="minor">
-            <a:schemeClr val="lt1"/>
-          </a:fontRef>
-        </p:style>
-        <p:txBody>
-          <a:bodyPr rtlCol="0" anchor="ctr"/>
-          <a:lstStyle>
-            <a:defPPr>
-              <a:defRPr lang="tr-TR"/>
-            </a:defPPr>
-          </a:lstStyle>
-          <a:p>
-            <a:pPr algn="ctr" rtl="0"/>
-            <a:endParaRPr lang="tr-TR" dirty="0"/>
-          </a:p>
-        </p:txBody>
-      </p:sp>
-      <p:sp>
-        <p:nvSpPr>
-          <p:cNvPr id="28" name="Dikdörtgen 27">
-            <a:extLst>
-              <a:ext uri="{FF2B5EF4-FFF2-40B4-BE49-F238E27FC236}">
-                <a16:creationId xmlns:a16="http://schemas.microsoft.com/office/drawing/2014/main" id="{FB65ABA3-820C-4D75-9437-9EFA1ADFE134}"/>
-              </a:ext>
-              <a:ext uri="{C183D7F6-B498-43B3-948B-1728B52AA6E4}">
-                <adec:decorative xmlns:adec="http://schemas.microsoft.com/office/drawing/2017/decorative" val="1"/>
-              </a:ext>
-            </a:extLst>
-          </p:cNvPr>
-          <p:cNvSpPr>
-            <a:spLocks noGrp="1" noRot="1" noChangeAspect="1" noMove="1" noResize="1" noEditPoints="1" noAdjustHandles="1" noChangeArrowheads="1" noChangeShapeType="1" noTextEdit="1"/>
-          </p:cNvSpPr>
-          <p:nvPr>
-            <p:extLst>
-              <p:ext uri="{386F3935-93C4-4BCD-93E2-E3B085C9AB24}">
-                <p16:designElem xmlns:p16="http://schemas.microsoft.com/office/powerpoint/2015/main" val="1"/>
-              </p:ext>
-            </p:extLst>
-          </p:nvPr>
-        </p:nvSpPr>
-        <p:spPr>
-          <a:xfrm>
-            <a:off x="234696" y="237744"/>
-            <a:ext cx="11722608" cy="6382512"/>
-          </a:xfrm>
-          <a:prstGeom prst="rect">
-            <a:avLst/>
-          </a:prstGeom>
-          <a:solidFill>
-            <a:schemeClr val="bg1">
-              <a:lumMod val="75000"/>
-              <a:alpha val="60000"/>
-            </a:schemeClr>
-          </a:solidFill>
-          <a:ln w="6350" cap="flat" cmpd="sng" algn="ctr">
-            <a:noFill/>
-            <a:prstDash val="solid"/>
-          </a:ln>
-          <a:effectLst>
-            <a:softEdge rad="0"/>
-          </a:effectLst>
-        </p:spPr>
-      </p:sp>
-      <p:sp>
-        <p:nvSpPr>
-          <p:cNvPr id="30" name="Dikdörtgen 29">
-            <a:extLst>
-              <a:ext uri="{FF2B5EF4-FFF2-40B4-BE49-F238E27FC236}">
-                <a16:creationId xmlns:a16="http://schemas.microsoft.com/office/drawing/2014/main" id="{036BF2FB-90D8-48DB-BD34-D040CDCFF208}"/>
-              </a:ext>
-              <a:ext uri="{C183D7F6-B498-43B3-948B-1728B52AA6E4}">
-                <adec:decorative xmlns:adec="http://schemas.microsoft.com/office/drawing/2017/decorative" val="1"/>
-              </a:ext>
-            </a:extLst>
-          </p:cNvPr>
-          <p:cNvSpPr>
-            <a:spLocks noGrp="1" noRot="1" noChangeAspect="1" noMove="1" noResize="1" noEditPoints="1" noAdjustHandles="1" noChangeArrowheads="1" noChangeShapeType="1" noTextEdit="1"/>
-          </p:cNvSpPr>
-          <p:nvPr>
-            <p:extLst>
-              <p:ext uri="{386F3935-93C4-4BCD-93E2-E3B085C9AB24}">
-                <p16:designElem xmlns:p16="http://schemas.microsoft.com/office/powerpoint/2015/main" val="1"/>
-              </p:ext>
-            </p:extLst>
-          </p:nvPr>
-        </p:nvSpPr>
-        <p:spPr>
-          <a:xfrm>
-            <a:off x="371856" y="374904"/>
-            <a:ext cx="11448288" cy="6108192"/>
-          </a:xfrm>
-          <a:prstGeom prst="rect">
-            <a:avLst/>
-          </a:prstGeom>
-          <a:noFill/>
-          <a:ln w="6350" cap="sq" cmpd="sng" algn="ctr">
-            <a:solidFill>
-              <a:schemeClr val="tx1">
-                <a:lumMod val="85000"/>
-                <a:lumOff val="15000"/>
-              </a:schemeClr>
-            </a:solidFill>
-            <a:prstDash val="solid"/>
-            <a:miter lim="800000"/>
-          </a:ln>
-          <a:effectLst/>
-        </p:spPr>
-      </p:sp>
-      <p:sp>
-        <p:nvSpPr>
-          <p:cNvPr id="32" name="Dikdörtgen 31">
-            <a:extLst>
-              <a:ext uri="{FF2B5EF4-FFF2-40B4-BE49-F238E27FC236}">
-                <a16:creationId xmlns:a16="http://schemas.microsoft.com/office/drawing/2014/main" id="{78632963-757B-40C2-BB84-FC6107A54DAD}"/>
-              </a:ext>
-              <a:ext uri="{C183D7F6-B498-43B3-948B-1728B52AA6E4}">
-                <adec:decorative xmlns:adec="http://schemas.microsoft.com/office/drawing/2017/decorative" val="1"/>
-              </a:ext>
-            </a:extLst>
-          </p:cNvPr>
-          <p:cNvSpPr>
-            <a:spLocks noGrp="1" noRot="1" noChangeAspect="1" noMove="1" noResize="1" noEditPoints="1" noAdjustHandles="1" noChangeArrowheads="1" noChangeShapeType="1" noTextEdit="1"/>
-          </p:cNvSpPr>
-          <p:nvPr>
-            <p:extLst>
-              <p:ext uri="{386F3935-93C4-4BCD-93E2-E3B085C9AB24}">
-                <p16:designElem xmlns:p16="http://schemas.microsoft.com/office/powerpoint/2015/main" val="1"/>
-              </p:ext>
-            </p:extLst>
-          </p:nvPr>
-        </p:nvSpPr>
-        <p:spPr>
-          <a:xfrm>
-            <a:off x="-1866" y="0"/>
-            <a:ext cx="12193866" cy="6858000"/>
-          </a:xfrm>
-          <a:prstGeom prst="rect">
-            <a:avLst/>
-          </a:prstGeom>
-          <a:solidFill>
-            <a:srgbClr val="FFFFFF"/>
-          </a:solidFill>
-          <a:ln>
-            <a:noFill/>
-          </a:ln>
-        </p:spPr>
-        <p:style>
-          <a:lnRef idx="2">
-            <a:schemeClr val="accent1">
-              <a:shade val="50000"/>
-            </a:schemeClr>
-          </a:lnRef>
-          <a:fillRef idx="1">
-            <a:schemeClr val="accent1"/>
-          </a:fillRef>
-          <a:effectRef idx="0">
-            <a:schemeClr val="accent1"/>
-          </a:effectRef>
-          <a:fontRef idx="minor">
-            <a:schemeClr val="lt1"/>
-          </a:fontRef>
-        </p:style>
-        <p:txBody>
-          <a:bodyPr rtlCol="0" anchor="ctr"/>
-          <a:lstStyle>
-            <a:defPPr>
-              <a:defRPr lang="tr-TR"/>
-            </a:defPPr>
-          </a:lstStyle>
-          <a:p>
-            <a:pPr algn="ctr" rtl="0"/>
-            <a:endParaRPr lang="tr-TR" dirty="0"/>
-          </a:p>
-        </p:txBody>
-      </p:sp>
-      <p:pic>
-        <p:nvPicPr>
-          <p:cNvPr id="6" name="Resim Yer Tutucusu 5" descr="Genç adam yazı yazıyor">
-            <a:extLst>
-              <a:ext uri="{FF2B5EF4-FFF2-40B4-BE49-F238E27FC236}">
-                <a16:creationId xmlns:a16="http://schemas.microsoft.com/office/drawing/2014/main" id="{1054C6CA-D723-4A6A-9734-5910A1729B5C}"/>
-              </a:ext>
-            </a:extLst>
-          </p:cNvPr>
-          <p:cNvPicPr>
-            <a:picLocks noGrp="1" noChangeAspect="1"/>
-          </p:cNvPicPr>
-          <p:nvPr>
-            <p:ph type="pic" idx="1"/>
-          </p:nvPr>
-        </p:nvPicPr>
-        <p:blipFill>
-          <a:blip r:embed="rId3">
-            <a:duotone>
-              <a:prstClr val="black"/>
-              <a:schemeClr val="accent1">
-                <a:tint val="45000"/>
-                <a:satMod val="400000"/>
-              </a:schemeClr>
-            </a:duotone>
-            <a:extLst>
-              <a:ext uri="{28A0092B-C50C-407E-A947-70E740481C1C}">
-                <a14:useLocalDpi xmlns:a14="http://schemas.microsoft.com/office/drawing/2010/main" val="0"/>
-              </a:ext>
-            </a:extLst>
-          </a:blip>
-          <a:srcRect/>
-          <a:stretch/>
-        </p:blipFill>
-        <p:spPr>
-          <a:xfrm>
-            <a:off x="1" y="1"/>
-            <a:ext cx="12191998" cy="6857999"/>
-          </a:xfrm>
-          <a:prstGeom prst="rect">
-            <a:avLst/>
-          </a:prstGeom>
-        </p:spPr>
-      </p:pic>
-      <p:sp>
-        <p:nvSpPr>
-          <p:cNvPr id="34" name="Dikdörtgen 33">
-            <a:extLst>
-              <a:ext uri="{FF2B5EF4-FFF2-40B4-BE49-F238E27FC236}">
-                <a16:creationId xmlns:a16="http://schemas.microsoft.com/office/drawing/2014/main" id="{2853AE55-7E35-44B0-89F1-3F52B262AF33}"/>
-              </a:ext>
-              <a:ext uri="{C183D7F6-B498-43B3-948B-1728B52AA6E4}">
-                <adec:decorative xmlns:adec="http://schemas.microsoft.com/office/drawing/2017/decorative" val="1"/>
-              </a:ext>
-            </a:extLst>
-          </p:cNvPr>
-          <p:cNvSpPr>
-            <a:spLocks noGrp="1" noRot="1" noChangeAspect="1" noMove="1" noResize="1" noEditPoints="1" noAdjustHandles="1" noChangeArrowheads="1" noChangeShapeType="1" noTextEdit="1"/>
-          </p:cNvSpPr>
-          <p:nvPr>
-            <p:extLst>
-              <p:ext uri="{386F3935-93C4-4BCD-93E2-E3B085C9AB24}">
-                <p16:designElem xmlns:p16="http://schemas.microsoft.com/office/powerpoint/2015/main" val="1"/>
-              </p:ext>
-            </p:extLst>
-          </p:nvPr>
-        </p:nvSpPr>
-        <p:spPr>
-          <a:xfrm>
-            <a:off x="267615" y="253548"/>
-            <a:ext cx="5612193" cy="6361598"/>
-          </a:xfrm>
-          <a:prstGeom prst="rect">
-            <a:avLst/>
-          </a:prstGeom>
-          <a:solidFill>
-            <a:schemeClr val="bg1">
-              <a:alpha val="94000"/>
-            </a:schemeClr>
-          </a:solidFill>
-          <a:ln>
-            <a:noFill/>
-          </a:ln>
-        </p:spPr>
-        <p:style>
-          <a:lnRef idx="2">
-            <a:schemeClr val="accent1">
-              <a:shade val="50000"/>
-            </a:schemeClr>
-          </a:lnRef>
-          <a:fillRef idx="1">
-            <a:schemeClr val="accent1"/>
-          </a:fillRef>
-          <a:effectRef idx="0">
-            <a:schemeClr val="accent1"/>
-          </a:effectRef>
-          <a:fontRef idx="minor">
-            <a:schemeClr val="lt1"/>
-          </a:fontRef>
-        </p:style>
-        <p:txBody>
-          <a:bodyPr rtlCol="0" anchor="ctr"/>
-          <a:lstStyle>
-            <a:defPPr>
-              <a:defRPr lang="tr-TR"/>
-            </a:defPPr>
-          </a:lstStyle>
-          <a:p>
-            <a:pPr algn="ctr" rtl="0"/>
-            <a:endParaRPr lang="tr-TR" dirty="0"/>
-          </a:p>
-        </p:txBody>
-      </p:sp>
-      <p:sp>
-        <p:nvSpPr>
-          <p:cNvPr id="36" name="Dikdörtgen 35">
-            <a:extLst>
-              <a:ext uri="{FF2B5EF4-FFF2-40B4-BE49-F238E27FC236}">
-                <a16:creationId xmlns:a16="http://schemas.microsoft.com/office/drawing/2014/main" id="{DBC4BE4D-4B50-4F51-9F85-4B5D60B02D81}"/>
-              </a:ext>
-              <a:ext uri="{C183D7F6-B498-43B3-948B-1728B52AA6E4}">
-                <adec:decorative xmlns:adec="http://schemas.microsoft.com/office/drawing/2017/decorative" val="1"/>
-              </a:ext>
-            </a:extLst>
-          </p:cNvPr>
-          <p:cNvSpPr>
-            <a:spLocks noGrp="1" noRot="1" noChangeAspect="1" noMove="1" noResize="1" noEditPoints="1" noAdjustHandles="1" noChangeArrowheads="1" noChangeShapeType="1" noTextEdit="1"/>
-          </p:cNvSpPr>
-          <p:nvPr>
-            <p:extLst>
-              <p:ext uri="{386F3935-93C4-4BCD-93E2-E3B085C9AB24}">
-                <p16:designElem xmlns:p16="http://schemas.microsoft.com/office/powerpoint/2015/main" val="1"/>
-              </p:ext>
-            </p:extLst>
-          </p:nvPr>
-        </p:nvSpPr>
-        <p:spPr>
-          <a:xfrm>
-            <a:off x="415448" y="407588"/>
-            <a:ext cx="5299768" cy="6022878"/>
-          </a:xfrm>
-          <a:prstGeom prst="rect">
-            <a:avLst/>
-          </a:prstGeom>
-          <a:noFill/>
-          <a:ln w="6350">
-            <a:solidFill>
-              <a:schemeClr val="tx1">
-                <a:lumMod val="75000"/>
-                <a:lumOff val="25000"/>
-              </a:schemeClr>
-            </a:solidFill>
-          </a:ln>
-        </p:spPr>
-        <p:style>
-          <a:lnRef idx="2">
-            <a:schemeClr val="accent1">
-              <a:shade val="50000"/>
-            </a:schemeClr>
-          </a:lnRef>
-          <a:fillRef idx="1">
-            <a:schemeClr val="accent1"/>
-          </a:fillRef>
-          <a:effectRef idx="0">
-            <a:schemeClr val="accent1"/>
-          </a:effectRef>
-          <a:fontRef idx="minor">
-            <a:schemeClr val="lt1"/>
-          </a:fontRef>
-        </p:style>
-        <p:txBody>
-          <a:bodyPr rtlCol="0" anchor="ctr"/>
-          <a:lstStyle>
-            <a:defPPr>
-              <a:defRPr lang="tr-TR"/>
-            </a:defPPr>
-          </a:lstStyle>
-          <a:p>
-            <a:pPr algn="ctr" rtl="0"/>
-            <a:endParaRPr lang="tr-TR" dirty="0"/>
-          </a:p>
-        </p:txBody>
-      </p:sp>
-      <p:sp>
-        <p:nvSpPr>
-          <p:cNvPr id="3" name="Başlık 2">
-            <a:extLst>
-              <a:ext uri="{FF2B5EF4-FFF2-40B4-BE49-F238E27FC236}">
-                <a16:creationId xmlns:a16="http://schemas.microsoft.com/office/drawing/2014/main" id="{A7F5067F-B05A-4CB4-8FEF-12162F4FD7F8}"/>
-              </a:ext>
-            </a:extLst>
-          </p:cNvPr>
-          <p:cNvSpPr>
-            <a:spLocks noGrp="1"/>
-          </p:cNvSpPr>
-          <p:nvPr>
-            <p:ph type="title"/>
-          </p:nvPr>
-        </p:nvSpPr>
-        <p:spPr>
-          <a:xfrm>
-            <a:off x="774043" y="727626"/>
-            <a:ext cx="4602152" cy="1718225"/>
-          </a:xfrm>
-        </p:spPr>
-        <p:txBody>
-          <a:bodyPr vert="horz" lIns="91440" tIns="45720" rIns="91440" bIns="45720" rtlCol="0" anchor="ctr">
-            <a:normAutofit/>
-          </a:bodyPr>
-          <a:lstStyle>
-            <a:defPPr>
-              <a:defRPr lang="tr-TR"/>
-            </a:defPPr>
-          </a:lstStyle>
-          <a:p>
-            <a:pPr rtl="0">
-              <a:lnSpc>
-                <a:spcPct val="90000"/>
-              </a:lnSpc>
-            </a:pPr>
-            <a:r>
-              <a:rPr lang="tr-TR" sz="4800" dirty="0">
-                <a:solidFill>
-                  <a:schemeClr val="bg2">
-                    <a:lumMod val="50000"/>
-                  </a:schemeClr>
-                </a:solidFill>
-              </a:rPr>
-              <a:t>Nesne Yönetimli Programlama</a:t>
-            </a:r>
-          </a:p>
-        </p:txBody>
-      </p:sp>
-      <p:sp>
-        <p:nvSpPr>
-          <p:cNvPr id="4" name="Metin Yer Tutucusu 3">
-            <a:extLst>
-              <a:ext uri="{FF2B5EF4-FFF2-40B4-BE49-F238E27FC236}">
-                <a16:creationId xmlns:a16="http://schemas.microsoft.com/office/drawing/2014/main" id="{29AD4A91-7AB8-40C3-9C11-950FF5FC7DFC}"/>
-              </a:ext>
-            </a:extLst>
-          </p:cNvPr>
-          <p:cNvSpPr>
-            <a:spLocks noGrp="1"/>
-          </p:cNvSpPr>
-          <p:nvPr>
-            <p:ph type="body" sz="half" idx="2"/>
-          </p:nvPr>
-        </p:nvSpPr>
-        <p:spPr>
-          <a:xfrm>
-            <a:off x="774043" y="2538920"/>
-            <a:ext cx="4602152" cy="3480066"/>
-          </a:xfrm>
-        </p:spPr>
-        <p:txBody>
-          <a:bodyPr vert="horz" lIns="91440" tIns="45720" rIns="91440" bIns="45720" rtlCol="0">
-            <a:normAutofit/>
-          </a:bodyPr>
-          <a:lstStyle>
-            <a:defPPr>
-              <a:defRPr lang="tr-TR"/>
-            </a:defPPr>
-          </a:lstStyle>
-          <a:p>
-            <a:pPr rtl="0">
-              <a:lnSpc>
-                <a:spcPct val="100000"/>
-              </a:lnSpc>
-            </a:pPr>
-            <a:r>
-              <a:rPr lang="tr-TR" b="1" dirty="0">
-                <a:solidFill>
-                  <a:schemeClr val="bg2">
-                    <a:lumMod val="50000"/>
-                  </a:schemeClr>
-                </a:solidFill>
-              </a:rPr>
-              <a:t>Bu yetenekleri ele alacağız:</a:t>
-            </a:r>
-          </a:p>
-          <a:p>
-            <a:pPr marL="216000" indent="-216000" rtl="0">
-              <a:lnSpc>
-                <a:spcPct val="100000"/>
-              </a:lnSpc>
-              <a:buClr>
-                <a:schemeClr val="accent1"/>
-              </a:buClr>
-              <a:buFont typeface="Arial" panose="020B0604020202020204" pitchFamily="34" charset="0"/>
-              <a:buChar char="•"/>
-            </a:pPr>
-            <a:r>
-              <a:rPr lang="tr-TR" dirty="0">
-                <a:solidFill>
-                  <a:schemeClr val="bg2">
-                    <a:lumMod val="50000"/>
-                  </a:schemeClr>
-                </a:solidFill>
-              </a:rPr>
-              <a:t>Nesne Programlama Yönetimi Tanımı</a:t>
-            </a:r>
-          </a:p>
-          <a:p>
-            <a:pPr marL="216000" indent="-216000" rtl="0">
-              <a:lnSpc>
-                <a:spcPct val="100000"/>
-              </a:lnSpc>
-              <a:buClr>
-                <a:schemeClr val="accent1"/>
-              </a:buClr>
-              <a:buFont typeface="Arial" panose="020B0604020202020204" pitchFamily="34" charset="0"/>
-              <a:buChar char="•"/>
-            </a:pPr>
-            <a:r>
-              <a:rPr lang="tr-TR" dirty="0">
-                <a:solidFill>
-                  <a:schemeClr val="bg2">
-                    <a:lumMod val="50000"/>
-                  </a:schemeClr>
-                </a:solidFill>
-              </a:rPr>
-              <a:t>Sınıf, Nesne, Instantion, Encapsulation, Inharitance, Polymorphism</a:t>
-            </a:r>
-          </a:p>
-          <a:p>
-            <a:pPr marL="216000" indent="-216000" rtl="0">
-              <a:lnSpc>
-                <a:spcPct val="100000"/>
-              </a:lnSpc>
-              <a:buClr>
-                <a:schemeClr val="accent1"/>
-              </a:buClr>
-              <a:buFont typeface="Arial" panose="020B0604020202020204" pitchFamily="34" charset="0"/>
-              <a:buChar char="•"/>
-            </a:pPr>
-            <a:r>
-              <a:rPr lang="tr-TR" dirty="0">
-                <a:solidFill>
-                  <a:schemeClr val="bg2">
-                    <a:lumMod val="50000"/>
-                  </a:schemeClr>
-                </a:solidFill>
-              </a:rPr>
-              <a:t>OOP Örnekler</a:t>
-            </a:r>
-          </a:p>
-          <a:p>
-            <a:pPr marL="216000" indent="-216000" rtl="0">
-              <a:lnSpc>
-                <a:spcPct val="100000"/>
-              </a:lnSpc>
-              <a:buClr>
-                <a:schemeClr val="accent1"/>
-              </a:buClr>
-              <a:buFont typeface="Arial" panose="020B0604020202020204" pitchFamily="34" charset="0"/>
-              <a:buChar char="•"/>
-            </a:pPr>
-            <a:r>
-              <a:rPr lang="tr-TR" dirty="0">
-                <a:solidFill>
-                  <a:schemeClr val="bg2">
-                    <a:lumMod val="50000"/>
-                  </a:schemeClr>
-                </a:solidFill>
-              </a:rPr>
-              <a:t>Solid Prensipleri</a:t>
-            </a:r>
-          </a:p>
-          <a:p>
-            <a:pPr marL="216000" indent="-216000" rtl="0">
-              <a:lnSpc>
-                <a:spcPct val="100000"/>
-              </a:lnSpc>
-              <a:buClr>
-                <a:schemeClr val="accent1"/>
-              </a:buClr>
-              <a:buFont typeface="Arial" panose="020B0604020202020204" pitchFamily="34" charset="0"/>
-              <a:buChar char="•"/>
-            </a:pPr>
-            <a:r>
-              <a:rPr lang="tr-TR" dirty="0">
-                <a:solidFill>
-                  <a:schemeClr val="bg2">
-                    <a:lumMod val="50000"/>
-                  </a:schemeClr>
-                </a:solidFill>
-              </a:rPr>
-              <a:t>Design Pattern</a:t>
-            </a:r>
-          </a:p>
-        </p:txBody>
-      </p:sp>
-    </p:spTree>
-    <p:extLst>
-      <p:ext uri="{BB962C8B-B14F-4D97-AF65-F5344CB8AC3E}">
-        <p14:creationId xmlns:p14="http://schemas.microsoft.com/office/powerpoint/2010/main" val="1386799731"/>
-      </p:ext>
-    </p:extLst>
-  </p:cSld>
-  <p:clrMapOvr>
-    <a:masterClrMapping/>
-  </p:clrMapOvr>
-</p:sld>
-</file>
-
-<file path=ppt/slides/slide30.xml><?xml version="1.0" encoding="utf-8"?>
+<file path=ppt/slides/slide31.xml><?xml version="1.0" encoding="utf-8"?>
 <p:sld xmlns:a="http://schemas.openxmlformats.org/drawingml/2006/main" xmlns:r="http://schemas.openxmlformats.org/officeDocument/2006/relationships" xmlns:p="http://schemas.openxmlformats.org/presentationml/2006/main">
   <p:cSld>
     <p:spTree>
@@ -17889,7 +18832,7 @@
 </p:sld>
 </file>
 
-<file path=ppt/slides/slide31.xml><?xml version="1.0" encoding="utf-8"?>
+<file path=ppt/slides/slide32.xml><?xml version="1.0" encoding="utf-8"?>
 <p:sld xmlns:a="http://schemas.openxmlformats.org/drawingml/2006/main" xmlns:r="http://schemas.openxmlformats.org/officeDocument/2006/relationships" xmlns:p="http://schemas.openxmlformats.org/presentationml/2006/main">
   <p:cSld>
     <p:spTree>
@@ -18066,7 +19009,7 @@
 </p:sld>
 </file>
 
-<file path=ppt/slides/slide32.xml><?xml version="1.0" encoding="utf-8"?>
+<file path=ppt/slides/slide33.xml><?xml version="1.0" encoding="utf-8"?>
 <p:sld xmlns:a="http://schemas.openxmlformats.org/drawingml/2006/main" xmlns:r="http://schemas.openxmlformats.org/officeDocument/2006/relationships" xmlns:p="http://schemas.openxmlformats.org/presentationml/2006/main">
   <p:cSld>
     <p:spTree>
@@ -18273,7 +19216,7 @@
 </p:sld>
 </file>
 
-<file path=ppt/slides/slide33.xml><?xml version="1.0" encoding="utf-8"?>
+<file path=ppt/slides/slide34.xml><?xml version="1.0" encoding="utf-8"?>
 <p:sld xmlns:a="http://schemas.openxmlformats.org/drawingml/2006/main" xmlns:r="http://schemas.openxmlformats.org/officeDocument/2006/relationships" xmlns:p="http://schemas.openxmlformats.org/presentationml/2006/main">
   <p:cSld>
     <p:spTree>
@@ -18437,7 +19380,7 @@
 </p:sld>
 </file>
 
-<file path=ppt/slides/slide34.xml><?xml version="1.0" encoding="utf-8"?>
+<file path=ppt/slides/slide35.xml><?xml version="1.0" encoding="utf-8"?>
 <p:sld xmlns:a="http://schemas.openxmlformats.org/drawingml/2006/main" xmlns:r="http://schemas.openxmlformats.org/officeDocument/2006/relationships" xmlns:p="http://schemas.openxmlformats.org/presentationml/2006/main">
   <p:cSld>
     <p:spTree>
@@ -18601,7 +19544,7 @@
 </p:sld>
 </file>
 
-<file path=ppt/slides/slide35.xml><?xml version="1.0" encoding="utf-8"?>
+<file path=ppt/slides/slide36.xml><?xml version="1.0" encoding="utf-8"?>
 <p:sld xmlns:a="http://schemas.openxmlformats.org/drawingml/2006/main" xmlns:r="http://schemas.openxmlformats.org/officeDocument/2006/relationships" xmlns:p="http://schemas.openxmlformats.org/presentationml/2006/main">
   <p:cSld>
     <p:spTree>
@@ -18765,7 +19708,7 @@
 </p:sld>
 </file>
 
-<file path=ppt/slides/slide36.xml><?xml version="1.0" encoding="utf-8"?>
+<file path=ppt/slides/slide37.xml><?xml version="1.0" encoding="utf-8"?>
 <p:sld xmlns:a="http://schemas.openxmlformats.org/drawingml/2006/main" xmlns:r="http://schemas.openxmlformats.org/officeDocument/2006/relationships" xmlns:p="http://schemas.openxmlformats.org/presentationml/2006/main">
   <p:cSld>
     <p:spTree>
@@ -18929,7 +19872,7 @@
 </p:sld>
 </file>
 
-<file path=ppt/slides/slide37.xml><?xml version="1.0" encoding="utf-8"?>
+<file path=ppt/slides/slide38.xml><?xml version="1.0" encoding="utf-8"?>
 <p:sld xmlns:a="http://schemas.openxmlformats.org/drawingml/2006/main" xmlns:r="http://schemas.openxmlformats.org/officeDocument/2006/relationships" xmlns:p="http://schemas.openxmlformats.org/presentationml/2006/main">
   <p:cSld>
     <p:spTree>
@@ -19093,7 +20036,7 @@
 </p:sld>
 </file>
 
-<file path=ppt/slides/slide38.xml><?xml version="1.0" encoding="utf-8"?>
+<file path=ppt/slides/slide39.xml><?xml version="1.0" encoding="utf-8"?>
 <p:sld xmlns:a="http://schemas.openxmlformats.org/drawingml/2006/main" xmlns:r="http://schemas.openxmlformats.org/officeDocument/2006/relationships" xmlns:p="http://schemas.openxmlformats.org/presentationml/2006/main">
   <p:cSld>
     <p:spTree>
@@ -19143,7 +20086,7 @@
             <a:pPr rtl="0"/>
             <a:r>
               <a:rPr lang="tr-TR" sz="3200" dirty="0"/>
-              <a:t>Abstract Factory Design Pattern</a:t>
+              <a:t>Builder Design Pattern</a:t>
             </a:r>
           </a:p>
         </p:txBody>
@@ -19181,6 +20124,16 @@
           </a:lstStyle>
           <a:p>
             <a:pPr algn="l" fontAlgn="base"/>
+            <a:r>
+              <a:rPr lang="tr-TR" sz="1100" b="1" i="0" dirty="0">
+                <a:solidFill>
+                  <a:schemeClr val="bg1"/>
+                </a:solidFill>
+                <a:effectLst/>
+                <a:latin typeface="Source Sans Pro" panose="020B0503030403020204" pitchFamily="34" charset="0"/>
+              </a:rPr>
+              <a:t>Builder</a:t>
+            </a:r>
             <a:r>
               <a:rPr lang="tr-TR" sz="1100" b="0" i="0" dirty="0">
                 <a:solidFill>
@@ -19189,17 +20142,27 @@
                 <a:effectLst/>
                 <a:latin typeface="Source Sans Pro" panose="020B0503030403020204" pitchFamily="34" charset="0"/>
               </a:rPr>
-              <a:t>Bu yazımızda Creational Patterns(Oluşturucu Kalıplar) kategorisine giren Abstract Factory Design Pattern üzerine konuşacağız. Aslında biz önceden bu desene benzer olan Factory Desing Pattern üzerine bir makale ele almıştık. Yani mantıksal olarak ihtiyaç durumuna çok da yabancı olduğumuz bir desen değildir Abstract Factory Design Pattern. O halde hemen ilk akla gelen “</a:t>
-            </a:r>
-            <a:r>
-              <a:rPr lang="tr-TR" sz="1100" b="0" i="1" dirty="0">
+              <a:t> design patterni farklı şekildeki nesnelerin oluşturulmasında, clientin sadece nesne tipini belirterek creation işlemini gerçekleştirebilmesini sağlamak için kullanılır. Builder design patterninde clientin kullanmak istediği bir ürünün birden fazla şekli olabileceği düşünülür. Farklı şekillerin olduğu nesnenin üretiminden builder pattern sorumludur. Dolayısıyla client bu işten soyutlanır. Builder design pattern yer yer factory pattern yer yer de strategy pattern ile karıştırılmaya müsaittir. Bu sebeple builder tasarım kalıbını ayırabilmek için odaklanmamız gereken cümle</a:t>
+            </a:r>
+            <a:r>
+              <a:rPr lang="tr-TR" sz="1100" b="1" i="1" dirty="0">
+                <a:solidFill>
+                  <a:schemeClr val="bg1"/>
+                </a:solidFill>
+                <a:effectLst/>
+                <a:latin typeface="inherit"/>
+              </a:rPr>
+              <a:t> ‘ Farklı sunum şekilleri olan nesneler ‘</a:t>
+            </a:r>
+            <a:r>
+              <a:rPr lang="tr-TR" sz="1100" b="0" i="0" dirty="0" err="1">
                 <a:solidFill>
                   <a:schemeClr val="bg1"/>
                 </a:solidFill>
                 <a:effectLst/>
                 <a:latin typeface="Source Sans Pro" panose="020B0503030403020204" pitchFamily="34" charset="0"/>
               </a:rPr>
-              <a:t>Factory Method D.P. ile Abstract Factory D.P. arasındaki fark nedir?</a:t>
+              <a:t>dir</a:t>
             </a:r>
             <a:r>
               <a:rPr lang="tr-TR" sz="1100" b="0" i="0" dirty="0">
@@ -19209,11 +20172,71 @@
                 <a:effectLst/>
                 <a:latin typeface="Source Sans Pro" panose="020B0503030403020204" pitchFamily="34" charset="0"/>
               </a:rPr>
-              <a:t>” sorusuna cevap vermeyle konumuza başlayalım. Factory Method D.P.; ilişkisel olan birden fazla nesnenin üretimini ortak bir ara yüz aracılığıyla tek bir sınıf üzerinden yapılacak bir talep ile gerçekleştirmek ve nesne üretim anında istemcinin üretilen nesneye olan bağımlılığını sıfıra indirmeyi hedeflemektedir. Abstract Factory D.P. ise ilişkisel olan birden fazla nesnenin üretimini tek bir ara yüz tarafından değil her ürün ailesi için farklı bir arayüz tanımlayarak sağlamaktadır. Yani anlayacağınız birden fazla ürün ailesi ile çalışmak zorunda kaldığımız durumlarda, istemciyi bu yapılardan soyutlamak için Abstract Factory D.P. doğru bir yaklaşım olacaktır.</a:t>
-            </a:r>
-          </a:p>
-        </p:txBody>
-      </p:sp>
+              <a:t>. Örnek olarak, Pide nesnesi için Kıymalı Pide, Kaşarlı Pide, Sucuklu Pide… bu nesnenin şekilleridir. Böyle deyince kıymalı bir pidenin kaşarlısını üretmek için tek yapmam gereken bir propertyi değiştirmek ne design patterni gibi düşünebilirsiniz. Biraz daha kompleksleştirirsek, Phone nesnesi için Iphone8, Samsung Galaxy, Huawei… bu nesnenin farklı şekilleridir.</a:t>
+            </a:r>
+          </a:p>
+        </p:txBody>
+      </p:sp>
+      <p:pic>
+        <p:nvPicPr>
+          <p:cNvPr id="2" name="Resim 1">
+            <a:extLst>
+              <a:ext uri="{FF2B5EF4-FFF2-40B4-BE49-F238E27FC236}">
+                <a16:creationId xmlns:a16="http://schemas.microsoft.com/office/drawing/2014/main" id="{1416EBA5-C08C-491A-7B7C-2267E458A026}"/>
+              </a:ext>
+            </a:extLst>
+          </p:cNvPr>
+          <p:cNvPicPr>
+            <a:picLocks noChangeAspect="1"/>
+          </p:cNvPicPr>
+          <p:nvPr/>
+        </p:nvPicPr>
+        <p:blipFill>
+          <a:blip r:embed="rId3"/>
+          <a:stretch>
+            <a:fillRect/>
+          </a:stretch>
+        </p:blipFill>
+        <p:spPr>
+          <a:xfrm>
+            <a:off x="0" y="301333"/>
+            <a:ext cx="7984634" cy="3822431"/>
+          </a:xfrm>
+          <a:prstGeom prst="rect">
+            <a:avLst/>
+          </a:prstGeom>
+        </p:spPr>
+      </p:pic>
+      <p:pic>
+        <p:nvPicPr>
+          <p:cNvPr id="4" name="Resim 3">
+            <a:extLst>
+              <a:ext uri="{FF2B5EF4-FFF2-40B4-BE49-F238E27FC236}">
+                <a16:creationId xmlns:a16="http://schemas.microsoft.com/office/drawing/2014/main" id="{CBB45C9F-2A2A-1943-27DC-8A2E1A326AFD}"/>
+              </a:ext>
+            </a:extLst>
+          </p:cNvPr>
+          <p:cNvPicPr>
+            <a:picLocks noChangeAspect="1"/>
+          </p:cNvPicPr>
+          <p:nvPr/>
+        </p:nvPicPr>
+        <p:blipFill>
+          <a:blip r:embed="rId4"/>
+          <a:stretch>
+            <a:fillRect/>
+          </a:stretch>
+        </p:blipFill>
+        <p:spPr>
+          <a:xfrm>
+            <a:off x="81803" y="4368644"/>
+            <a:ext cx="7902831" cy="2188023"/>
+          </a:xfrm>
+          <a:prstGeom prst="rect">
+            <a:avLst/>
+          </a:prstGeom>
+        </p:spPr>
+      </p:pic>
     </p:spTree>
     <p:extLst>
       <p:ext uri="{BB962C8B-B14F-4D97-AF65-F5344CB8AC3E}">
@@ -19227,7 +20250,2133 @@
 </p:sld>
 </file>
 
-<file path=ppt/slides/slide39.xml><?xml version="1.0" encoding="utf-8"?>
+<file path=ppt/slides/slide4.xml><?xml version="1.0" encoding="utf-8"?>
+<p:sld xmlns:a="http://schemas.openxmlformats.org/drawingml/2006/main" xmlns:r="http://schemas.openxmlformats.org/officeDocument/2006/relationships" xmlns:p="http://schemas.openxmlformats.org/presentationml/2006/main">
+  <p:cSld>
+    <p:spTree>
+      <p:nvGrpSpPr>
+        <p:cNvPr id="1" name=""/>
+        <p:cNvGrpSpPr/>
+        <p:nvPr/>
+      </p:nvGrpSpPr>
+      <p:grpSpPr>
+        <a:xfrm>
+          <a:off x="0" y="0"/>
+          <a:ext cx="0" cy="0"/>
+          <a:chOff x="0" y="0"/>
+          <a:chExt cx="0" cy="0"/>
+        </a:xfrm>
+      </p:grpSpPr>
+      <p:pic>
+        <p:nvPicPr>
+          <p:cNvPr id="6" name="Resim Yer Tutucusu 5" descr="Adam dizüstü bilgisayarda bir şey gösteriyor">
+            <a:extLst>
+              <a:ext uri="{FF2B5EF4-FFF2-40B4-BE49-F238E27FC236}">
+                <a16:creationId xmlns:a16="http://schemas.microsoft.com/office/drawing/2014/main" id="{CCB0035C-155F-4A5B-87BE-89762733C8E1}"/>
+              </a:ext>
+            </a:extLst>
+          </p:cNvPr>
+          <p:cNvPicPr>
+            <a:picLocks noGrp="1"/>
+          </p:cNvPicPr>
+          <p:nvPr>
+            <p:ph type="pic" idx="1"/>
+          </p:nvPr>
+        </p:nvPicPr>
+        <p:blipFill>
+          <a:blip r:embed="rId3">
+            <a:duotone>
+              <a:prstClr val="black"/>
+              <a:schemeClr val="accent1">
+                <a:tint val="45000"/>
+                <a:satMod val="400000"/>
+              </a:schemeClr>
+            </a:duotone>
+            <a:extLst>
+              <a:ext uri="{28A0092B-C50C-407E-A947-70E740481C1C}">
+                <a14:useLocalDpi xmlns:a14="http://schemas.microsoft.com/office/drawing/2010/main" val="0"/>
+              </a:ext>
+            </a:extLst>
+          </a:blip>
+          <a:srcRect/>
+          <a:stretch/>
+        </p:blipFill>
+        <p:spPr>
+          <a:xfrm>
+            <a:off x="228599" y="238125"/>
+            <a:ext cx="7696201" cy="6381750"/>
+          </a:xfrm>
+        </p:spPr>
+      </p:pic>
+      <p:sp>
+        <p:nvSpPr>
+          <p:cNvPr id="3" name="Başlık 2">
+            <a:extLst>
+              <a:ext uri="{FF2B5EF4-FFF2-40B4-BE49-F238E27FC236}">
+                <a16:creationId xmlns:a16="http://schemas.microsoft.com/office/drawing/2014/main" id="{6002F139-264F-4B41-B39A-9E8B2901E164}"/>
+              </a:ext>
+            </a:extLst>
+          </p:cNvPr>
+          <p:cNvSpPr>
+            <a:spLocks noGrp="1"/>
+          </p:cNvSpPr>
+          <p:nvPr>
+            <p:ph type="title"/>
+          </p:nvPr>
+        </p:nvSpPr>
+        <p:spPr/>
+        <p:txBody>
+          <a:bodyPr rtlCol="0"/>
+          <a:lstStyle>
+            <a:defPPr>
+              <a:defRPr lang="tr-TR"/>
+            </a:defPPr>
+          </a:lstStyle>
+          <a:p>
+            <a:pPr marL="216000" indent="-216000" rtl="0">
+              <a:lnSpc>
+                <a:spcPct val="100000"/>
+              </a:lnSpc>
+              <a:buClr>
+                <a:schemeClr val="accent1"/>
+              </a:buClr>
+              <a:buFont typeface="Arial" panose="020B0604020202020204" pitchFamily="34" charset="0"/>
+              <a:buChar char="•"/>
+            </a:pPr>
+            <a:r>
+              <a:rPr lang="tr-TR" sz="3200" dirty="0">
+                <a:solidFill>
+                  <a:schemeClr val="bg2">
+                    <a:lumMod val="50000"/>
+                  </a:schemeClr>
+                </a:solidFill>
+              </a:rPr>
+              <a:t>Nesne Programlama Yönetimi Tanımı</a:t>
+            </a:r>
+          </a:p>
+        </p:txBody>
+      </p:sp>
+      <p:sp>
+        <p:nvSpPr>
+          <p:cNvPr id="4" name="Metin Yer Tutucusu 3">
+            <a:extLst>
+              <a:ext uri="{FF2B5EF4-FFF2-40B4-BE49-F238E27FC236}">
+                <a16:creationId xmlns:a16="http://schemas.microsoft.com/office/drawing/2014/main" id="{5ECC3DCE-4CD8-4370-8B3F-47DEAB635ED9}"/>
+              </a:ext>
+            </a:extLst>
+          </p:cNvPr>
+          <p:cNvSpPr>
+            <a:spLocks noGrp="1"/>
+          </p:cNvSpPr>
+          <p:nvPr>
+            <p:ph type="body" sz="half" idx="2"/>
+          </p:nvPr>
+        </p:nvSpPr>
+        <p:spPr>
+          <a:xfrm>
+            <a:off x="8477250" y="2386583"/>
+            <a:ext cx="3144774" cy="3867913"/>
+          </a:xfrm>
+        </p:spPr>
+        <p:txBody>
+          <a:bodyPr rtlCol="0">
+            <a:noAutofit/>
+          </a:bodyPr>
+          <a:lstStyle>
+            <a:defPPr>
+              <a:defRPr lang="tr-TR"/>
+            </a:defPPr>
+          </a:lstStyle>
+          <a:p>
+            <a:pPr algn="l"/>
+            <a:r>
+              <a:rPr lang="tr-TR" sz="1150" b="1" i="0" dirty="0">
+                <a:solidFill>
+                  <a:srgbClr val="405261"/>
+                </a:solidFill>
+                <a:effectLst/>
+                <a:latin typeface="AvenirBold"/>
+              </a:rPr>
+              <a:t>Object Oriented Programming</a:t>
+            </a:r>
+            <a:r>
+              <a:rPr lang="tr-TR" sz="1150" b="0" i="0" dirty="0">
+                <a:solidFill>
+                  <a:srgbClr val="405261"/>
+                </a:solidFill>
+                <a:effectLst/>
+                <a:latin typeface="AvenirRegular"/>
+              </a:rPr>
+              <a:t> yani Nesne Yönelimli Programlama, her işlevin nesnel olarak soyutlandığı bir programlama şeklidir.</a:t>
+            </a:r>
+          </a:p>
+          <a:p>
+            <a:pPr algn="l"/>
+            <a:r>
+              <a:rPr lang="tr-TR" sz="1150" b="0" i="0" dirty="0">
+                <a:solidFill>
+                  <a:srgbClr val="405261"/>
+                </a:solidFill>
+                <a:effectLst/>
+                <a:latin typeface="AvenirRegular"/>
+              </a:rPr>
+              <a:t>Bu açıklamayı daha da örnekleyerek açıklarsak, gerçek hayatta gördüğümüz birçok nesnenin bilgisayar ortamına aktarılma şeklidir. Yani bir nesnenin rengi, durumu, ismi, üretim yılı gibi birçok özelliklerin bilgisayar ortamında gösterilmesi buna örnek olarak verilebilir.</a:t>
+            </a:r>
+          </a:p>
+          <a:p>
+            <a:pPr algn="l"/>
+            <a:r>
+              <a:rPr lang="tr-TR" sz="1150" b="0" i="0" dirty="0">
+                <a:solidFill>
+                  <a:srgbClr val="405261"/>
+                </a:solidFill>
+                <a:effectLst/>
+                <a:latin typeface="AvenirRegular"/>
+              </a:rPr>
+              <a:t>1960’lı yılların sonuna doğru ortaya çıkan bu programlama şekli, o dönemlerde yazılım dünyasının yaşadığı sıkıntının sonucudur.</a:t>
+            </a:r>
+          </a:p>
+          <a:p>
+            <a:pPr algn="l"/>
+            <a:r>
+              <a:rPr lang="tr-TR" sz="1150" b="0" i="0" dirty="0">
+                <a:solidFill>
+                  <a:srgbClr val="405261"/>
+                </a:solidFill>
+                <a:effectLst/>
+                <a:latin typeface="AvenirRegular"/>
+              </a:rPr>
+              <a:t>Yazılımların karışıklığı ve boyutlarının artması, belirli bir nitelik düzeyini korumak için gereken maliyeti, zamanı ve çabayı arttırıyordu. </a:t>
+            </a:r>
+            <a:r>
+              <a:rPr lang="tr-TR" sz="1150" b="1" i="0" dirty="0">
+                <a:solidFill>
+                  <a:srgbClr val="405261"/>
+                </a:solidFill>
+                <a:effectLst/>
+                <a:latin typeface="AvenirBold"/>
+              </a:rPr>
+              <a:t>OOP</a:t>
+            </a:r>
+            <a:r>
+              <a:rPr lang="tr-TR" sz="1150" b="0" i="0" dirty="0">
+                <a:solidFill>
+                  <a:srgbClr val="405261"/>
+                </a:solidFill>
+                <a:effectLst/>
+                <a:latin typeface="AvenirRegular"/>
+              </a:rPr>
+              <a:t> bu soruna karşı çözüm olarak getiren özelliği yazılımdaki birimselliği yüksek oranda benimsemesidir.</a:t>
+            </a:r>
+          </a:p>
+        </p:txBody>
+      </p:sp>
+    </p:spTree>
+    <p:extLst>
+      <p:ext uri="{BB962C8B-B14F-4D97-AF65-F5344CB8AC3E}">
+        <p14:creationId xmlns:p14="http://schemas.microsoft.com/office/powerpoint/2010/main" val="707235762"/>
+      </p:ext>
+    </p:extLst>
+  </p:cSld>
+  <p:clrMapOvr>
+    <a:masterClrMapping/>
+  </p:clrMapOvr>
+</p:sld>
+</file>
+
+<file path=ppt/slides/slide40.xml><?xml version="1.0" encoding="utf-8"?>
+<p:sld xmlns:a="http://schemas.openxmlformats.org/drawingml/2006/main" xmlns:r="http://schemas.openxmlformats.org/officeDocument/2006/relationships" xmlns:p="http://schemas.openxmlformats.org/presentationml/2006/main">
+  <p:cSld>
+    <p:spTree>
+      <p:nvGrpSpPr>
+        <p:cNvPr id="1" name=""/>
+        <p:cNvGrpSpPr/>
+        <p:nvPr/>
+      </p:nvGrpSpPr>
+      <p:grpSpPr>
+        <a:xfrm>
+          <a:off x="0" y="0"/>
+          <a:ext cx="0" cy="0"/>
+          <a:chOff x="0" y="0"/>
+          <a:chExt cx="0" cy="0"/>
+        </a:xfrm>
+      </p:grpSpPr>
+      <p:sp>
+        <p:nvSpPr>
+          <p:cNvPr id="11" name="Başlık 1">
+            <a:extLst>
+              <a:ext uri="{FF2B5EF4-FFF2-40B4-BE49-F238E27FC236}">
+                <a16:creationId xmlns:a16="http://schemas.microsoft.com/office/drawing/2014/main" id="{35C2D8AE-2A51-43C9-93E8-4B377C69977E}"/>
+              </a:ext>
+            </a:extLst>
+          </p:cNvPr>
+          <p:cNvSpPr>
+            <a:spLocks noGrp="1"/>
+          </p:cNvSpPr>
+          <p:nvPr>
+            <p:ph type="title"/>
+          </p:nvPr>
+        </p:nvSpPr>
+        <p:spPr>
+          <a:xfrm>
+            <a:off x="8328323" y="527532"/>
+            <a:ext cx="3291840" cy="1152039"/>
+          </a:xfrm>
+        </p:spPr>
+        <p:txBody>
+          <a:bodyPr rtlCol="0"/>
+          <a:lstStyle>
+            <a:defPPr>
+              <a:defRPr lang="tr-TR"/>
+            </a:defPPr>
+          </a:lstStyle>
+          <a:p>
+            <a:pPr rtl="0"/>
+            <a:r>
+              <a:rPr lang="tr-TR" sz="3200" dirty="0"/>
+              <a:t>Builder Design Pattern</a:t>
+            </a:r>
+          </a:p>
+        </p:txBody>
+      </p:sp>
+      <p:sp>
+        <p:nvSpPr>
+          <p:cNvPr id="13" name="Metin Yer Tutucusu 3">
+            <a:extLst>
+              <a:ext uri="{FF2B5EF4-FFF2-40B4-BE49-F238E27FC236}">
+                <a16:creationId xmlns:a16="http://schemas.microsoft.com/office/drawing/2014/main" id="{5A1B00F9-CC1D-4C2D-B987-607685F3DEB9}"/>
+              </a:ext>
+            </a:extLst>
+          </p:cNvPr>
+          <p:cNvSpPr>
+            <a:spLocks noGrp="1"/>
+          </p:cNvSpPr>
+          <p:nvPr>
+            <p:ph type="body" sz="half" idx="2"/>
+          </p:nvPr>
+        </p:nvSpPr>
+        <p:spPr>
+          <a:xfrm>
+            <a:off x="8393261" y="1791338"/>
+            <a:ext cx="3161963" cy="4367415"/>
+          </a:xfrm>
+        </p:spPr>
+        <p:txBody>
+          <a:bodyPr rtlCol="0">
+            <a:noAutofit/>
+          </a:bodyPr>
+          <a:lstStyle>
+            <a:defPPr>
+              <a:defRPr lang="tr-TR"/>
+            </a:defPPr>
+          </a:lstStyle>
+          <a:p>
+            <a:pPr algn="l" fontAlgn="base"/>
+            <a:r>
+              <a:rPr lang="tr-TR" sz="1100" b="1" i="0" dirty="0">
+                <a:solidFill>
+                  <a:schemeClr val="bg1"/>
+                </a:solidFill>
+                <a:effectLst/>
+                <a:latin typeface="Source Sans Pro" panose="020B0503030403020204" pitchFamily="34" charset="0"/>
+              </a:rPr>
+              <a:t>Bu örnekte motorsiklet, otomobil, scooter gibi ürünler söz konusudur. Tüm bu araçların istemci açısından kullanılabilir olması için üretim işleminde motorun(her ne kadar motorsiklette ve scooter’ da kapı olmasada Embarassed 0 veya null değeri kullanılabilir, kapıların, viteslerin vb parçalarında üretimi gerekmektedir. </a:t>
+            </a:r>
+            <a:r>
+              <a:rPr lang="tr-TR" sz="1100" b="0" i="0" dirty="0">
+                <a:solidFill>
+                  <a:schemeClr val="bg1"/>
+                </a:solidFill>
+                <a:effectLst/>
+                <a:latin typeface="Source Sans Pro" panose="020B0503030403020204" pitchFamily="34" charset="0"/>
+              </a:rPr>
+              <a:t>Aslında bu ortak fonksiyonellikler bu ürünlerin hepsi için geçerlidir. Yani bu araçların kendisi bir </a:t>
+            </a:r>
+            <a:r>
+              <a:rPr lang="tr-TR" sz="1100" b="1" i="0" dirty="0">
+                <a:solidFill>
+                  <a:schemeClr val="bg1"/>
+                </a:solidFill>
+                <a:effectLst/>
+                <a:latin typeface="Source Sans Pro" panose="020B0503030403020204" pitchFamily="34" charset="0"/>
+              </a:rPr>
+              <a:t>Product</a:t>
+            </a:r>
+            <a:r>
+              <a:rPr lang="tr-TR" sz="1100" b="0" i="0" dirty="0">
+                <a:solidFill>
+                  <a:schemeClr val="bg1"/>
+                </a:solidFill>
+                <a:effectLst/>
+                <a:latin typeface="Source Sans Pro" panose="020B0503030403020204" pitchFamily="34" charset="0"/>
+              </a:rPr>
+              <a:t> olarak temsil edilebilirler. İstemci, sadece kullanmak istediği ürünün farklı bir sunumunu elde etmek isteyecektir. Bu tip bir senaryoda istemcinin asıl ürüne ulaşmak için ele alması gereken üretim aşamalarından uzaklaştırılarak sadece üretmek istediği ürüne ait tipi bildirmesi yeterli olmalıdır. Bu senaryoda araç(Vehicle) aslında üründür(Product). Motorsiklet veya araba ise araç tipleridir ve üretim işlemleri sonucu ortaya bir Vehicle çıkartırlar. Yani desendeki </a:t>
+            </a:r>
+            <a:r>
+              <a:rPr lang="tr-TR" sz="1100" b="1" i="0" dirty="0">
+                <a:solidFill>
+                  <a:schemeClr val="bg1"/>
+                </a:solidFill>
+                <a:effectLst/>
+                <a:latin typeface="Source Sans Pro" panose="020B0503030403020204" pitchFamily="34" charset="0"/>
+              </a:rPr>
+              <a:t>ConcreteBuilder</a:t>
+            </a:r>
+            <a:r>
+              <a:rPr lang="tr-TR" sz="1100" b="0" i="0" dirty="0">
+                <a:solidFill>
+                  <a:schemeClr val="bg1"/>
+                </a:solidFill>
+                <a:effectLst/>
+                <a:latin typeface="Source Sans Pro" panose="020B0503030403020204" pitchFamily="34" charset="0"/>
+              </a:rPr>
+              <a:t> tipleridir. Bu senaryo pekala bir oyun programı içerisindeki araçların üretimi aşamasında göz önüne alınabilir.</a:t>
+            </a:r>
+          </a:p>
+        </p:txBody>
+      </p:sp>
+      <p:pic>
+        <p:nvPicPr>
+          <p:cNvPr id="10" name="Resim 9">
+            <a:extLst>
+              <a:ext uri="{FF2B5EF4-FFF2-40B4-BE49-F238E27FC236}">
+                <a16:creationId xmlns:a16="http://schemas.microsoft.com/office/drawing/2014/main" id="{19466969-B2B7-A6B2-FD4A-3F30E9509EC9}"/>
+              </a:ext>
+            </a:extLst>
+          </p:cNvPr>
+          <p:cNvPicPr>
+            <a:picLocks noChangeAspect="1"/>
+          </p:cNvPicPr>
+          <p:nvPr/>
+        </p:nvPicPr>
+        <p:blipFill>
+          <a:blip r:embed="rId3"/>
+          <a:stretch>
+            <a:fillRect/>
+          </a:stretch>
+        </p:blipFill>
+        <p:spPr>
+          <a:xfrm>
+            <a:off x="0" y="0"/>
+            <a:ext cx="3566469" cy="5296359"/>
+          </a:xfrm>
+          <a:prstGeom prst="rect">
+            <a:avLst/>
+          </a:prstGeom>
+        </p:spPr>
+      </p:pic>
+      <p:pic>
+        <p:nvPicPr>
+          <p:cNvPr id="14" name="Resim 13">
+            <a:extLst>
+              <a:ext uri="{FF2B5EF4-FFF2-40B4-BE49-F238E27FC236}">
+                <a16:creationId xmlns:a16="http://schemas.microsoft.com/office/drawing/2014/main" id="{8D4266AC-943F-F3F1-B044-1DA438ADACB3}"/>
+              </a:ext>
+            </a:extLst>
+          </p:cNvPr>
+          <p:cNvPicPr>
+            <a:picLocks noChangeAspect="1"/>
+          </p:cNvPicPr>
+          <p:nvPr/>
+        </p:nvPicPr>
+        <p:blipFill>
+          <a:blip r:embed="rId4"/>
+          <a:stretch>
+            <a:fillRect/>
+          </a:stretch>
+        </p:blipFill>
+        <p:spPr>
+          <a:xfrm>
+            <a:off x="3566469" y="16326"/>
+            <a:ext cx="4326732" cy="1943268"/>
+          </a:xfrm>
+          <a:prstGeom prst="rect">
+            <a:avLst/>
+          </a:prstGeom>
+        </p:spPr>
+      </p:pic>
+      <p:pic>
+        <p:nvPicPr>
+          <p:cNvPr id="16" name="Resim 15">
+            <a:extLst>
+              <a:ext uri="{FF2B5EF4-FFF2-40B4-BE49-F238E27FC236}">
+                <a16:creationId xmlns:a16="http://schemas.microsoft.com/office/drawing/2014/main" id="{EB49F196-542D-DCFE-2AE5-862E408E0161}"/>
+              </a:ext>
+            </a:extLst>
+          </p:cNvPr>
+          <p:cNvPicPr>
+            <a:picLocks noChangeAspect="1"/>
+          </p:cNvPicPr>
+          <p:nvPr/>
+        </p:nvPicPr>
+        <p:blipFill>
+          <a:blip r:embed="rId5"/>
+          <a:stretch>
+            <a:fillRect/>
+          </a:stretch>
+        </p:blipFill>
+        <p:spPr>
+          <a:xfrm>
+            <a:off x="3584398" y="1975920"/>
+            <a:ext cx="4308803" cy="4865754"/>
+          </a:xfrm>
+          <a:prstGeom prst="rect">
+            <a:avLst/>
+          </a:prstGeom>
+        </p:spPr>
+      </p:pic>
+    </p:spTree>
+    <p:extLst>
+      <p:ext uri="{BB962C8B-B14F-4D97-AF65-F5344CB8AC3E}">
+        <p14:creationId xmlns:p14="http://schemas.microsoft.com/office/powerpoint/2010/main" val="4023867701"/>
+      </p:ext>
+    </p:extLst>
+  </p:cSld>
+  <p:clrMapOvr>
+    <a:masterClrMapping/>
+  </p:clrMapOvr>
+</p:sld>
+</file>
+
+<file path=ppt/slides/slide41.xml><?xml version="1.0" encoding="utf-8"?>
+<p:sld xmlns:a="http://schemas.openxmlformats.org/drawingml/2006/main" xmlns:r="http://schemas.openxmlformats.org/officeDocument/2006/relationships" xmlns:p="http://schemas.openxmlformats.org/presentationml/2006/main">
+  <p:cSld>
+    <p:spTree>
+      <p:nvGrpSpPr>
+        <p:cNvPr id="1" name=""/>
+        <p:cNvGrpSpPr/>
+        <p:nvPr/>
+      </p:nvGrpSpPr>
+      <p:grpSpPr>
+        <a:xfrm>
+          <a:off x="0" y="0"/>
+          <a:ext cx="0" cy="0"/>
+          <a:chOff x="0" y="0"/>
+          <a:chExt cx="0" cy="0"/>
+        </a:xfrm>
+      </p:grpSpPr>
+      <p:sp>
+        <p:nvSpPr>
+          <p:cNvPr id="11" name="Başlık 1">
+            <a:extLst>
+              <a:ext uri="{FF2B5EF4-FFF2-40B4-BE49-F238E27FC236}">
+                <a16:creationId xmlns:a16="http://schemas.microsoft.com/office/drawing/2014/main" id="{35C2D8AE-2A51-43C9-93E8-4B377C69977E}"/>
+              </a:ext>
+            </a:extLst>
+          </p:cNvPr>
+          <p:cNvSpPr>
+            <a:spLocks noGrp="1"/>
+          </p:cNvSpPr>
+          <p:nvPr>
+            <p:ph type="title"/>
+          </p:nvPr>
+        </p:nvSpPr>
+        <p:spPr>
+          <a:xfrm>
+            <a:off x="8328323" y="527532"/>
+            <a:ext cx="3291840" cy="1152039"/>
+          </a:xfrm>
+        </p:spPr>
+        <p:txBody>
+          <a:bodyPr rtlCol="0"/>
+          <a:lstStyle>
+            <a:defPPr>
+              <a:defRPr lang="tr-TR"/>
+            </a:defPPr>
+          </a:lstStyle>
+          <a:p>
+            <a:pPr rtl="0"/>
+            <a:r>
+              <a:rPr lang="tr-TR" sz="3200" dirty="0"/>
+              <a:t>Builder Design Pattern</a:t>
+            </a:r>
+          </a:p>
+        </p:txBody>
+      </p:sp>
+      <p:pic>
+        <p:nvPicPr>
+          <p:cNvPr id="5" name="Resim 4">
+            <a:extLst>
+              <a:ext uri="{FF2B5EF4-FFF2-40B4-BE49-F238E27FC236}">
+                <a16:creationId xmlns:a16="http://schemas.microsoft.com/office/drawing/2014/main" id="{95D44636-92BC-C9ED-947C-32EEB686BB99}"/>
+              </a:ext>
+            </a:extLst>
+          </p:cNvPr>
+          <p:cNvPicPr>
+            <a:picLocks noChangeAspect="1"/>
+          </p:cNvPicPr>
+          <p:nvPr/>
+        </p:nvPicPr>
+        <p:blipFill>
+          <a:blip r:embed="rId3"/>
+          <a:stretch>
+            <a:fillRect/>
+          </a:stretch>
+        </p:blipFill>
+        <p:spPr>
+          <a:xfrm>
+            <a:off x="67252" y="125443"/>
+            <a:ext cx="4307524" cy="6607113"/>
+          </a:xfrm>
+          <a:prstGeom prst="rect">
+            <a:avLst/>
+          </a:prstGeom>
+        </p:spPr>
+      </p:pic>
+      <p:pic>
+        <p:nvPicPr>
+          <p:cNvPr id="7" name="Resim 6">
+            <a:extLst>
+              <a:ext uri="{FF2B5EF4-FFF2-40B4-BE49-F238E27FC236}">
+                <a16:creationId xmlns:a16="http://schemas.microsoft.com/office/drawing/2014/main" id="{1441C934-C956-D439-E697-BB3173027EF9}"/>
+              </a:ext>
+            </a:extLst>
+          </p:cNvPr>
+          <p:cNvPicPr>
+            <a:picLocks noChangeAspect="1"/>
+          </p:cNvPicPr>
+          <p:nvPr/>
+        </p:nvPicPr>
+        <p:blipFill>
+          <a:blip r:embed="rId4"/>
+          <a:stretch>
+            <a:fillRect/>
+          </a:stretch>
+        </p:blipFill>
+        <p:spPr>
+          <a:xfrm>
+            <a:off x="4466248" y="180595"/>
+            <a:ext cx="3628881" cy="6551961"/>
+          </a:xfrm>
+          <a:prstGeom prst="rect">
+            <a:avLst/>
+          </a:prstGeom>
+        </p:spPr>
+      </p:pic>
+    </p:spTree>
+    <p:extLst>
+      <p:ext uri="{BB962C8B-B14F-4D97-AF65-F5344CB8AC3E}">
+        <p14:creationId xmlns:p14="http://schemas.microsoft.com/office/powerpoint/2010/main" val="1568833027"/>
+      </p:ext>
+    </p:extLst>
+  </p:cSld>
+  <p:clrMapOvr>
+    <a:masterClrMapping/>
+  </p:clrMapOvr>
+</p:sld>
+</file>
+
+<file path=ppt/slides/slide42.xml><?xml version="1.0" encoding="utf-8"?>
+<p:sld xmlns:a="http://schemas.openxmlformats.org/drawingml/2006/main" xmlns:r="http://schemas.openxmlformats.org/officeDocument/2006/relationships" xmlns:p="http://schemas.openxmlformats.org/presentationml/2006/main">
+  <p:cSld>
+    <p:spTree>
+      <p:nvGrpSpPr>
+        <p:cNvPr id="1" name=""/>
+        <p:cNvGrpSpPr/>
+        <p:nvPr/>
+      </p:nvGrpSpPr>
+      <p:grpSpPr>
+        <a:xfrm>
+          <a:off x="0" y="0"/>
+          <a:ext cx="0" cy="0"/>
+          <a:chOff x="0" y="0"/>
+          <a:chExt cx="0" cy="0"/>
+        </a:xfrm>
+      </p:grpSpPr>
+      <p:sp>
+        <p:nvSpPr>
+          <p:cNvPr id="5" name="Başlık 4">
+            <a:extLst>
+              <a:ext uri="{FF2B5EF4-FFF2-40B4-BE49-F238E27FC236}">
+                <a16:creationId xmlns:a16="http://schemas.microsoft.com/office/drawing/2014/main" id="{7BF7C1AD-35AD-2CEB-9405-03EE4AC56DBC}"/>
+              </a:ext>
+            </a:extLst>
+          </p:cNvPr>
+          <p:cNvSpPr>
+            <a:spLocks noGrp="1"/>
+          </p:cNvSpPr>
+          <p:nvPr>
+            <p:ph type="title"/>
+          </p:nvPr>
+        </p:nvSpPr>
+        <p:spPr/>
+        <p:txBody>
+          <a:bodyPr/>
+          <a:lstStyle/>
+          <a:p>
+            <a:pPr algn="l"/>
+            <a:r>
+              <a:rPr lang="tr-TR" sz="7200" b="0" i="0" dirty="0">
+                <a:solidFill>
+                  <a:schemeClr val="tx1"/>
+                </a:solidFill>
+                <a:effectLst/>
+                <a:latin typeface="sohne"/>
+              </a:rPr>
+              <a:t>Structural Pattern</a:t>
+            </a:r>
+          </a:p>
+        </p:txBody>
+      </p:sp>
+      <p:sp>
+        <p:nvSpPr>
+          <p:cNvPr id="6" name="Metin Yer Tutucusu 5">
+            <a:extLst>
+              <a:ext uri="{FF2B5EF4-FFF2-40B4-BE49-F238E27FC236}">
+                <a16:creationId xmlns:a16="http://schemas.microsoft.com/office/drawing/2014/main" id="{A2BB9AE3-9692-F20F-FD57-D813700B4488}"/>
+              </a:ext>
+            </a:extLst>
+          </p:cNvPr>
+          <p:cNvSpPr>
+            <a:spLocks noGrp="1"/>
+          </p:cNvSpPr>
+          <p:nvPr>
+            <p:ph type="body" idx="1"/>
+          </p:nvPr>
+        </p:nvSpPr>
+        <p:spPr/>
+        <p:txBody>
+          <a:bodyPr/>
+          <a:lstStyle/>
+          <a:p>
+            <a:r>
+              <a:rPr lang="tr-TR" dirty="0"/>
+              <a:t>YAPISAL TASARIM DÜZENİ</a:t>
+            </a:r>
+          </a:p>
+        </p:txBody>
+      </p:sp>
+    </p:spTree>
+    <p:extLst>
+      <p:ext uri="{BB962C8B-B14F-4D97-AF65-F5344CB8AC3E}">
+        <p14:creationId xmlns:p14="http://schemas.microsoft.com/office/powerpoint/2010/main" val="2828287370"/>
+      </p:ext>
+    </p:extLst>
+  </p:cSld>
+  <p:clrMapOvr>
+    <a:masterClrMapping/>
+  </p:clrMapOvr>
+</p:sld>
+</file>
+
+<file path=ppt/slides/slide43.xml><?xml version="1.0" encoding="utf-8"?>
+<p:sld xmlns:a="http://schemas.openxmlformats.org/drawingml/2006/main" xmlns:r="http://schemas.openxmlformats.org/officeDocument/2006/relationships" xmlns:p="http://schemas.openxmlformats.org/presentationml/2006/main">
+  <p:cSld>
+    <p:spTree>
+      <p:nvGrpSpPr>
+        <p:cNvPr id="1" name=""/>
+        <p:cNvGrpSpPr/>
+        <p:nvPr/>
+      </p:nvGrpSpPr>
+      <p:grpSpPr>
+        <a:xfrm>
+          <a:off x="0" y="0"/>
+          <a:ext cx="0" cy="0"/>
+          <a:chOff x="0" y="0"/>
+          <a:chExt cx="0" cy="0"/>
+        </a:xfrm>
+      </p:grpSpPr>
+      <p:sp>
+        <p:nvSpPr>
+          <p:cNvPr id="11" name="Başlık 1">
+            <a:extLst>
+              <a:ext uri="{FF2B5EF4-FFF2-40B4-BE49-F238E27FC236}">
+                <a16:creationId xmlns:a16="http://schemas.microsoft.com/office/drawing/2014/main" id="{35C2D8AE-2A51-43C9-93E8-4B377C69977E}"/>
+              </a:ext>
+            </a:extLst>
+          </p:cNvPr>
+          <p:cNvSpPr>
+            <a:spLocks noGrp="1"/>
+          </p:cNvSpPr>
+          <p:nvPr>
+            <p:ph type="title"/>
+          </p:nvPr>
+        </p:nvSpPr>
+        <p:spPr>
+          <a:xfrm>
+            <a:off x="8328323" y="527532"/>
+            <a:ext cx="3291840" cy="1152039"/>
+          </a:xfrm>
+        </p:spPr>
+        <p:txBody>
+          <a:bodyPr rtlCol="0"/>
+          <a:lstStyle>
+            <a:defPPr>
+              <a:defRPr lang="tr-TR"/>
+            </a:defPPr>
+          </a:lstStyle>
+          <a:p>
+            <a:pPr rtl="0"/>
+            <a:r>
+              <a:rPr lang="tr-TR" sz="3200" dirty="0"/>
+              <a:t>Facede Design Pattern</a:t>
+            </a:r>
+          </a:p>
+        </p:txBody>
+      </p:sp>
+      <p:sp>
+        <p:nvSpPr>
+          <p:cNvPr id="13" name="Metin Yer Tutucusu 3">
+            <a:extLst>
+              <a:ext uri="{FF2B5EF4-FFF2-40B4-BE49-F238E27FC236}">
+                <a16:creationId xmlns:a16="http://schemas.microsoft.com/office/drawing/2014/main" id="{5A1B00F9-CC1D-4C2D-B987-607685F3DEB9}"/>
+              </a:ext>
+            </a:extLst>
+          </p:cNvPr>
+          <p:cNvSpPr>
+            <a:spLocks noGrp="1"/>
+          </p:cNvSpPr>
+          <p:nvPr>
+            <p:ph type="body" sz="half" idx="2"/>
+          </p:nvPr>
+        </p:nvSpPr>
+        <p:spPr>
+          <a:xfrm>
+            <a:off x="8393261" y="1791338"/>
+            <a:ext cx="3161963" cy="4367415"/>
+          </a:xfrm>
+        </p:spPr>
+        <p:txBody>
+          <a:bodyPr rtlCol="0">
+            <a:noAutofit/>
+          </a:bodyPr>
+          <a:lstStyle>
+            <a:defPPr>
+              <a:defRPr lang="tr-TR"/>
+            </a:defPPr>
+          </a:lstStyle>
+          <a:p>
+            <a:pPr algn="l" fontAlgn="base"/>
+            <a:r>
+              <a:rPr lang="tr-TR" sz="1100" b="0" i="0" dirty="0">
+                <a:solidFill>
+                  <a:schemeClr val="bg1"/>
+                </a:solidFill>
+                <a:effectLst/>
+                <a:latin typeface="Source Sans Pro" panose="020B0503030403020204" pitchFamily="34" charset="0"/>
+              </a:rPr>
+              <a:t>Bir alt sistemin parçalarını oluşturan classları istemciden soyutlayarak kullanımı daha da kolaylaştırmak için tasarlanmış tasarım kalıbıdır. Mimarisel açıdan ise, karmaşık ve detaylı bir sistemi organize eden ve bir bütün olarak clientlara(istemcilere) sunan yapıdır. Anlayacağınız, karmaşık ve detaylı olarak nitelendirdiğimiz bu sistemi bir alt sistem olarak varsayarsak eğer bu sistemi kullanacak clientlara daha basit bir arayüz sağlamak ve alt sistemleri bu arayüze organize bir şekilde dahil etmek ve bu alt sistemlerin sağlıklı çalışabilmesi için bu arayüz çatısı altında işin algoritmasına uygun işlev sergilemek istersek Facade Design Pattern’i kullanmaktayız. </a:t>
+            </a:r>
+            <a:r>
+              <a:rPr lang="tr-TR" sz="1100" b="0" i="0" dirty="0">
+                <a:solidFill>
+                  <a:srgbClr val="333333"/>
+                </a:solidFill>
+                <a:effectLst/>
+                <a:latin typeface="Source Sans Pro" panose="020B0503030403020204" pitchFamily="34" charset="0"/>
+              </a:rPr>
+              <a:t> </a:t>
+            </a:r>
+            <a:r>
+              <a:rPr lang="tr-TR" sz="1100" b="0" i="0" dirty="0">
+                <a:solidFill>
+                  <a:schemeClr val="bg1"/>
+                </a:solidFill>
+                <a:effectLst/>
+                <a:latin typeface="Source Sans Pro" panose="020B0503030403020204" pitchFamily="34" charset="0"/>
+              </a:rPr>
+              <a:t>Burada bilmeniz gereken durum, alt sistem içerisinde bulunan sınıfların birbirlerinden bağımsız olmasıdır. Ayriyeten Facade sınıfından da bağımsız bir şekilde çalışabilmektedirler.</a:t>
+            </a:r>
+            <a:br>
+              <a:rPr lang="tr-TR" sz="1100" dirty="0">
+                <a:solidFill>
+                  <a:schemeClr val="bg1"/>
+                </a:solidFill>
+              </a:rPr>
+            </a:br>
+            <a:r>
+              <a:rPr lang="tr-TR" sz="1100" b="0" i="0" dirty="0">
+                <a:solidFill>
+                  <a:schemeClr val="bg1"/>
+                </a:solidFill>
+                <a:effectLst/>
+                <a:latin typeface="Source Sans Pro" panose="020B0503030403020204" pitchFamily="34" charset="0"/>
+              </a:rPr>
+              <a:t>Facade bizim classlarımızı içermek zorundadır ve operasyonu yaparken onlara ait fonksiyonellikleri kullanması gerekli.</a:t>
+            </a:r>
+          </a:p>
+        </p:txBody>
+      </p:sp>
+      <p:pic>
+        <p:nvPicPr>
+          <p:cNvPr id="5" name="Resim 4">
+            <a:extLst>
+              <a:ext uri="{FF2B5EF4-FFF2-40B4-BE49-F238E27FC236}">
+                <a16:creationId xmlns:a16="http://schemas.microsoft.com/office/drawing/2014/main" id="{3A1BFABA-D9D0-F993-69D0-C335F6C6479B}"/>
+              </a:ext>
+            </a:extLst>
+          </p:cNvPr>
+          <p:cNvPicPr>
+            <a:picLocks noChangeAspect="1"/>
+          </p:cNvPicPr>
+          <p:nvPr/>
+        </p:nvPicPr>
+        <p:blipFill>
+          <a:blip r:embed="rId3"/>
+          <a:stretch>
+            <a:fillRect/>
+          </a:stretch>
+        </p:blipFill>
+        <p:spPr>
+          <a:xfrm>
+            <a:off x="1" y="1191005"/>
+            <a:ext cx="7978588" cy="4153260"/>
+          </a:xfrm>
+          <a:prstGeom prst="rect">
+            <a:avLst/>
+          </a:prstGeom>
+        </p:spPr>
+      </p:pic>
+    </p:spTree>
+    <p:extLst>
+      <p:ext uri="{BB962C8B-B14F-4D97-AF65-F5344CB8AC3E}">
+        <p14:creationId xmlns:p14="http://schemas.microsoft.com/office/powerpoint/2010/main" val="3614394394"/>
+      </p:ext>
+    </p:extLst>
+  </p:cSld>
+  <p:clrMapOvr>
+    <a:masterClrMapping/>
+  </p:clrMapOvr>
+</p:sld>
+</file>
+
+<file path=ppt/slides/slide44.xml><?xml version="1.0" encoding="utf-8"?>
+<p:sld xmlns:a="http://schemas.openxmlformats.org/drawingml/2006/main" xmlns:r="http://schemas.openxmlformats.org/officeDocument/2006/relationships" xmlns:p="http://schemas.openxmlformats.org/presentationml/2006/main">
+  <p:cSld>
+    <p:spTree>
+      <p:nvGrpSpPr>
+        <p:cNvPr id="1" name=""/>
+        <p:cNvGrpSpPr/>
+        <p:nvPr/>
+      </p:nvGrpSpPr>
+      <p:grpSpPr>
+        <a:xfrm>
+          <a:off x="0" y="0"/>
+          <a:ext cx="0" cy="0"/>
+          <a:chOff x="0" y="0"/>
+          <a:chExt cx="0" cy="0"/>
+        </a:xfrm>
+      </p:grpSpPr>
+      <p:sp>
+        <p:nvSpPr>
+          <p:cNvPr id="11" name="Başlık 1">
+            <a:extLst>
+              <a:ext uri="{FF2B5EF4-FFF2-40B4-BE49-F238E27FC236}">
+                <a16:creationId xmlns:a16="http://schemas.microsoft.com/office/drawing/2014/main" id="{35C2D8AE-2A51-43C9-93E8-4B377C69977E}"/>
+              </a:ext>
+            </a:extLst>
+          </p:cNvPr>
+          <p:cNvSpPr>
+            <a:spLocks noGrp="1"/>
+          </p:cNvSpPr>
+          <p:nvPr>
+            <p:ph type="title"/>
+          </p:nvPr>
+        </p:nvSpPr>
+        <p:spPr>
+          <a:xfrm>
+            <a:off x="8328323" y="527532"/>
+            <a:ext cx="3291840" cy="1152039"/>
+          </a:xfrm>
+        </p:spPr>
+        <p:txBody>
+          <a:bodyPr rtlCol="0"/>
+          <a:lstStyle>
+            <a:defPPr>
+              <a:defRPr lang="tr-TR"/>
+            </a:defPPr>
+          </a:lstStyle>
+          <a:p>
+            <a:pPr rtl="0"/>
+            <a:r>
+              <a:rPr lang="tr-TR" sz="3200" dirty="0"/>
+              <a:t>Facede Design Pattern</a:t>
+            </a:r>
+          </a:p>
+        </p:txBody>
+      </p:sp>
+      <p:sp>
+        <p:nvSpPr>
+          <p:cNvPr id="13" name="Metin Yer Tutucusu 3">
+            <a:extLst>
+              <a:ext uri="{FF2B5EF4-FFF2-40B4-BE49-F238E27FC236}">
+                <a16:creationId xmlns:a16="http://schemas.microsoft.com/office/drawing/2014/main" id="{5A1B00F9-CC1D-4C2D-B987-607685F3DEB9}"/>
+              </a:ext>
+            </a:extLst>
+          </p:cNvPr>
+          <p:cNvSpPr>
+            <a:spLocks noGrp="1"/>
+          </p:cNvSpPr>
+          <p:nvPr>
+            <p:ph type="body" sz="half" idx="2"/>
+          </p:nvPr>
+        </p:nvSpPr>
+        <p:spPr>
+          <a:xfrm>
+            <a:off x="8393261" y="1791338"/>
+            <a:ext cx="3161963" cy="4367415"/>
+          </a:xfrm>
+        </p:spPr>
+        <p:txBody>
+          <a:bodyPr rtlCol="0">
+            <a:noAutofit/>
+          </a:bodyPr>
+          <a:lstStyle>
+            <a:defPPr>
+              <a:defRPr lang="tr-TR"/>
+            </a:defPPr>
+          </a:lstStyle>
+          <a:p>
+            <a:pPr algn="l" fontAlgn="base"/>
+            <a:r>
+              <a:rPr lang="tr-TR" sz="1100" b="0" i="0" dirty="0">
+                <a:solidFill>
+                  <a:schemeClr val="bg1"/>
+                </a:solidFill>
+                <a:effectLst/>
+                <a:latin typeface="Source Sans Pro" panose="020B0503030403020204" pitchFamily="34" charset="0"/>
+              </a:rPr>
+              <a:t>Yandaki Banka, Kredi ve Merkez banka classları birlikte müşteri bilgisine farklı açılardan bakarak sonuç olarak müşterinin kredi kullanıp kullanamayacağına karar veren bir sistemdir.</a:t>
+            </a:r>
+          </a:p>
+          <a:p>
+            <a:pPr algn="l" fontAlgn="base"/>
+            <a:endParaRPr lang="tr-TR" sz="1100" b="0" i="0" dirty="0">
+              <a:solidFill>
+                <a:schemeClr val="bg1"/>
+              </a:solidFill>
+              <a:effectLst/>
+              <a:latin typeface="Source Sans Pro" panose="020B0503030403020204" pitchFamily="34" charset="0"/>
+            </a:endParaRPr>
+          </a:p>
+          <a:p>
+            <a:pPr algn="l" fontAlgn="base"/>
+            <a:r>
+              <a:rPr lang="tr-TR" sz="1100" b="0" i="0" dirty="0">
+                <a:solidFill>
+                  <a:schemeClr val="bg1"/>
+                </a:solidFill>
+                <a:effectLst/>
+                <a:latin typeface="Source Sans Pro" panose="020B0503030403020204" pitchFamily="34" charset="0"/>
+              </a:rPr>
+              <a:t>Yandaki senaryo facade tasarım kalıbını görmek için yazılmış basit bir senaryodur gerçek senaryolarda facadenin kullandığı sistem classları çoğunlukla librarylerden gelmektedir.</a:t>
+            </a:r>
+          </a:p>
+        </p:txBody>
+      </p:sp>
+      <p:pic>
+        <p:nvPicPr>
+          <p:cNvPr id="3" name="Resim 2">
+            <a:extLst>
+              <a:ext uri="{FF2B5EF4-FFF2-40B4-BE49-F238E27FC236}">
+                <a16:creationId xmlns:a16="http://schemas.microsoft.com/office/drawing/2014/main" id="{E3169C22-4DB3-216E-2356-5EE53E298260}"/>
+              </a:ext>
+            </a:extLst>
+          </p:cNvPr>
+          <p:cNvPicPr>
+            <a:picLocks noChangeAspect="1"/>
+          </p:cNvPicPr>
+          <p:nvPr/>
+        </p:nvPicPr>
+        <p:blipFill>
+          <a:blip r:embed="rId3"/>
+          <a:stretch>
+            <a:fillRect/>
+          </a:stretch>
+        </p:blipFill>
+        <p:spPr>
+          <a:xfrm>
+            <a:off x="0" y="0"/>
+            <a:ext cx="4823878" cy="1394581"/>
+          </a:xfrm>
+          <a:prstGeom prst="rect">
+            <a:avLst/>
+          </a:prstGeom>
+        </p:spPr>
+      </p:pic>
+      <p:pic>
+        <p:nvPicPr>
+          <p:cNvPr id="6" name="Resim 5">
+            <a:extLst>
+              <a:ext uri="{FF2B5EF4-FFF2-40B4-BE49-F238E27FC236}">
+                <a16:creationId xmlns:a16="http://schemas.microsoft.com/office/drawing/2014/main" id="{02ED0AA1-DF01-E24D-0898-E0D604B21C41}"/>
+              </a:ext>
+            </a:extLst>
+          </p:cNvPr>
+          <p:cNvPicPr>
+            <a:picLocks noChangeAspect="1"/>
+          </p:cNvPicPr>
+          <p:nvPr/>
+        </p:nvPicPr>
+        <p:blipFill>
+          <a:blip r:embed="rId4"/>
+          <a:stretch>
+            <a:fillRect/>
+          </a:stretch>
+        </p:blipFill>
+        <p:spPr>
+          <a:xfrm>
+            <a:off x="4823879" y="0"/>
+            <a:ext cx="3291840" cy="1394581"/>
+          </a:xfrm>
+          <a:prstGeom prst="rect">
+            <a:avLst/>
+          </a:prstGeom>
+        </p:spPr>
+      </p:pic>
+      <p:pic>
+        <p:nvPicPr>
+          <p:cNvPr id="8" name="Resim 7">
+            <a:extLst>
+              <a:ext uri="{FF2B5EF4-FFF2-40B4-BE49-F238E27FC236}">
+                <a16:creationId xmlns:a16="http://schemas.microsoft.com/office/drawing/2014/main" id="{C63C214C-C031-1760-20B0-07C5C3384AF9}"/>
+              </a:ext>
+            </a:extLst>
+          </p:cNvPr>
+          <p:cNvPicPr>
+            <a:picLocks noChangeAspect="1"/>
+          </p:cNvPicPr>
+          <p:nvPr/>
+        </p:nvPicPr>
+        <p:blipFill>
+          <a:blip r:embed="rId5"/>
+          <a:stretch>
+            <a:fillRect/>
+          </a:stretch>
+        </p:blipFill>
+        <p:spPr>
+          <a:xfrm>
+            <a:off x="0" y="1471358"/>
+            <a:ext cx="8115719" cy="5386642"/>
+          </a:xfrm>
+          <a:prstGeom prst="rect">
+            <a:avLst/>
+          </a:prstGeom>
+        </p:spPr>
+      </p:pic>
+      <p:pic>
+        <p:nvPicPr>
+          <p:cNvPr id="10" name="Resim 9">
+            <a:extLst>
+              <a:ext uri="{FF2B5EF4-FFF2-40B4-BE49-F238E27FC236}">
+                <a16:creationId xmlns:a16="http://schemas.microsoft.com/office/drawing/2014/main" id="{558DFD66-F229-C67B-73BC-F98E46CF0744}"/>
+              </a:ext>
+            </a:extLst>
+          </p:cNvPr>
+          <p:cNvPicPr>
+            <a:picLocks noChangeAspect="1"/>
+          </p:cNvPicPr>
+          <p:nvPr/>
+        </p:nvPicPr>
+        <p:blipFill>
+          <a:blip r:embed="rId6"/>
+          <a:stretch>
+            <a:fillRect/>
+          </a:stretch>
+        </p:blipFill>
+        <p:spPr>
+          <a:xfrm>
+            <a:off x="8328323" y="4085797"/>
+            <a:ext cx="3453837" cy="1651615"/>
+          </a:xfrm>
+          <a:prstGeom prst="rect">
+            <a:avLst/>
+          </a:prstGeom>
+        </p:spPr>
+      </p:pic>
+    </p:spTree>
+    <p:extLst>
+      <p:ext uri="{BB962C8B-B14F-4D97-AF65-F5344CB8AC3E}">
+        <p14:creationId xmlns:p14="http://schemas.microsoft.com/office/powerpoint/2010/main" val="3392121289"/>
+      </p:ext>
+    </p:extLst>
+  </p:cSld>
+  <p:clrMapOvr>
+    <a:masterClrMapping/>
+  </p:clrMapOvr>
+</p:sld>
+</file>
+
+<file path=ppt/slides/slide45.xml><?xml version="1.0" encoding="utf-8"?>
+<p:sld xmlns:a="http://schemas.openxmlformats.org/drawingml/2006/main" xmlns:r="http://schemas.openxmlformats.org/officeDocument/2006/relationships" xmlns:p="http://schemas.openxmlformats.org/presentationml/2006/main">
+  <p:cSld>
+    <p:spTree>
+      <p:nvGrpSpPr>
+        <p:cNvPr id="1" name=""/>
+        <p:cNvGrpSpPr/>
+        <p:nvPr/>
+      </p:nvGrpSpPr>
+      <p:grpSpPr>
+        <a:xfrm>
+          <a:off x="0" y="0"/>
+          <a:ext cx="0" cy="0"/>
+          <a:chOff x="0" y="0"/>
+          <a:chExt cx="0" cy="0"/>
+        </a:xfrm>
+      </p:grpSpPr>
+      <p:sp>
+        <p:nvSpPr>
+          <p:cNvPr id="11" name="Başlık 1">
+            <a:extLst>
+              <a:ext uri="{FF2B5EF4-FFF2-40B4-BE49-F238E27FC236}">
+                <a16:creationId xmlns:a16="http://schemas.microsoft.com/office/drawing/2014/main" id="{35C2D8AE-2A51-43C9-93E8-4B377C69977E}"/>
+              </a:ext>
+            </a:extLst>
+          </p:cNvPr>
+          <p:cNvSpPr>
+            <a:spLocks noGrp="1"/>
+          </p:cNvSpPr>
+          <p:nvPr>
+            <p:ph type="title"/>
+          </p:nvPr>
+        </p:nvSpPr>
+        <p:spPr>
+          <a:xfrm>
+            <a:off x="8328323" y="527532"/>
+            <a:ext cx="3291840" cy="1152039"/>
+          </a:xfrm>
+        </p:spPr>
+        <p:txBody>
+          <a:bodyPr rtlCol="0"/>
+          <a:lstStyle>
+            <a:defPPr>
+              <a:defRPr lang="tr-TR"/>
+            </a:defPPr>
+          </a:lstStyle>
+          <a:p>
+            <a:pPr rtl="0"/>
+            <a:r>
+              <a:rPr lang="tr-TR" sz="3200" dirty="0"/>
+              <a:t>Adapter Design Pattern</a:t>
+            </a:r>
+          </a:p>
+        </p:txBody>
+      </p:sp>
+      <p:sp>
+        <p:nvSpPr>
+          <p:cNvPr id="13" name="Metin Yer Tutucusu 3">
+            <a:extLst>
+              <a:ext uri="{FF2B5EF4-FFF2-40B4-BE49-F238E27FC236}">
+                <a16:creationId xmlns:a16="http://schemas.microsoft.com/office/drawing/2014/main" id="{5A1B00F9-CC1D-4C2D-B987-607685F3DEB9}"/>
+              </a:ext>
+            </a:extLst>
+          </p:cNvPr>
+          <p:cNvSpPr>
+            <a:spLocks noGrp="1"/>
+          </p:cNvSpPr>
+          <p:nvPr>
+            <p:ph type="body" sz="half" idx="2"/>
+          </p:nvPr>
+        </p:nvSpPr>
+        <p:spPr>
+          <a:xfrm>
+            <a:off x="8393261" y="1791338"/>
+            <a:ext cx="3161963" cy="4367415"/>
+          </a:xfrm>
+        </p:spPr>
+        <p:txBody>
+          <a:bodyPr rtlCol="0">
+            <a:noAutofit/>
+          </a:bodyPr>
+          <a:lstStyle>
+            <a:defPPr>
+              <a:defRPr lang="tr-TR"/>
+            </a:defPPr>
+          </a:lstStyle>
+          <a:p>
+            <a:pPr algn="l" fontAlgn="base"/>
+            <a:r>
+              <a:rPr lang="tr-TR" sz="1100" b="0" i="0" dirty="0">
+                <a:solidFill>
+                  <a:schemeClr val="bg1"/>
+                </a:solidFill>
+                <a:effectLst/>
+                <a:latin typeface="Source Sans Pro" panose="020B0503030403020204" pitchFamily="34" charset="0"/>
+              </a:rPr>
+              <a:t>Adapter tasarım kalıbı bir sistem parçasının, var olan başka bir sisteme adapte edilmesini ve o sistem içerisinde kullanılabilmesini sağlayan bir kalıptır. Aşağıda bununla ilgili yaptığımız örnekte IError interfacesinden türeyen DbError ve ServiceError classlarından oluşan bir class grubu yani sistem ve bu sisteme dahil olması geren Fax classı ve bunu gerçekleştiren FaxAdapter classı söz konusudur. Yazdığımız adapter class Fax class’ının IError sistem grubuna entegre olmasını sağlamaktadır.</a:t>
+            </a:r>
+          </a:p>
+        </p:txBody>
+      </p:sp>
+      <p:pic>
+        <p:nvPicPr>
+          <p:cNvPr id="3" name="Resim 2">
+            <a:extLst>
+              <a:ext uri="{FF2B5EF4-FFF2-40B4-BE49-F238E27FC236}">
+                <a16:creationId xmlns:a16="http://schemas.microsoft.com/office/drawing/2014/main" id="{FD24F3C7-BF98-C151-7A28-2DCAFD562154}"/>
+              </a:ext>
+            </a:extLst>
+          </p:cNvPr>
+          <p:cNvPicPr>
+            <a:picLocks noChangeAspect="1"/>
+          </p:cNvPicPr>
+          <p:nvPr/>
+        </p:nvPicPr>
+        <p:blipFill>
+          <a:blip r:embed="rId3"/>
+          <a:stretch>
+            <a:fillRect/>
+          </a:stretch>
+        </p:blipFill>
+        <p:spPr>
+          <a:xfrm>
+            <a:off x="348512" y="672537"/>
+            <a:ext cx="7289418" cy="4606196"/>
+          </a:xfrm>
+          <a:prstGeom prst="rect">
+            <a:avLst/>
+          </a:prstGeom>
+        </p:spPr>
+      </p:pic>
+    </p:spTree>
+    <p:extLst>
+      <p:ext uri="{BB962C8B-B14F-4D97-AF65-F5344CB8AC3E}">
+        <p14:creationId xmlns:p14="http://schemas.microsoft.com/office/powerpoint/2010/main" val="64789962"/>
+      </p:ext>
+    </p:extLst>
+  </p:cSld>
+  <p:clrMapOvr>
+    <a:masterClrMapping/>
+  </p:clrMapOvr>
+</p:sld>
+</file>
+
+<file path=ppt/slides/slide46.xml><?xml version="1.0" encoding="utf-8"?>
+<p:sld xmlns:a="http://schemas.openxmlformats.org/drawingml/2006/main" xmlns:r="http://schemas.openxmlformats.org/officeDocument/2006/relationships" xmlns:p="http://schemas.openxmlformats.org/presentationml/2006/main">
+  <p:cSld>
+    <p:spTree>
+      <p:nvGrpSpPr>
+        <p:cNvPr id="1" name=""/>
+        <p:cNvGrpSpPr/>
+        <p:nvPr/>
+      </p:nvGrpSpPr>
+      <p:grpSpPr>
+        <a:xfrm>
+          <a:off x="0" y="0"/>
+          <a:ext cx="0" cy="0"/>
+          <a:chOff x="0" y="0"/>
+          <a:chExt cx="0" cy="0"/>
+        </a:xfrm>
+      </p:grpSpPr>
+      <p:sp>
+        <p:nvSpPr>
+          <p:cNvPr id="11" name="Başlık 1">
+            <a:extLst>
+              <a:ext uri="{FF2B5EF4-FFF2-40B4-BE49-F238E27FC236}">
+                <a16:creationId xmlns:a16="http://schemas.microsoft.com/office/drawing/2014/main" id="{35C2D8AE-2A51-43C9-93E8-4B377C69977E}"/>
+              </a:ext>
+            </a:extLst>
+          </p:cNvPr>
+          <p:cNvSpPr>
+            <a:spLocks noGrp="1"/>
+          </p:cNvSpPr>
+          <p:nvPr>
+            <p:ph type="title"/>
+          </p:nvPr>
+        </p:nvSpPr>
+        <p:spPr>
+          <a:xfrm>
+            <a:off x="8328323" y="527532"/>
+            <a:ext cx="3291840" cy="1152039"/>
+          </a:xfrm>
+        </p:spPr>
+        <p:txBody>
+          <a:bodyPr rtlCol="0"/>
+          <a:lstStyle>
+            <a:defPPr>
+              <a:defRPr lang="tr-TR"/>
+            </a:defPPr>
+          </a:lstStyle>
+          <a:p>
+            <a:pPr rtl="0"/>
+            <a:r>
+              <a:rPr lang="tr-TR" sz="3200" dirty="0"/>
+              <a:t>Adapter Design Pattern</a:t>
+            </a:r>
+          </a:p>
+        </p:txBody>
+      </p:sp>
+      <p:sp>
+        <p:nvSpPr>
+          <p:cNvPr id="13" name="Metin Yer Tutucusu 3">
+            <a:extLst>
+              <a:ext uri="{FF2B5EF4-FFF2-40B4-BE49-F238E27FC236}">
+                <a16:creationId xmlns:a16="http://schemas.microsoft.com/office/drawing/2014/main" id="{5A1B00F9-CC1D-4C2D-B987-607685F3DEB9}"/>
+              </a:ext>
+            </a:extLst>
+          </p:cNvPr>
+          <p:cNvSpPr>
+            <a:spLocks noGrp="1"/>
+          </p:cNvSpPr>
+          <p:nvPr>
+            <p:ph type="body" sz="half" idx="2"/>
+          </p:nvPr>
+        </p:nvSpPr>
+        <p:spPr>
+          <a:xfrm>
+            <a:off x="8393261" y="1791338"/>
+            <a:ext cx="3161963" cy="4367415"/>
+          </a:xfrm>
+        </p:spPr>
+        <p:txBody>
+          <a:bodyPr rtlCol="0">
+            <a:noAutofit/>
+          </a:bodyPr>
+          <a:lstStyle>
+            <a:defPPr>
+              <a:defRPr lang="tr-TR"/>
+            </a:defPPr>
+          </a:lstStyle>
+          <a:p>
+            <a:pPr algn="l" fontAlgn="base"/>
+            <a:r>
+              <a:rPr lang="tr-TR" sz="1100" b="0" i="0" dirty="0">
+                <a:solidFill>
+                  <a:schemeClr val="bg1"/>
+                </a:solidFill>
+                <a:effectLst/>
+                <a:latin typeface="Source Sans Pro" panose="020B0503030403020204" pitchFamily="34" charset="0"/>
+              </a:rPr>
+              <a:t>Adapter tasarım kalıbı bir sistem parçasının, var olan başka bir sisteme adapte edilmesini ve o sistem içerisinde kullanılabilmesini sağlayan bir kalıptır. Aşağıda bununla ilgili yaptığımız örnekte IError interfacesinden türeyen DbError ve ServiceError classlarından oluşan bir class grubu yani sistem ve bu sisteme dahil olması geren Fax classı ve bunu gerçekleştiren FaxAdapter classı söz konusudur. Yazdığımız adapter class Fax class’ının IError sistem grubuna entegre olmasını sağlamaktadır.</a:t>
+            </a:r>
+          </a:p>
+        </p:txBody>
+      </p:sp>
+      <p:pic>
+        <p:nvPicPr>
+          <p:cNvPr id="4" name="Resim 3">
+            <a:extLst>
+              <a:ext uri="{FF2B5EF4-FFF2-40B4-BE49-F238E27FC236}">
+                <a16:creationId xmlns:a16="http://schemas.microsoft.com/office/drawing/2014/main" id="{E932165C-791E-0584-83B4-0598CC5AB390}"/>
+              </a:ext>
+            </a:extLst>
+          </p:cNvPr>
+          <p:cNvPicPr>
+            <a:picLocks noChangeAspect="1"/>
+          </p:cNvPicPr>
+          <p:nvPr/>
+        </p:nvPicPr>
+        <p:blipFill>
+          <a:blip r:embed="rId3"/>
+          <a:stretch>
+            <a:fillRect/>
+          </a:stretch>
+        </p:blipFill>
+        <p:spPr>
+          <a:xfrm>
+            <a:off x="232433" y="238594"/>
+            <a:ext cx="7262489" cy="2095682"/>
+          </a:xfrm>
+          <a:prstGeom prst="rect">
+            <a:avLst/>
+          </a:prstGeom>
+        </p:spPr>
+      </p:pic>
+      <p:pic>
+        <p:nvPicPr>
+          <p:cNvPr id="6" name="Resim 5">
+            <a:extLst>
+              <a:ext uri="{FF2B5EF4-FFF2-40B4-BE49-F238E27FC236}">
+                <a16:creationId xmlns:a16="http://schemas.microsoft.com/office/drawing/2014/main" id="{F281816F-820C-FF17-9529-229453581350}"/>
+              </a:ext>
+            </a:extLst>
+          </p:cNvPr>
+          <p:cNvPicPr>
+            <a:picLocks noChangeAspect="1"/>
+          </p:cNvPicPr>
+          <p:nvPr/>
+        </p:nvPicPr>
+        <p:blipFill>
+          <a:blip r:embed="rId4"/>
+          <a:stretch>
+            <a:fillRect/>
+          </a:stretch>
+        </p:blipFill>
+        <p:spPr>
+          <a:xfrm>
+            <a:off x="332392" y="2269504"/>
+            <a:ext cx="7162530" cy="4588496"/>
+          </a:xfrm>
+          <a:prstGeom prst="rect">
+            <a:avLst/>
+          </a:prstGeom>
+        </p:spPr>
+      </p:pic>
+    </p:spTree>
+    <p:extLst>
+      <p:ext uri="{BB962C8B-B14F-4D97-AF65-F5344CB8AC3E}">
+        <p14:creationId xmlns:p14="http://schemas.microsoft.com/office/powerpoint/2010/main" val="2075766914"/>
+      </p:ext>
+    </p:extLst>
+  </p:cSld>
+  <p:clrMapOvr>
+    <a:masterClrMapping/>
+  </p:clrMapOvr>
+</p:sld>
+</file>
+
+<file path=ppt/slides/slide47.xml><?xml version="1.0" encoding="utf-8"?>
+<p:sld xmlns:a="http://schemas.openxmlformats.org/drawingml/2006/main" xmlns:r="http://schemas.openxmlformats.org/officeDocument/2006/relationships" xmlns:p="http://schemas.openxmlformats.org/presentationml/2006/main">
+  <p:cSld>
+    <p:spTree>
+      <p:nvGrpSpPr>
+        <p:cNvPr id="1" name=""/>
+        <p:cNvGrpSpPr/>
+        <p:nvPr/>
+      </p:nvGrpSpPr>
+      <p:grpSpPr>
+        <a:xfrm>
+          <a:off x="0" y="0"/>
+          <a:ext cx="0" cy="0"/>
+          <a:chOff x="0" y="0"/>
+          <a:chExt cx="0" cy="0"/>
+        </a:xfrm>
+      </p:grpSpPr>
+      <p:sp>
+        <p:nvSpPr>
+          <p:cNvPr id="11" name="Başlık 1">
+            <a:extLst>
+              <a:ext uri="{FF2B5EF4-FFF2-40B4-BE49-F238E27FC236}">
+                <a16:creationId xmlns:a16="http://schemas.microsoft.com/office/drawing/2014/main" id="{35C2D8AE-2A51-43C9-93E8-4B377C69977E}"/>
+              </a:ext>
+            </a:extLst>
+          </p:cNvPr>
+          <p:cNvSpPr>
+            <a:spLocks noGrp="1"/>
+          </p:cNvSpPr>
+          <p:nvPr>
+            <p:ph type="title"/>
+          </p:nvPr>
+        </p:nvSpPr>
+        <p:spPr>
+          <a:xfrm>
+            <a:off x="8328323" y="527532"/>
+            <a:ext cx="3291840" cy="1152039"/>
+          </a:xfrm>
+        </p:spPr>
+        <p:txBody>
+          <a:bodyPr rtlCol="0"/>
+          <a:lstStyle>
+            <a:defPPr>
+              <a:defRPr lang="tr-TR"/>
+            </a:defPPr>
+          </a:lstStyle>
+          <a:p>
+            <a:pPr rtl="0"/>
+            <a:r>
+              <a:rPr lang="tr-TR" sz="3200" dirty="0"/>
+              <a:t>Adapter Design Pattern</a:t>
+            </a:r>
+          </a:p>
+        </p:txBody>
+      </p:sp>
+      <p:sp>
+        <p:nvSpPr>
+          <p:cNvPr id="13" name="Metin Yer Tutucusu 3">
+            <a:extLst>
+              <a:ext uri="{FF2B5EF4-FFF2-40B4-BE49-F238E27FC236}">
+                <a16:creationId xmlns:a16="http://schemas.microsoft.com/office/drawing/2014/main" id="{5A1B00F9-CC1D-4C2D-B987-607685F3DEB9}"/>
+              </a:ext>
+            </a:extLst>
+          </p:cNvPr>
+          <p:cNvSpPr>
+            <a:spLocks noGrp="1"/>
+          </p:cNvSpPr>
+          <p:nvPr>
+            <p:ph type="body" sz="half" idx="2"/>
+          </p:nvPr>
+        </p:nvSpPr>
+        <p:spPr>
+          <a:xfrm>
+            <a:off x="8393261" y="1791338"/>
+            <a:ext cx="3161963" cy="4367415"/>
+          </a:xfrm>
+        </p:spPr>
+        <p:txBody>
+          <a:bodyPr rtlCol="0">
+            <a:noAutofit/>
+          </a:bodyPr>
+          <a:lstStyle>
+            <a:defPPr>
+              <a:defRPr lang="tr-TR"/>
+            </a:defPPr>
+          </a:lstStyle>
+          <a:p>
+            <a:pPr algn="l" fontAlgn="base"/>
+            <a:r>
+              <a:rPr lang="tr-TR" sz="1100" b="0" i="0" dirty="0">
+                <a:solidFill>
+                  <a:schemeClr val="bg1"/>
+                </a:solidFill>
+                <a:effectLst/>
+                <a:latin typeface="Source Sans Pro" panose="020B0503030403020204" pitchFamily="34" charset="0"/>
+              </a:rPr>
+              <a:t>Adapter tasarım kalıbı bir sistem parçasının, var olan başka bir sisteme adapte edilmesini ve o sistem içerisinde kullanılabilmesini sağlayan bir kalıptır. Aşağıda bununla ilgili yaptığımız örnekte IError interfacesinden türeyen DbError ve ServiceError classlarından oluşan bir class grubu yani sistem ve bu sisteme dahil olması geren Fax classı ve bunu gerçekleştiren FaxAdapter classı söz konusudur. Yazdığımız adapter class Fax class’ının IError sistem grubuna entegre olmasını sağlamaktadır.</a:t>
+            </a:r>
+          </a:p>
+        </p:txBody>
+      </p:sp>
+      <p:pic>
+        <p:nvPicPr>
+          <p:cNvPr id="3" name="Resim 2">
+            <a:extLst>
+              <a:ext uri="{FF2B5EF4-FFF2-40B4-BE49-F238E27FC236}">
+                <a16:creationId xmlns:a16="http://schemas.microsoft.com/office/drawing/2014/main" id="{0DC2FAD3-D857-3BB5-D461-6C0B99F71C07}"/>
+              </a:ext>
+            </a:extLst>
+          </p:cNvPr>
+          <p:cNvPicPr>
+            <a:picLocks noChangeAspect="1"/>
+          </p:cNvPicPr>
+          <p:nvPr/>
+        </p:nvPicPr>
+        <p:blipFill>
+          <a:blip r:embed="rId3"/>
+          <a:stretch>
+            <a:fillRect/>
+          </a:stretch>
+        </p:blipFill>
+        <p:spPr>
+          <a:xfrm>
+            <a:off x="0" y="326987"/>
+            <a:ext cx="8059271" cy="4105097"/>
+          </a:xfrm>
+          <a:prstGeom prst="rect">
+            <a:avLst/>
+          </a:prstGeom>
+        </p:spPr>
+      </p:pic>
+      <p:pic>
+        <p:nvPicPr>
+          <p:cNvPr id="7" name="Resim 6">
+            <a:extLst>
+              <a:ext uri="{FF2B5EF4-FFF2-40B4-BE49-F238E27FC236}">
+                <a16:creationId xmlns:a16="http://schemas.microsoft.com/office/drawing/2014/main" id="{D64CF61C-9832-7B25-74D8-E268F981B347}"/>
+              </a:ext>
+            </a:extLst>
+          </p:cNvPr>
+          <p:cNvPicPr>
+            <a:picLocks noChangeAspect="1"/>
+          </p:cNvPicPr>
+          <p:nvPr/>
+        </p:nvPicPr>
+        <p:blipFill>
+          <a:blip r:embed="rId4"/>
+          <a:stretch>
+            <a:fillRect/>
+          </a:stretch>
+        </p:blipFill>
+        <p:spPr>
+          <a:xfrm>
+            <a:off x="94129" y="4343074"/>
+            <a:ext cx="7032813" cy="2416314"/>
+          </a:xfrm>
+          <a:prstGeom prst="rect">
+            <a:avLst/>
+          </a:prstGeom>
+        </p:spPr>
+      </p:pic>
+    </p:spTree>
+    <p:extLst>
+      <p:ext uri="{BB962C8B-B14F-4D97-AF65-F5344CB8AC3E}">
+        <p14:creationId xmlns:p14="http://schemas.microsoft.com/office/powerpoint/2010/main" val="1200911102"/>
+      </p:ext>
+    </p:extLst>
+  </p:cSld>
+  <p:clrMapOvr>
+    <a:masterClrMapping/>
+  </p:clrMapOvr>
+</p:sld>
+</file>
+
+<file path=ppt/slides/slide48.xml><?xml version="1.0" encoding="utf-8"?>
+<p:sld xmlns:a="http://schemas.openxmlformats.org/drawingml/2006/main" xmlns:r="http://schemas.openxmlformats.org/officeDocument/2006/relationships" xmlns:p="http://schemas.openxmlformats.org/presentationml/2006/main">
+  <p:cSld>
+    <p:spTree>
+      <p:nvGrpSpPr>
+        <p:cNvPr id="1" name=""/>
+        <p:cNvGrpSpPr/>
+        <p:nvPr/>
+      </p:nvGrpSpPr>
+      <p:grpSpPr>
+        <a:xfrm>
+          <a:off x="0" y="0"/>
+          <a:ext cx="0" cy="0"/>
+          <a:chOff x="0" y="0"/>
+          <a:chExt cx="0" cy="0"/>
+        </a:xfrm>
+      </p:grpSpPr>
+      <p:sp>
+        <p:nvSpPr>
+          <p:cNvPr id="11" name="Başlık 1">
+            <a:extLst>
+              <a:ext uri="{FF2B5EF4-FFF2-40B4-BE49-F238E27FC236}">
+                <a16:creationId xmlns:a16="http://schemas.microsoft.com/office/drawing/2014/main" id="{35C2D8AE-2A51-43C9-93E8-4B377C69977E}"/>
+              </a:ext>
+            </a:extLst>
+          </p:cNvPr>
+          <p:cNvSpPr>
+            <a:spLocks noGrp="1"/>
+          </p:cNvSpPr>
+          <p:nvPr>
+            <p:ph type="title"/>
+          </p:nvPr>
+        </p:nvSpPr>
+        <p:spPr>
+          <a:xfrm>
+            <a:off x="8328323" y="527532"/>
+            <a:ext cx="3291840" cy="1152039"/>
+          </a:xfrm>
+        </p:spPr>
+        <p:txBody>
+          <a:bodyPr rtlCol="0"/>
+          <a:lstStyle>
+            <a:defPPr>
+              <a:defRPr lang="tr-TR"/>
+            </a:defPPr>
+          </a:lstStyle>
+          <a:p>
+            <a:pPr rtl="0"/>
+            <a:r>
+              <a:rPr lang="tr-TR" sz="3200" dirty="0"/>
+              <a:t>Adapter Design Pattern</a:t>
+            </a:r>
+          </a:p>
+        </p:txBody>
+      </p:sp>
+      <p:sp>
+        <p:nvSpPr>
+          <p:cNvPr id="13" name="Metin Yer Tutucusu 3">
+            <a:extLst>
+              <a:ext uri="{FF2B5EF4-FFF2-40B4-BE49-F238E27FC236}">
+                <a16:creationId xmlns:a16="http://schemas.microsoft.com/office/drawing/2014/main" id="{5A1B00F9-CC1D-4C2D-B987-607685F3DEB9}"/>
+              </a:ext>
+            </a:extLst>
+          </p:cNvPr>
+          <p:cNvSpPr>
+            <a:spLocks noGrp="1"/>
+          </p:cNvSpPr>
+          <p:nvPr>
+            <p:ph type="body" sz="half" idx="2"/>
+          </p:nvPr>
+        </p:nvSpPr>
+        <p:spPr>
+          <a:xfrm>
+            <a:off x="8393261" y="1791338"/>
+            <a:ext cx="3161963" cy="4367415"/>
+          </a:xfrm>
+        </p:spPr>
+        <p:txBody>
+          <a:bodyPr rtlCol="0">
+            <a:noAutofit/>
+          </a:bodyPr>
+          <a:lstStyle>
+            <a:defPPr>
+              <a:defRPr lang="tr-TR"/>
+            </a:defPPr>
+          </a:lstStyle>
+          <a:p>
+            <a:pPr algn="l" fontAlgn="base"/>
+            <a:r>
+              <a:rPr lang="tr-TR" sz="1100" b="0" i="0" dirty="0">
+                <a:solidFill>
+                  <a:schemeClr val="bg1"/>
+                </a:solidFill>
+                <a:effectLst/>
+                <a:latin typeface="Source Sans Pro" panose="020B0503030403020204" pitchFamily="34" charset="0"/>
+              </a:rPr>
+              <a:t>Ancak aynı anda ele alınmak istenildikleri durumlar olabilir. Örneğin , yapıya dahil tüm errorlar bir kerede değerlendirilmek isteniyorsa ve buna fax ile ilgili errorlarda dahilse bu grup dışındaki classında diğer error grubuna dahil olması yani adapte olması gerekir. Adapter design patternida tam da burada devreye girer.</a:t>
+            </a:r>
+          </a:p>
+          <a:p>
+            <a:pPr algn="l" fontAlgn="base"/>
+            <a:r>
+              <a:rPr lang="tr-TR" sz="1100" b="0" i="0" dirty="0">
+                <a:solidFill>
+                  <a:schemeClr val="bg1"/>
+                </a:solidFill>
+                <a:effectLst/>
+                <a:latin typeface="Source Sans Pro" panose="020B0503030403020204" pitchFamily="34" charset="0"/>
+              </a:rPr>
+              <a:t>Yapmamız gereken şey FaxAdapter isminde bir adapter classı tanımlamak ve bunu IErrordan türetmek. Böylece FaxAdapter sınıfımız diğer error grubuna dahil olabilecek. Faxadapter sınıfımıza orjinal fax sınıfımızdan bir nesne üreterek , IErrordan kalıttığımız metotlar içerisinde ilgili fax classı metotlarını çağırırız. Aşağıda da görüldüğü gibi IErrordan gelen ErrorNumber orjinal fax classındaki FaxErrorCode’a, yine IError sınıfından gelen Description propertysi de orjinal fax classındaki ErrorDescription’a aracılık etmektedir. Yani aslında FaxAdapter classı  Fax classı IError sınıfından türeyen gruba adapte olabilsin diye aracılık eder.</a:t>
+            </a:r>
+          </a:p>
+        </p:txBody>
+      </p:sp>
+      <p:pic>
+        <p:nvPicPr>
+          <p:cNvPr id="4" name="Resim 3">
+            <a:extLst>
+              <a:ext uri="{FF2B5EF4-FFF2-40B4-BE49-F238E27FC236}">
+                <a16:creationId xmlns:a16="http://schemas.microsoft.com/office/drawing/2014/main" id="{6963971A-93F8-75F5-6712-1478534D97B2}"/>
+              </a:ext>
+            </a:extLst>
+          </p:cNvPr>
+          <p:cNvPicPr>
+            <a:picLocks noChangeAspect="1"/>
+          </p:cNvPicPr>
+          <p:nvPr/>
+        </p:nvPicPr>
+        <p:blipFill>
+          <a:blip r:embed="rId3"/>
+          <a:stretch>
+            <a:fillRect/>
+          </a:stretch>
+        </p:blipFill>
+        <p:spPr>
+          <a:xfrm>
+            <a:off x="0" y="238698"/>
+            <a:ext cx="8068235" cy="4892464"/>
+          </a:xfrm>
+          <a:prstGeom prst="rect">
+            <a:avLst/>
+          </a:prstGeom>
+        </p:spPr>
+      </p:pic>
+    </p:spTree>
+    <p:extLst>
+      <p:ext uri="{BB962C8B-B14F-4D97-AF65-F5344CB8AC3E}">
+        <p14:creationId xmlns:p14="http://schemas.microsoft.com/office/powerpoint/2010/main" val="1305415253"/>
+      </p:ext>
+    </p:extLst>
+  </p:cSld>
+  <p:clrMapOvr>
+    <a:masterClrMapping/>
+  </p:clrMapOvr>
+</p:sld>
+</file>
+
+<file path=ppt/slides/slide49.xml><?xml version="1.0" encoding="utf-8"?>
+<p:sld xmlns:a="http://schemas.openxmlformats.org/drawingml/2006/main" xmlns:r="http://schemas.openxmlformats.org/officeDocument/2006/relationships" xmlns:p="http://schemas.openxmlformats.org/presentationml/2006/main">
+  <p:cSld>
+    <p:spTree>
+      <p:nvGrpSpPr>
+        <p:cNvPr id="1" name=""/>
+        <p:cNvGrpSpPr/>
+        <p:nvPr/>
+      </p:nvGrpSpPr>
+      <p:grpSpPr>
+        <a:xfrm>
+          <a:off x="0" y="0"/>
+          <a:ext cx="0" cy="0"/>
+          <a:chOff x="0" y="0"/>
+          <a:chExt cx="0" cy="0"/>
+        </a:xfrm>
+      </p:grpSpPr>
+      <p:sp>
+        <p:nvSpPr>
+          <p:cNvPr id="11" name="Başlık 1">
+            <a:extLst>
+              <a:ext uri="{FF2B5EF4-FFF2-40B4-BE49-F238E27FC236}">
+                <a16:creationId xmlns:a16="http://schemas.microsoft.com/office/drawing/2014/main" id="{35C2D8AE-2A51-43C9-93E8-4B377C69977E}"/>
+              </a:ext>
+            </a:extLst>
+          </p:cNvPr>
+          <p:cNvSpPr>
+            <a:spLocks noGrp="1"/>
+          </p:cNvSpPr>
+          <p:nvPr>
+            <p:ph type="title"/>
+          </p:nvPr>
+        </p:nvSpPr>
+        <p:spPr>
+          <a:xfrm>
+            <a:off x="8328323" y="527532"/>
+            <a:ext cx="3291840" cy="1152039"/>
+          </a:xfrm>
+        </p:spPr>
+        <p:txBody>
+          <a:bodyPr rtlCol="0"/>
+          <a:lstStyle>
+            <a:defPPr>
+              <a:defRPr lang="tr-TR"/>
+            </a:defPPr>
+          </a:lstStyle>
+          <a:p>
+            <a:pPr rtl="0"/>
+            <a:r>
+              <a:rPr lang="tr-TR" sz="3200" dirty="0"/>
+              <a:t>Adapter Design Pattern</a:t>
+            </a:r>
+          </a:p>
+        </p:txBody>
+      </p:sp>
+      <p:pic>
+        <p:nvPicPr>
+          <p:cNvPr id="6" name="Resim 5">
+            <a:extLst>
+              <a:ext uri="{FF2B5EF4-FFF2-40B4-BE49-F238E27FC236}">
+                <a16:creationId xmlns:a16="http://schemas.microsoft.com/office/drawing/2014/main" id="{784A6FE9-E238-5B84-1839-DB3227EFE78E}"/>
+              </a:ext>
+            </a:extLst>
+          </p:cNvPr>
+          <p:cNvPicPr>
+            <a:picLocks noChangeAspect="1"/>
+          </p:cNvPicPr>
+          <p:nvPr/>
+        </p:nvPicPr>
+        <p:blipFill>
+          <a:blip r:embed="rId3"/>
+          <a:stretch>
+            <a:fillRect/>
+          </a:stretch>
+        </p:blipFill>
+        <p:spPr>
+          <a:xfrm>
+            <a:off x="1" y="288675"/>
+            <a:ext cx="8050290" cy="3897844"/>
+          </a:xfrm>
+          <a:prstGeom prst="rect">
+            <a:avLst/>
+          </a:prstGeom>
+        </p:spPr>
+      </p:pic>
+    </p:spTree>
+    <p:extLst>
+      <p:ext uri="{BB962C8B-B14F-4D97-AF65-F5344CB8AC3E}">
+        <p14:creationId xmlns:p14="http://schemas.microsoft.com/office/powerpoint/2010/main" val="3459431623"/>
+      </p:ext>
+    </p:extLst>
+  </p:cSld>
+  <p:clrMapOvr>
+    <a:masterClrMapping/>
+  </p:clrMapOvr>
+</p:sld>
+</file>
+
+<file path=ppt/slides/slide5.xml><?xml version="1.0" encoding="utf-8"?>
+<p:sld xmlns:a="http://schemas.openxmlformats.org/drawingml/2006/main" xmlns:r="http://schemas.openxmlformats.org/officeDocument/2006/relationships" xmlns:p="http://schemas.openxmlformats.org/presentationml/2006/main">
+  <p:cSld>
+    <p:spTree>
+      <p:nvGrpSpPr>
+        <p:cNvPr id="1" name=""/>
+        <p:cNvGrpSpPr/>
+        <p:nvPr/>
+      </p:nvGrpSpPr>
+      <p:grpSpPr>
+        <a:xfrm>
+          <a:off x="0" y="0"/>
+          <a:ext cx="0" cy="0"/>
+          <a:chOff x="0" y="0"/>
+          <a:chExt cx="0" cy="0"/>
+        </a:xfrm>
+      </p:grpSpPr>
+      <p:pic>
+        <p:nvPicPr>
+          <p:cNvPr id="6" name="Resim Yer Tutucusu 5" descr="Adam dizüstü bilgisayarda bir şey gösteriyor">
+            <a:extLst>
+              <a:ext uri="{FF2B5EF4-FFF2-40B4-BE49-F238E27FC236}">
+                <a16:creationId xmlns:a16="http://schemas.microsoft.com/office/drawing/2014/main" id="{CCB0035C-155F-4A5B-87BE-89762733C8E1}"/>
+              </a:ext>
+            </a:extLst>
+          </p:cNvPr>
+          <p:cNvPicPr>
+            <a:picLocks noGrp="1"/>
+          </p:cNvPicPr>
+          <p:nvPr>
+            <p:ph type="pic" idx="1"/>
+          </p:nvPr>
+        </p:nvPicPr>
+        <p:blipFill>
+          <a:blip r:embed="rId3">
+            <a:duotone>
+              <a:prstClr val="black"/>
+              <a:schemeClr val="accent1">
+                <a:tint val="45000"/>
+                <a:satMod val="400000"/>
+              </a:schemeClr>
+            </a:duotone>
+            <a:extLst>
+              <a:ext uri="{28A0092B-C50C-407E-A947-70E740481C1C}">
+                <a14:useLocalDpi xmlns:a14="http://schemas.microsoft.com/office/drawing/2010/main" val="0"/>
+              </a:ext>
+            </a:extLst>
+          </a:blip>
+          <a:srcRect/>
+          <a:stretch/>
+        </p:blipFill>
+        <p:spPr>
+          <a:xfrm>
+            <a:off x="228599" y="238125"/>
+            <a:ext cx="7696201" cy="6381750"/>
+          </a:xfrm>
+        </p:spPr>
+      </p:pic>
+      <p:sp>
+        <p:nvSpPr>
+          <p:cNvPr id="3" name="Başlık 2">
+            <a:extLst>
+              <a:ext uri="{FF2B5EF4-FFF2-40B4-BE49-F238E27FC236}">
+                <a16:creationId xmlns:a16="http://schemas.microsoft.com/office/drawing/2014/main" id="{6002F139-264F-4B41-B39A-9E8B2901E164}"/>
+              </a:ext>
+            </a:extLst>
+          </p:cNvPr>
+          <p:cNvSpPr>
+            <a:spLocks noGrp="1"/>
+          </p:cNvSpPr>
+          <p:nvPr>
+            <p:ph type="title"/>
+          </p:nvPr>
+        </p:nvSpPr>
+        <p:spPr/>
+        <p:txBody>
+          <a:bodyPr rtlCol="0"/>
+          <a:lstStyle>
+            <a:defPPr>
+              <a:defRPr lang="tr-TR"/>
+            </a:defPPr>
+          </a:lstStyle>
+          <a:p>
+            <a:pPr marL="216000" indent="-216000" rtl="0">
+              <a:lnSpc>
+                <a:spcPct val="100000"/>
+              </a:lnSpc>
+              <a:buClr>
+                <a:schemeClr val="accent1"/>
+              </a:buClr>
+              <a:buFont typeface="Arial" panose="020B0604020202020204" pitchFamily="34" charset="0"/>
+              <a:buChar char="•"/>
+            </a:pPr>
+            <a:r>
+              <a:rPr lang="tr-TR" sz="3200" dirty="0">
+                <a:solidFill>
+                  <a:schemeClr val="bg2">
+                    <a:lumMod val="50000"/>
+                  </a:schemeClr>
+                </a:solidFill>
+              </a:rPr>
+              <a:t>Nesne Yönetimli Programlama Faydaları</a:t>
+            </a:r>
+          </a:p>
+        </p:txBody>
+      </p:sp>
+      <p:sp>
+        <p:nvSpPr>
+          <p:cNvPr id="4" name="Metin Yer Tutucusu 3">
+            <a:extLst>
+              <a:ext uri="{FF2B5EF4-FFF2-40B4-BE49-F238E27FC236}">
+                <a16:creationId xmlns:a16="http://schemas.microsoft.com/office/drawing/2014/main" id="{5ECC3DCE-4CD8-4370-8B3F-47DEAB635ED9}"/>
+              </a:ext>
+            </a:extLst>
+          </p:cNvPr>
+          <p:cNvSpPr>
+            <a:spLocks noGrp="1"/>
+          </p:cNvSpPr>
+          <p:nvPr>
+            <p:ph type="body" sz="half" idx="2"/>
+          </p:nvPr>
+        </p:nvSpPr>
+        <p:spPr>
+          <a:xfrm>
+            <a:off x="8477250" y="2386583"/>
+            <a:ext cx="3144774" cy="3867913"/>
+          </a:xfrm>
+        </p:spPr>
+        <p:txBody>
+          <a:bodyPr rtlCol="0">
+            <a:noAutofit/>
+          </a:bodyPr>
+          <a:lstStyle>
+            <a:defPPr>
+              <a:defRPr lang="tr-TR"/>
+            </a:defPPr>
+          </a:lstStyle>
+          <a:p>
+            <a:pPr algn="l">
+              <a:buFont typeface="Arial" panose="020B0604020202020204" pitchFamily="34" charset="0"/>
+              <a:buChar char="•"/>
+            </a:pPr>
+            <a:r>
+              <a:rPr lang="tr-TR" sz="1200" b="0" i="0" dirty="0">
+                <a:solidFill>
+                  <a:srgbClr val="405261"/>
+                </a:solidFill>
+                <a:effectLst/>
+                <a:latin typeface="AvenirRegular"/>
+              </a:rPr>
+              <a:t>Nesne oluşturma bir sınıf içerisinde toplanır ve tüm projelerde kullanılabilirliğe olanak sağlar.</a:t>
+            </a:r>
+          </a:p>
+          <a:p>
+            <a:pPr algn="l">
+              <a:buFont typeface="Arial" panose="020B0604020202020204" pitchFamily="34" charset="0"/>
+              <a:buChar char="•"/>
+            </a:pPr>
+            <a:r>
+              <a:rPr lang="tr-TR" sz="1200" b="0" i="0" dirty="0">
+                <a:solidFill>
+                  <a:srgbClr val="405261"/>
+                </a:solidFill>
+                <a:effectLst/>
+                <a:latin typeface="AvenirRegular"/>
+              </a:rPr>
+              <a:t>Sınıfların 1 kez oluşturulması sayesinde uzun kodları tekrardan yazmak yerine kısa kodlamalar ile çalıştırılabilir.</a:t>
+            </a:r>
+          </a:p>
+          <a:p>
+            <a:pPr algn="l">
+              <a:buFont typeface="Arial" panose="020B0604020202020204" pitchFamily="34" charset="0"/>
+              <a:buChar char="•"/>
+            </a:pPr>
+            <a:r>
+              <a:rPr lang="tr-TR" sz="1200" b="0" i="0" dirty="0">
+                <a:solidFill>
+                  <a:srgbClr val="405261"/>
+                </a:solidFill>
+                <a:effectLst/>
+                <a:latin typeface="AvenirRegular"/>
+              </a:rPr>
+              <a:t>Uzun kodların tekrar yazılmasının engellenmesi sayesinde geliştirme süreci kısalır.</a:t>
+            </a:r>
+          </a:p>
+          <a:p>
+            <a:pPr algn="l">
+              <a:buFont typeface="Arial" panose="020B0604020202020204" pitchFamily="34" charset="0"/>
+              <a:buChar char="•"/>
+            </a:pPr>
+            <a:r>
+              <a:rPr lang="tr-TR" sz="1200" b="0" i="0" dirty="0">
+                <a:solidFill>
+                  <a:srgbClr val="405261"/>
+                </a:solidFill>
+                <a:effectLst/>
+                <a:latin typeface="AvenirRegular"/>
+              </a:rPr>
+              <a:t>Nesneler birbirinden bağımsız olduğundan bilgi gizliliği konusunda avantaj sağlar.</a:t>
+            </a:r>
+          </a:p>
+          <a:p>
+            <a:pPr algn="l">
+              <a:buFont typeface="Arial" panose="020B0604020202020204" pitchFamily="34" charset="0"/>
+              <a:buChar char="•"/>
+            </a:pPr>
+            <a:r>
+              <a:rPr lang="tr-TR" sz="1200" b="0" i="0" dirty="0">
+                <a:solidFill>
+                  <a:srgbClr val="405261"/>
+                </a:solidFill>
+                <a:effectLst/>
+                <a:latin typeface="AvenirRegular"/>
+              </a:rPr>
+              <a:t>Sınıflar sayesinde tüm projelerde değişiklik yapmak yerine tek bir sınıfta değişiklik yapılıp tüm projelerde çalışması sağlanır. Bu zaman kaybını büyük ölçüde azaltır.</a:t>
+            </a:r>
+          </a:p>
+        </p:txBody>
+      </p:sp>
+    </p:spTree>
+    <p:extLst>
+      <p:ext uri="{BB962C8B-B14F-4D97-AF65-F5344CB8AC3E}">
+        <p14:creationId xmlns:p14="http://schemas.microsoft.com/office/powerpoint/2010/main" val="339896986"/>
+      </p:ext>
+    </p:extLst>
+  </p:cSld>
+  <p:clrMapOvr>
+    <a:masterClrMapping/>
+  </p:clrMapOvr>
+</p:sld>
+</file>
+
+<file path=ppt/slides/slide50.xml><?xml version="1.0" encoding="utf-8"?>
 <p:sld xmlns:a="http://schemas.openxmlformats.org/drawingml/2006/main" xmlns:r="http://schemas.openxmlformats.org/officeDocument/2006/relationships" xmlns:p="http://schemas.openxmlformats.org/presentationml/2006/main">
   <p:cSld>
     <p:bg>
@@ -19892,241 +23041,7 @@
 </p:sld>
 </file>
 
-<file path=ppt/slides/slide4.xml><?xml version="1.0" encoding="utf-8"?>
-<p:sld xmlns:a="http://schemas.openxmlformats.org/drawingml/2006/main" xmlns:r="http://schemas.openxmlformats.org/officeDocument/2006/relationships" xmlns:p="http://schemas.openxmlformats.org/presentationml/2006/main">
-  <p:cSld>
-    <p:spTree>
-      <p:nvGrpSpPr>
-        <p:cNvPr id="1" name=""/>
-        <p:cNvGrpSpPr/>
-        <p:nvPr/>
-      </p:nvGrpSpPr>
-      <p:grpSpPr>
-        <a:xfrm>
-          <a:off x="0" y="0"/>
-          <a:ext cx="0" cy="0"/>
-          <a:chOff x="0" y="0"/>
-          <a:chExt cx="0" cy="0"/>
-        </a:xfrm>
-      </p:grpSpPr>
-      <p:pic>
-        <p:nvPicPr>
-          <p:cNvPr id="6" name="Resim Yer Tutucusu 5" descr="Adam dizüstü bilgisayarda bir şey gösteriyor">
-            <a:extLst>
-              <a:ext uri="{FF2B5EF4-FFF2-40B4-BE49-F238E27FC236}">
-                <a16:creationId xmlns:a16="http://schemas.microsoft.com/office/drawing/2014/main" id="{CCB0035C-155F-4A5B-87BE-89762733C8E1}"/>
-              </a:ext>
-            </a:extLst>
-          </p:cNvPr>
-          <p:cNvPicPr>
-            <a:picLocks noGrp="1"/>
-          </p:cNvPicPr>
-          <p:nvPr>
-            <p:ph type="pic" idx="1"/>
-          </p:nvPr>
-        </p:nvPicPr>
-        <p:blipFill>
-          <a:blip r:embed="rId3">
-            <a:duotone>
-              <a:prstClr val="black"/>
-              <a:schemeClr val="accent1">
-                <a:tint val="45000"/>
-                <a:satMod val="400000"/>
-              </a:schemeClr>
-            </a:duotone>
-            <a:extLst>
-              <a:ext uri="{28A0092B-C50C-407E-A947-70E740481C1C}">
-                <a14:useLocalDpi xmlns:a14="http://schemas.microsoft.com/office/drawing/2010/main" val="0"/>
-              </a:ext>
-            </a:extLst>
-          </a:blip>
-          <a:srcRect/>
-          <a:stretch/>
-        </p:blipFill>
-        <p:spPr>
-          <a:xfrm>
-            <a:off x="228599" y="238125"/>
-            <a:ext cx="7696201" cy="6381750"/>
-          </a:xfrm>
-        </p:spPr>
-      </p:pic>
-      <p:sp>
-        <p:nvSpPr>
-          <p:cNvPr id="3" name="Başlık 2">
-            <a:extLst>
-              <a:ext uri="{FF2B5EF4-FFF2-40B4-BE49-F238E27FC236}">
-                <a16:creationId xmlns:a16="http://schemas.microsoft.com/office/drawing/2014/main" id="{6002F139-264F-4B41-B39A-9E8B2901E164}"/>
-              </a:ext>
-            </a:extLst>
-          </p:cNvPr>
-          <p:cNvSpPr>
-            <a:spLocks noGrp="1"/>
-          </p:cNvSpPr>
-          <p:nvPr>
-            <p:ph type="title"/>
-          </p:nvPr>
-        </p:nvSpPr>
-        <p:spPr/>
-        <p:txBody>
-          <a:bodyPr rtlCol="0"/>
-          <a:lstStyle>
-            <a:defPPr>
-              <a:defRPr lang="tr-TR"/>
-            </a:defPPr>
-          </a:lstStyle>
-          <a:p>
-            <a:pPr marL="216000" indent="-216000" rtl="0">
-              <a:lnSpc>
-                <a:spcPct val="100000"/>
-              </a:lnSpc>
-              <a:buClr>
-                <a:schemeClr val="accent1"/>
-              </a:buClr>
-              <a:buFont typeface="Arial" panose="020B0604020202020204" pitchFamily="34" charset="0"/>
-              <a:buChar char="•"/>
-            </a:pPr>
-            <a:r>
-              <a:rPr lang="tr-TR" sz="3200" dirty="0">
-                <a:solidFill>
-                  <a:schemeClr val="bg2">
-                    <a:lumMod val="50000"/>
-                  </a:schemeClr>
-                </a:solidFill>
-              </a:rPr>
-              <a:t>Nesne Programlama Yönetimi Tanımı</a:t>
-            </a:r>
-          </a:p>
-        </p:txBody>
-      </p:sp>
-      <p:sp>
-        <p:nvSpPr>
-          <p:cNvPr id="4" name="Metin Yer Tutucusu 3">
-            <a:extLst>
-              <a:ext uri="{FF2B5EF4-FFF2-40B4-BE49-F238E27FC236}">
-                <a16:creationId xmlns:a16="http://schemas.microsoft.com/office/drawing/2014/main" id="{5ECC3DCE-4CD8-4370-8B3F-47DEAB635ED9}"/>
-              </a:ext>
-            </a:extLst>
-          </p:cNvPr>
-          <p:cNvSpPr>
-            <a:spLocks noGrp="1"/>
-          </p:cNvSpPr>
-          <p:nvPr>
-            <p:ph type="body" sz="half" idx="2"/>
-          </p:nvPr>
-        </p:nvSpPr>
-        <p:spPr>
-          <a:xfrm>
-            <a:off x="8477250" y="2386583"/>
-            <a:ext cx="3144774" cy="3867913"/>
-          </a:xfrm>
-        </p:spPr>
-        <p:txBody>
-          <a:bodyPr rtlCol="0">
-            <a:noAutofit/>
-          </a:bodyPr>
-          <a:lstStyle>
-            <a:defPPr>
-              <a:defRPr lang="tr-TR"/>
-            </a:defPPr>
-          </a:lstStyle>
-          <a:p>
-            <a:pPr algn="l"/>
-            <a:r>
-              <a:rPr lang="tr-TR" sz="1150" b="1" i="0" dirty="0">
-                <a:solidFill>
-                  <a:srgbClr val="405261"/>
-                </a:solidFill>
-                <a:effectLst/>
-                <a:latin typeface="AvenirBold"/>
-              </a:rPr>
-              <a:t>Object Oriented Programming</a:t>
-            </a:r>
-            <a:r>
-              <a:rPr lang="tr-TR" sz="1150" b="0" i="0" dirty="0">
-                <a:solidFill>
-                  <a:srgbClr val="405261"/>
-                </a:solidFill>
-                <a:effectLst/>
-                <a:latin typeface="AvenirRegular"/>
-              </a:rPr>
-              <a:t> yani Nesne Yönelimli Programlama, her işlevin nesnel olarak soyutlandığı bir programlama şeklidir.</a:t>
-            </a:r>
-          </a:p>
-          <a:p>
-            <a:pPr algn="l"/>
-            <a:r>
-              <a:rPr lang="tr-TR" sz="1150" b="0" i="0" dirty="0">
-                <a:solidFill>
-                  <a:srgbClr val="405261"/>
-                </a:solidFill>
-                <a:effectLst/>
-                <a:latin typeface="AvenirRegular"/>
-              </a:rPr>
-              <a:t>Bu açıklamayı daha da örnekleyerek açıklarsak, gerçek hayatta gördüğümüz birçok nesnenin bilgisayar ortamına aktarılma şeklidir. Yani bir nesnenin rengi, durumu, ismi, üretim yılı gibi birçok özelliklerin bilgisayar ortamında gösterilmesi buna örnek olarak verilebilir.</a:t>
-            </a:r>
-          </a:p>
-          <a:p>
-            <a:pPr algn="l"/>
-            <a:r>
-              <a:rPr lang="tr-TR" sz="1150" b="0" i="0" dirty="0">
-                <a:solidFill>
-                  <a:srgbClr val="405261"/>
-                </a:solidFill>
-                <a:effectLst/>
-                <a:latin typeface="AvenirRegular"/>
-              </a:rPr>
-              <a:t>1960’lı yılların sonuna doğru ortaya çıkan bu programlama şekli, o dönemlerde yazılım dünyasının yaşadığı sıkıntının sonucudur.</a:t>
-            </a:r>
-          </a:p>
-          <a:p>
-            <a:pPr algn="l"/>
-            <a:r>
-              <a:rPr lang="tr-TR" sz="1150" b="0" i="0" dirty="0">
-                <a:solidFill>
-                  <a:srgbClr val="405261"/>
-                </a:solidFill>
-                <a:effectLst/>
-                <a:latin typeface="AvenirRegular"/>
-              </a:rPr>
-              <a:t>Yazılımların karışıklığı ve boyutlarının artması, belirli bir nitelik düzeyini korumak için gereken maliyeti, zamanı ve çabayı arttırıyordu. </a:t>
-            </a:r>
-            <a:r>
-              <a:rPr lang="tr-TR" sz="1150" b="1" i="0" dirty="0">
-                <a:solidFill>
-                  <a:srgbClr val="405261"/>
-                </a:solidFill>
-                <a:effectLst/>
-                <a:latin typeface="AvenirBold"/>
-              </a:rPr>
-              <a:t>OOP</a:t>
-            </a:r>
-            <a:r>
-              <a:rPr lang="tr-TR" sz="1150" b="0" i="0" dirty="0">
-                <a:solidFill>
-                  <a:srgbClr val="405261"/>
-                </a:solidFill>
-                <a:effectLst/>
-                <a:latin typeface="AvenirRegular"/>
-              </a:rPr>
-              <a:t> bu soruna karşı çözüm olarak getiren özelliği yazılımdaki birimselliği yüksek oranda benimsemesidir.</a:t>
-            </a:r>
-          </a:p>
-        </p:txBody>
-      </p:sp>
-    </p:spTree>
-    <p:extLst>
-      <p:ext uri="{BB962C8B-B14F-4D97-AF65-F5344CB8AC3E}">
-        <p14:creationId xmlns:p14="http://schemas.microsoft.com/office/powerpoint/2010/main" val="707235762"/>
-      </p:ext>
-    </p:extLst>
-  </p:cSld>
-  <p:clrMapOvr>
-    <a:masterClrMapping/>
-  </p:clrMapOvr>
-</p:sld>
-</file>
-
-<file path=ppt/slides/slide40.xml><?xml version="1.0" encoding="utf-8"?>
+<file path=ppt/slides/slide51.xml><?xml version="1.0" encoding="utf-8"?>
 <p:sld xmlns:a="http://schemas.openxmlformats.org/drawingml/2006/main" xmlns:r="http://schemas.openxmlformats.org/officeDocument/2006/relationships" xmlns:p="http://schemas.openxmlformats.org/presentationml/2006/main">
   <p:cSld>
     <p:bg>
@@ -20741,7 +23656,7 @@
 </p:sld>
 </file>
 
-<file path=ppt/slides/slide41.xml><?xml version="1.0" encoding="utf-8"?>
+<file path=ppt/slides/slide52.xml><?xml version="1.0" encoding="utf-8"?>
 <p:sld xmlns:a="http://schemas.openxmlformats.org/drawingml/2006/main" xmlns:r="http://schemas.openxmlformats.org/officeDocument/2006/relationships" xmlns:p="http://schemas.openxmlformats.org/presentationml/2006/main">
   <p:cSld>
     <p:bg>
@@ -21573,238 +24488,6 @@
     <p:extLst>
       <p:ext uri="{BB962C8B-B14F-4D97-AF65-F5344CB8AC3E}">
         <p14:creationId xmlns:p14="http://schemas.microsoft.com/office/powerpoint/2010/main" val="567332142"/>
-      </p:ext>
-    </p:extLst>
-  </p:cSld>
-  <p:clrMapOvr>
-    <a:masterClrMapping/>
-  </p:clrMapOvr>
-</p:sld>
-</file>
-
-<file path=ppt/slides/slide5.xml><?xml version="1.0" encoding="utf-8"?>
-<p:sld xmlns:a="http://schemas.openxmlformats.org/drawingml/2006/main" xmlns:r="http://schemas.openxmlformats.org/officeDocument/2006/relationships" xmlns:p="http://schemas.openxmlformats.org/presentationml/2006/main">
-  <p:cSld>
-    <p:spTree>
-      <p:nvGrpSpPr>
-        <p:cNvPr id="1" name=""/>
-        <p:cNvGrpSpPr/>
-        <p:nvPr/>
-      </p:nvGrpSpPr>
-      <p:grpSpPr>
-        <a:xfrm>
-          <a:off x="0" y="0"/>
-          <a:ext cx="0" cy="0"/>
-          <a:chOff x="0" y="0"/>
-          <a:chExt cx="0" cy="0"/>
-        </a:xfrm>
-      </p:grpSpPr>
-      <p:pic>
-        <p:nvPicPr>
-          <p:cNvPr id="6" name="Resim Yer Tutucusu 5" descr="Adam dizüstü bilgisayarda bir şey gösteriyor">
-            <a:extLst>
-              <a:ext uri="{FF2B5EF4-FFF2-40B4-BE49-F238E27FC236}">
-                <a16:creationId xmlns:a16="http://schemas.microsoft.com/office/drawing/2014/main" id="{CCB0035C-155F-4A5B-87BE-89762733C8E1}"/>
-              </a:ext>
-            </a:extLst>
-          </p:cNvPr>
-          <p:cNvPicPr>
-            <a:picLocks noGrp="1"/>
-          </p:cNvPicPr>
-          <p:nvPr>
-            <p:ph type="pic" idx="1"/>
-          </p:nvPr>
-        </p:nvPicPr>
-        <p:blipFill>
-          <a:blip r:embed="rId3">
-            <a:duotone>
-              <a:prstClr val="black"/>
-              <a:schemeClr val="accent1">
-                <a:tint val="45000"/>
-                <a:satMod val="400000"/>
-              </a:schemeClr>
-            </a:duotone>
-            <a:extLst>
-              <a:ext uri="{28A0092B-C50C-407E-A947-70E740481C1C}">
-                <a14:useLocalDpi xmlns:a14="http://schemas.microsoft.com/office/drawing/2010/main" val="0"/>
-              </a:ext>
-            </a:extLst>
-          </a:blip>
-          <a:srcRect/>
-          <a:stretch/>
-        </p:blipFill>
-        <p:spPr>
-          <a:xfrm>
-            <a:off x="228599" y="238125"/>
-            <a:ext cx="7696201" cy="6381750"/>
-          </a:xfrm>
-        </p:spPr>
-      </p:pic>
-      <p:sp>
-        <p:nvSpPr>
-          <p:cNvPr id="3" name="Başlık 2">
-            <a:extLst>
-              <a:ext uri="{FF2B5EF4-FFF2-40B4-BE49-F238E27FC236}">
-                <a16:creationId xmlns:a16="http://schemas.microsoft.com/office/drawing/2014/main" id="{6002F139-264F-4B41-B39A-9E8B2901E164}"/>
-              </a:ext>
-            </a:extLst>
-          </p:cNvPr>
-          <p:cNvSpPr>
-            <a:spLocks noGrp="1"/>
-          </p:cNvSpPr>
-          <p:nvPr>
-            <p:ph type="title"/>
-          </p:nvPr>
-        </p:nvSpPr>
-        <p:spPr/>
-        <p:txBody>
-          <a:bodyPr rtlCol="0"/>
-          <a:lstStyle>
-            <a:defPPr>
-              <a:defRPr lang="tr-TR"/>
-            </a:defPPr>
-          </a:lstStyle>
-          <a:p>
-            <a:pPr marL="216000" indent="-216000" rtl="0">
-              <a:lnSpc>
-                <a:spcPct val="100000"/>
-              </a:lnSpc>
-              <a:buClr>
-                <a:schemeClr val="accent1"/>
-              </a:buClr>
-              <a:buFont typeface="Arial" panose="020B0604020202020204" pitchFamily="34" charset="0"/>
-              <a:buChar char="•"/>
-            </a:pPr>
-            <a:r>
-              <a:rPr lang="tr-TR" sz="3200" dirty="0">
-                <a:solidFill>
-                  <a:schemeClr val="bg2">
-                    <a:lumMod val="50000"/>
-                  </a:schemeClr>
-                </a:solidFill>
-              </a:rPr>
-              <a:t>Nesne Yönetimli Programlama Faydaları</a:t>
-            </a:r>
-          </a:p>
-        </p:txBody>
-      </p:sp>
-      <p:sp>
-        <p:nvSpPr>
-          <p:cNvPr id="4" name="Metin Yer Tutucusu 3">
-            <a:extLst>
-              <a:ext uri="{FF2B5EF4-FFF2-40B4-BE49-F238E27FC236}">
-                <a16:creationId xmlns:a16="http://schemas.microsoft.com/office/drawing/2014/main" id="{5ECC3DCE-4CD8-4370-8B3F-47DEAB635ED9}"/>
-              </a:ext>
-            </a:extLst>
-          </p:cNvPr>
-          <p:cNvSpPr>
-            <a:spLocks noGrp="1"/>
-          </p:cNvSpPr>
-          <p:nvPr>
-            <p:ph type="body" sz="half" idx="2"/>
-          </p:nvPr>
-        </p:nvSpPr>
-        <p:spPr>
-          <a:xfrm>
-            <a:off x="8477250" y="2386583"/>
-            <a:ext cx="3144774" cy="3867913"/>
-          </a:xfrm>
-        </p:spPr>
-        <p:txBody>
-          <a:bodyPr rtlCol="0">
-            <a:noAutofit/>
-          </a:bodyPr>
-          <a:lstStyle>
-            <a:defPPr>
-              <a:defRPr lang="tr-TR"/>
-            </a:defPPr>
-          </a:lstStyle>
-          <a:p>
-            <a:pPr algn="l">
-              <a:buFont typeface="Arial" panose="020B0604020202020204" pitchFamily="34" charset="0"/>
-              <a:buChar char="•"/>
-            </a:pPr>
-            <a:r>
-              <a:rPr lang="tr-TR" sz="1200" b="0" i="0" dirty="0">
-                <a:solidFill>
-                  <a:srgbClr val="405261"/>
-                </a:solidFill>
-                <a:effectLst/>
-                <a:latin typeface="AvenirRegular"/>
-              </a:rPr>
-              <a:t>Nesne oluşturma bir sınıf içerisinde toplanır ve tüm projelerde kullanılabilirliğe olanak sağlar.</a:t>
-            </a:r>
-          </a:p>
-          <a:p>
-            <a:pPr algn="l">
-              <a:buFont typeface="Arial" panose="020B0604020202020204" pitchFamily="34" charset="0"/>
-              <a:buChar char="•"/>
-            </a:pPr>
-            <a:r>
-              <a:rPr lang="tr-TR" sz="1200" b="0" i="0" dirty="0">
-                <a:solidFill>
-                  <a:srgbClr val="405261"/>
-                </a:solidFill>
-                <a:effectLst/>
-                <a:latin typeface="AvenirRegular"/>
-              </a:rPr>
-              <a:t>Sınıfların 1 kez oluşturulması sayesinde uzun kodları tekrardan yazmak yerine kısa kodlamalar ile çalıştırılabilir.</a:t>
-            </a:r>
-          </a:p>
-          <a:p>
-            <a:pPr algn="l">
-              <a:buFont typeface="Arial" panose="020B0604020202020204" pitchFamily="34" charset="0"/>
-              <a:buChar char="•"/>
-            </a:pPr>
-            <a:r>
-              <a:rPr lang="tr-TR" sz="1200" b="0" i="0" dirty="0">
-                <a:solidFill>
-                  <a:srgbClr val="405261"/>
-                </a:solidFill>
-                <a:effectLst/>
-                <a:latin typeface="AvenirRegular"/>
-              </a:rPr>
-              <a:t>Uzun kodların tekrar yazılmasının engellenmesi sayesinde geliştirme süreci kısalır.</a:t>
-            </a:r>
-          </a:p>
-          <a:p>
-            <a:pPr algn="l">
-              <a:buFont typeface="Arial" panose="020B0604020202020204" pitchFamily="34" charset="0"/>
-              <a:buChar char="•"/>
-            </a:pPr>
-            <a:r>
-              <a:rPr lang="tr-TR" sz="1200" b="0" i="0" dirty="0">
-                <a:solidFill>
-                  <a:srgbClr val="405261"/>
-                </a:solidFill>
-                <a:effectLst/>
-                <a:latin typeface="AvenirRegular"/>
-              </a:rPr>
-              <a:t>Nesneler birbirinden bağımsız olduğundan bilgi gizliliği konusunda avantaj sağlar.</a:t>
-            </a:r>
-          </a:p>
-          <a:p>
-            <a:pPr algn="l">
-              <a:buFont typeface="Arial" panose="020B0604020202020204" pitchFamily="34" charset="0"/>
-              <a:buChar char="•"/>
-            </a:pPr>
-            <a:r>
-              <a:rPr lang="tr-TR" sz="1200" b="0" i="0" dirty="0">
-                <a:solidFill>
-                  <a:srgbClr val="405261"/>
-                </a:solidFill>
-                <a:effectLst/>
-                <a:latin typeface="AvenirRegular"/>
-              </a:rPr>
-              <a:t>Sınıflar sayesinde tüm projelerde değişiklik yapmak yerine tek bir sınıfta değişiklik yapılıp tüm projelerde çalışması sağlanır. Bu zaman kaybını büyük ölçüde azaltır.</a:t>
-            </a:r>
-          </a:p>
-        </p:txBody>
-      </p:sp>
-    </p:spTree>
-    <p:extLst>
-      <p:ext uri="{BB962C8B-B14F-4D97-AF65-F5344CB8AC3E}">
-        <p14:creationId xmlns:p14="http://schemas.microsoft.com/office/powerpoint/2010/main" val="339896986"/>
       </p:ext>
     </p:extLst>
   </p:cSld>
@@ -24144,6 +26827,15 @@
 </file>
 
 <file path=customXml/item1.xml><?xml version="1.0" encoding="utf-8"?>
+<p:properties xmlns:p="http://schemas.microsoft.com/office/2006/metadata/properties" xmlns:xsi="http://www.w3.org/2001/XMLSchema-instance" xmlns:pc="http://schemas.microsoft.com/office/infopath/2007/PartnerControls">
+  <documentManagement>
+    <Status xmlns="71af3243-3dd4-4a8d-8c0d-dd76da1f02a5">Not started</Status>
+    <MediaServiceKeyPoints xmlns="71af3243-3dd4-4a8d-8c0d-dd76da1f02a5" xsi:nil="true"/>
+  </documentManagement>
+</p:properties>
+</file>
+
+<file path=customXml/item2.xml><?xml version="1.0" encoding="utf-8"?>
 <?mso-contentType ?>
 <FormTemplates xmlns="http://schemas.microsoft.com/sharepoint/v3/contenttype/forms">
   <Display>DocumentLibraryForm</Display>
@@ -24152,7 +26844,7 @@
 </FormTemplates>
 </file>
 
-<file path=customXml/item2.xml><?xml version="1.0" encoding="utf-8"?>
+<file path=customXml/item3.xml><?xml version="1.0" encoding="utf-8"?>
 <ct:contentTypeSchema xmlns:ct="http://schemas.microsoft.com/office/2006/metadata/contentType" xmlns:ma="http://schemas.microsoft.com/office/2006/metadata/properties/metaAttributes" ct:_="" ma:_="" ma:contentTypeName="Document" ma:contentTypeID="0x01010079F111ED35F8CC479449609E8A0923A6" ma:contentTypeVersion="12" ma:contentTypeDescription="Create a new document." ma:contentTypeScope="" ma:versionID="fa6e671f1cd7e4d96ff9652be322dd5e">
   <xsd:schema xmlns:xsd="http://www.w3.org/2001/XMLSchema" xmlns:xs="http://www.w3.org/2001/XMLSchema" xmlns:p="http://schemas.microsoft.com/office/2006/metadata/properties" xmlns:ns2="71af3243-3dd4-4a8d-8c0d-dd76da1f02a5" xmlns:ns3="16c05727-aa75-4e4a-9b5f-8a80a1165891" targetNamespace="http://schemas.microsoft.com/office/2006/metadata/properties" ma:root="true" ma:fieldsID="4e2496f70b101db0b8013f30a071bbf7" ns2:_="" ns3:_="">
     <xsd:import namespace="71af3243-3dd4-4a8d-8c0d-dd76da1f02a5"/>
@@ -24373,16 +27065,17 @@
 </ct:contentTypeSchema>
 </file>
 
-<file path=customXml/item3.xml><?xml version="1.0" encoding="utf-8"?>
-<p:properties xmlns:p="http://schemas.microsoft.com/office/2006/metadata/properties" xmlns:xsi="http://www.w3.org/2001/XMLSchema-instance" xmlns:pc="http://schemas.microsoft.com/office/infopath/2007/PartnerControls">
-  <documentManagement>
-    <Status xmlns="71af3243-3dd4-4a8d-8c0d-dd76da1f02a5">Not started</Status>
-    <MediaServiceKeyPoints xmlns="71af3243-3dd4-4a8d-8c0d-dd76da1f02a5" xsi:nil="true"/>
-  </documentManagement>
-</p:properties>
+<file path=customXml/itemProps1.xml><?xml version="1.0" encoding="utf-8"?>
+<ds:datastoreItem xmlns:ds="http://schemas.openxmlformats.org/officeDocument/2006/customXml" ds:itemID="{2F5E4A76-0180-4CD0-B081-82F74A336136}">
+  <ds:schemaRefs>
+    <ds:schemaRef ds:uri="http://schemas.microsoft.com/office/2006/metadata/properties"/>
+    <ds:schemaRef ds:uri="http://schemas.microsoft.com/office/infopath/2007/PartnerControls"/>
+    <ds:schemaRef ds:uri="71af3243-3dd4-4a8d-8c0d-dd76da1f02a5"/>
+  </ds:schemaRefs>
+</ds:datastoreItem>
 </file>
 
-<file path=customXml/itemProps1.xml><?xml version="1.0" encoding="utf-8"?>
+<file path=customXml/itemProps2.xml><?xml version="1.0" encoding="utf-8"?>
 <ds:datastoreItem xmlns:ds="http://schemas.openxmlformats.org/officeDocument/2006/customXml" ds:itemID="{41243E30-12F4-4BE3-B27D-23AB115E9D1F}">
   <ds:schemaRefs>
     <ds:schemaRef ds:uri="http://schemas.microsoft.com/sharepoint/v3/contenttype/forms"/>
@@ -24390,7 +27083,7 @@
 </ds:datastoreItem>
 </file>
 
-<file path=customXml/itemProps2.xml><?xml version="1.0" encoding="utf-8"?>
+<file path=customXml/itemProps3.xml><?xml version="1.0" encoding="utf-8"?>
 <ds:datastoreItem xmlns:ds="http://schemas.openxmlformats.org/officeDocument/2006/customXml" ds:itemID="{DB96A612-58F4-4E9A-9665-3987CC3AC44A}">
   <ds:schemaRefs>
     <ds:schemaRef ds:uri="http://schemas.microsoft.com/office/2006/metadata/contentType"/>
@@ -24407,14 +27100,4 @@
     <ds:schemaRef ds:uri="http://schemas.microsoft.com/internal/obd"/>
   </ds:schemaRefs>
 </ds:datastoreItem>
-</file>
-
-<file path=customXml/itemProps3.xml><?xml version="1.0" encoding="utf-8"?>
-<ds:datastoreItem xmlns:ds="http://schemas.openxmlformats.org/officeDocument/2006/customXml" ds:itemID="{2F5E4A76-0180-4CD0-B081-82F74A336136}">
-  <ds:schemaRefs>
-    <ds:schemaRef ds:uri="http://schemas.microsoft.com/office/2006/metadata/properties"/>
-    <ds:schemaRef ds:uri="http://schemas.microsoft.com/office/infopath/2007/PartnerControls"/>
-    <ds:schemaRef ds:uri="71af3243-3dd4-4a8d-8c0d-dd76da1f02a5"/>
-  </ds:schemaRefs>
-</ds:datastoreItem>
 </file>